--- a/Vortrag/LU-Zerlegung.pptx
+++ b/Vortrag/LU-Zerlegung.pptx
@@ -10,25 +10,29 @@
     <p:sldMasterId id="2147483697" r:id="rId6"/>
   </p:sldMasterIdLst>
   <p:notesMasterIdLst>
-    <p:notesMasterId r:id="rId20"/>
+    <p:notesMasterId r:id="rId24"/>
   </p:notesMasterIdLst>
   <p:handoutMasterIdLst>
-    <p:handoutMasterId r:id="rId21"/>
+    <p:handoutMasterId r:id="rId25"/>
   </p:handoutMasterIdLst>
   <p:sldIdLst>
     <p:sldId id="355" r:id="rId7"/>
     <p:sldId id="369" r:id="rId8"/>
     <p:sldId id="397" r:id="rId9"/>
     <p:sldId id="395" r:id="rId10"/>
-    <p:sldId id="398" r:id="rId11"/>
-    <p:sldId id="399" r:id="rId12"/>
-    <p:sldId id="400" r:id="rId13"/>
-    <p:sldId id="401" r:id="rId14"/>
-    <p:sldId id="403" r:id="rId15"/>
-    <p:sldId id="402" r:id="rId16"/>
-    <p:sldId id="404" r:id="rId17"/>
-    <p:sldId id="405" r:id="rId18"/>
-    <p:sldId id="406" r:id="rId19"/>
+    <p:sldId id="390" r:id="rId11"/>
+    <p:sldId id="396" r:id="rId12"/>
+    <p:sldId id="377" r:id="rId13"/>
+    <p:sldId id="394" r:id="rId14"/>
+    <p:sldId id="398" r:id="rId15"/>
+    <p:sldId id="399" r:id="rId16"/>
+    <p:sldId id="400" r:id="rId17"/>
+    <p:sldId id="401" r:id="rId18"/>
+    <p:sldId id="403" r:id="rId19"/>
+    <p:sldId id="402" r:id="rId20"/>
+    <p:sldId id="404" r:id="rId21"/>
+    <p:sldId id="405" r:id="rId22"/>
+    <p:sldId id="406" r:id="rId23"/>
   </p:sldIdLst>
   <p:sldSz cx="9144000" cy="5143500" type="screen16x9"/>
   <p:notesSz cx="9925050" cy="6665913"/>
@@ -941,6 +945,93 @@
                 <a:defRPr/>
               </a:pPr>
               <a:t>1</a:t>
+            </a:fld>
+            <a:endParaRPr lang="en-GB"/>
+          </a:p>
+        </p:txBody>
+      </p:sp>
+    </p:spTree>
+  </p:cSld>
+  <p:clrMapOvr>
+    <a:masterClrMapping/>
+  </p:clrMapOvr>
+</p:notes>
+</file>
+
+<file path=ppt/notesSlides/notesSlide2.xml><?xml version="1.0" encoding="utf-8"?>
+<p:notes xmlns:a="http://schemas.openxmlformats.org/drawingml/2006/main" xmlns:r="http://schemas.openxmlformats.org/officeDocument/2006/relationships" xmlns:p="http://schemas.openxmlformats.org/presentationml/2006/main">
+  <p:cSld>
+    <p:spTree>
+      <p:nvGrpSpPr>
+        <p:cNvPr id="1" name=""/>
+        <p:cNvGrpSpPr/>
+        <p:nvPr/>
+      </p:nvGrpSpPr>
+      <p:grpSpPr>
+        <a:xfrm>
+          <a:off x="0" y="0"/>
+          <a:ext cx="0" cy="0"/>
+          <a:chOff x="0" y="0"/>
+          <a:chExt cx="0" cy="0"/>
+        </a:xfrm>
+      </p:grpSpPr>
+      <p:sp>
+        <p:nvSpPr>
+          <p:cNvPr id="2" name="Folienbildplatzhalter 1"/>
+          <p:cNvSpPr>
+            <a:spLocks noGrp="1" noRot="1" noChangeAspect="1"/>
+          </p:cNvSpPr>
+          <p:nvPr>
+            <p:ph type="sldImg"/>
+          </p:nvPr>
+        </p:nvSpPr>
+        <p:spPr/>
+      </p:sp>
+      <p:sp>
+        <p:nvSpPr>
+          <p:cNvPr id="3" name="Notizenplatzhalter 2"/>
+          <p:cNvSpPr>
+            <a:spLocks noGrp="1"/>
+          </p:cNvSpPr>
+          <p:nvPr>
+            <p:ph type="body" idx="1"/>
+          </p:nvPr>
+        </p:nvSpPr>
+        <p:spPr/>
+        <p:txBody>
+          <a:bodyPr>
+            <a:normAutofit/>
+          </a:bodyPr>
+          <a:lstStyle/>
+          <a:p>
+            <a:endParaRPr lang="de-DE" dirty="0"/>
+          </a:p>
+        </p:txBody>
+      </p:sp>
+      <p:sp>
+        <p:nvSpPr>
+          <p:cNvPr id="4" name="Foliennummernplatzhalter 3"/>
+          <p:cNvSpPr>
+            <a:spLocks noGrp="1"/>
+          </p:cNvSpPr>
+          <p:nvPr>
+            <p:ph type="sldNum" sz="quarter" idx="10"/>
+          </p:nvPr>
+        </p:nvSpPr>
+        <p:spPr/>
+        <p:txBody>
+          <a:bodyPr/>
+          <a:lstStyle/>
+          <a:p>
+            <a:pPr>
+              <a:defRPr/>
+            </a:pPr>
+            <a:fld id="{00AFC6D0-44D5-4EB7-828F-6F464F83D79A}" type="slidenum">
+              <a:rPr lang="en-GB" smtClean="0"/>
+              <a:pPr>
+                <a:defRPr/>
+              </a:pPr>
+              <a:t>8</a:t>
             </a:fld>
             <a:endParaRPr lang="en-GB"/>
           </a:p>
@@ -7541,2135 +7632,6 @@
       </p:grpSpPr>
       <p:sp>
         <p:nvSpPr>
-          <p:cNvPr id="3" name="Titel 2"/>
-          <p:cNvSpPr>
-            <a:spLocks noGrp="1"/>
-          </p:cNvSpPr>
-          <p:nvPr>
-            <p:ph type="title"/>
-          </p:nvPr>
-        </p:nvSpPr>
-        <p:spPr>
-          <a:xfrm>
-            <a:off x="318009" y="837520"/>
-            <a:ext cx="8508999" cy="380810"/>
-          </a:xfrm>
-        </p:spPr>
-        <p:txBody>
-          <a:bodyPr/>
-          <a:lstStyle/>
-          <a:p>
-            <a:r>
-              <a:rPr lang="de-DE" dirty="0"/>
-              <a:t>Stabilität</a:t>
-            </a:r>
-          </a:p>
-        </p:txBody>
-      </p:sp>
-      <p:sp>
-        <p:nvSpPr>
-          <p:cNvPr id="4" name="Foliennummernplatzhalter 3"/>
-          <p:cNvSpPr>
-            <a:spLocks noGrp="1"/>
-          </p:cNvSpPr>
-          <p:nvPr>
-            <p:ph type="sldNum" sz="quarter" idx="11"/>
-          </p:nvPr>
-        </p:nvSpPr>
-        <p:spPr/>
-        <p:txBody>
-          <a:bodyPr/>
-          <a:lstStyle/>
-          <a:p>
-            <a:fld id="{CE58CB1E-F828-4F11-99E0-327109AF9DA4}" type="slidenum">
-              <a:rPr lang="de-DE" smtClean="0"/>
-              <a:pPr/>
-              <a:t>10</a:t>
-            </a:fld>
-            <a:endParaRPr lang="de-DE" dirty="0"/>
-          </a:p>
-        </p:txBody>
-      </p:sp>
-      <p:sp>
-        <p:nvSpPr>
-          <p:cNvPr id="7" name="Fußzeilenplatzhalter 4"/>
-          <p:cNvSpPr>
-            <a:spLocks noGrp="1"/>
-          </p:cNvSpPr>
-          <p:nvPr>
-            <p:ph type="ftr" sz="quarter" idx="12"/>
-          </p:nvPr>
-        </p:nvSpPr>
-        <p:spPr/>
-        <p:txBody>
-          <a:bodyPr/>
-          <a:lstStyle/>
-          <a:p>
-            <a:r>
-              <a:rPr lang="de-DE" sz="1000" dirty="0"/>
-              <a:t>Von </a:t>
-            </a:r>
-            <a:r>
-              <a:rPr lang="de-DE" sz="1000" dirty="0" err="1"/>
-              <a:t>Aleksandre</a:t>
-            </a:r>
-            <a:r>
-              <a:rPr lang="de-DE" sz="1000" dirty="0"/>
-              <a:t> </a:t>
-            </a:r>
-            <a:r>
-              <a:rPr lang="de-DE" sz="1000" dirty="0" err="1"/>
-              <a:t>Kandelaki</a:t>
-            </a:r>
-            <a:r>
-              <a:rPr lang="de-DE" sz="1000" dirty="0"/>
-              <a:t>, Matthias Staritz und Benjamin Liertz</a:t>
-            </a:r>
-          </a:p>
-        </p:txBody>
-      </p:sp>
-      <p:sp>
-        <p:nvSpPr>
-          <p:cNvPr id="12" name="Inhaltsplatzhalter 1">
-            <a:extLst>
-              <a:ext uri="{FF2B5EF4-FFF2-40B4-BE49-F238E27FC236}">
-                <a16:creationId xmlns:a16="http://schemas.microsoft.com/office/drawing/2014/main" id="{EA24239F-09B4-478A-BB7B-02CC321FC71F}"/>
-              </a:ext>
-            </a:extLst>
-          </p:cNvPr>
-          <p:cNvSpPr txBox="1">
-            <a:spLocks/>
-          </p:cNvSpPr>
-          <p:nvPr/>
-        </p:nvSpPr>
-        <p:spPr>
-          <a:xfrm>
-            <a:off x="519507" y="2613902"/>
-            <a:ext cx="1150937" cy="273024"/>
-          </a:xfrm>
-          <a:prstGeom prst="rect">
-            <a:avLst/>
-          </a:prstGeom>
-          <a:noFill/>
-          <a:ln w="9525">
-            <a:noFill/>
-            <a:miter lim="800000"/>
-            <a:headEnd/>
-            <a:tailEnd/>
-          </a:ln>
-        </p:spPr>
-        <p:txBody>
-          <a:bodyPr vert="horz" wrap="square" lIns="0" tIns="0" rIns="0" bIns="0" numCol="1" anchor="t" anchorCtr="0" compatLnSpc="1">
-            <a:prstTxWarp prst="textNoShape">
-              <a:avLst/>
-            </a:prstTxWarp>
-          </a:bodyPr>
-          <a:lstStyle>
-            <a:lvl1pPr algn="l" rtl="0" eaLnBrk="0" fontAlgn="base" hangingPunct="0">
-              <a:lnSpc>
-                <a:spcPct val="114000"/>
-              </a:lnSpc>
-              <a:spcBef>
-                <a:spcPct val="0"/>
-              </a:spcBef>
-              <a:spcAft>
-                <a:spcPct val="0"/>
-              </a:spcAft>
-              <a:defRPr lang="de-DE" sz="1400" kern="1200" noProof="0" dirty="0" smtClean="0">
-                <a:solidFill>
-                  <a:schemeClr val="tx1"/>
-                </a:solidFill>
-                <a:latin typeface="+mn-lt"/>
-                <a:ea typeface="+mn-ea"/>
-                <a:cs typeface="+mn-cs"/>
-              </a:defRPr>
-            </a:lvl1pPr>
-            <a:lvl2pPr marL="176213" indent="-176213" algn="l" rtl="0" eaLnBrk="0" fontAlgn="base" hangingPunct="0">
-              <a:lnSpc>
-                <a:spcPct val="114000"/>
-              </a:lnSpc>
-              <a:spcBef>
-                <a:spcPct val="0"/>
-              </a:spcBef>
-              <a:spcAft>
-                <a:spcPct val="0"/>
-              </a:spcAft>
-              <a:buFont typeface="Arial" charset="0"/>
-              <a:buChar char="•"/>
-              <a:defRPr lang="de-DE" sz="1400" kern="1200" noProof="0" dirty="0" smtClean="0">
-                <a:solidFill>
-                  <a:schemeClr val="tx1"/>
-                </a:solidFill>
-                <a:latin typeface="+mn-lt"/>
-                <a:ea typeface="+mn-ea"/>
-                <a:cs typeface="+mn-cs"/>
-              </a:defRPr>
-            </a:lvl2pPr>
-            <a:lvl3pPr marL="360363" indent="-184150" algn="l" rtl="0" eaLnBrk="0" fontAlgn="base" hangingPunct="0">
-              <a:lnSpc>
-                <a:spcPct val="125000"/>
-              </a:lnSpc>
-              <a:spcBef>
-                <a:spcPct val="0"/>
-              </a:spcBef>
-              <a:spcAft>
-                <a:spcPct val="0"/>
-              </a:spcAft>
-              <a:buFont typeface="Symbol" pitchFamily="18" charset="2"/>
-              <a:buChar char="-"/>
-              <a:defRPr sz="1400" kern="1200">
-                <a:solidFill>
-                  <a:schemeClr val="tx1"/>
-                </a:solidFill>
-                <a:latin typeface="+mn-lt"/>
-                <a:ea typeface="+mn-ea"/>
-                <a:cs typeface="+mn-cs"/>
-              </a:defRPr>
-            </a:lvl3pPr>
-            <a:lvl4pPr marL="538163" indent="-177800" algn="l" rtl="0" eaLnBrk="0" fontAlgn="base" hangingPunct="0">
-              <a:lnSpc>
-                <a:spcPct val="125000"/>
-              </a:lnSpc>
-              <a:spcBef>
-                <a:spcPct val="0"/>
-              </a:spcBef>
-              <a:spcAft>
-                <a:spcPct val="0"/>
-              </a:spcAft>
-              <a:buFont typeface="Symbol" pitchFamily="18" charset="2"/>
-              <a:buChar char="-"/>
-              <a:defRPr sz="1400" kern="1200">
-                <a:solidFill>
-                  <a:schemeClr val="tx1"/>
-                </a:solidFill>
-                <a:latin typeface="+mn-lt"/>
-                <a:ea typeface="+mn-ea"/>
-                <a:cs typeface="+mn-cs"/>
-              </a:defRPr>
-            </a:lvl4pPr>
-            <a:lvl5pPr marL="714375" indent="-176213" algn="l" rtl="0" eaLnBrk="0" fontAlgn="base" hangingPunct="0">
-              <a:lnSpc>
-                <a:spcPct val="125000"/>
-              </a:lnSpc>
-              <a:spcBef>
-                <a:spcPct val="0"/>
-              </a:spcBef>
-              <a:spcAft>
-                <a:spcPct val="0"/>
-              </a:spcAft>
-              <a:buFont typeface="Symbol" pitchFamily="18" charset="2"/>
-              <a:buChar char="-"/>
-              <a:defRPr sz="1400" kern="1200">
-                <a:solidFill>
-                  <a:schemeClr val="tx1"/>
-                </a:solidFill>
-                <a:latin typeface="+mn-lt"/>
-                <a:ea typeface="+mn-ea"/>
-                <a:cs typeface="+mn-cs"/>
-              </a:defRPr>
-            </a:lvl5pPr>
-            <a:lvl6pPr marL="2514600" indent="-228600" algn="l" defTabSz="914400" rtl="0" eaLnBrk="1" latinLnBrk="0" hangingPunct="1">
-              <a:spcBef>
-                <a:spcPct val="20000"/>
-              </a:spcBef>
-              <a:buFont typeface="Arial" pitchFamily="34" charset="0"/>
-              <a:buChar char="•"/>
-              <a:defRPr sz="2000" kern="1200">
-                <a:solidFill>
-                  <a:schemeClr val="tx1"/>
-                </a:solidFill>
-                <a:latin typeface="+mn-lt"/>
-                <a:ea typeface="+mn-ea"/>
-                <a:cs typeface="+mn-cs"/>
-              </a:defRPr>
-            </a:lvl6pPr>
-            <a:lvl7pPr marL="2971800" indent="-228600" algn="l" defTabSz="914400" rtl="0" eaLnBrk="1" latinLnBrk="0" hangingPunct="1">
-              <a:spcBef>
-                <a:spcPct val="20000"/>
-              </a:spcBef>
-              <a:buFont typeface="Arial" pitchFamily="34" charset="0"/>
-              <a:buChar char="•"/>
-              <a:defRPr sz="2000" kern="1200">
-                <a:solidFill>
-                  <a:schemeClr val="tx1"/>
-                </a:solidFill>
-                <a:latin typeface="+mn-lt"/>
-                <a:ea typeface="+mn-ea"/>
-                <a:cs typeface="+mn-cs"/>
-              </a:defRPr>
-            </a:lvl7pPr>
-            <a:lvl8pPr marL="3429000" indent="-228600" algn="l" defTabSz="914400" rtl="0" eaLnBrk="1" latinLnBrk="0" hangingPunct="1">
-              <a:spcBef>
-                <a:spcPct val="20000"/>
-              </a:spcBef>
-              <a:buFont typeface="Arial" pitchFamily="34" charset="0"/>
-              <a:buChar char="•"/>
-              <a:defRPr sz="2000" kern="1200">
-                <a:solidFill>
-                  <a:schemeClr val="tx1"/>
-                </a:solidFill>
-                <a:latin typeface="+mn-lt"/>
-                <a:ea typeface="+mn-ea"/>
-                <a:cs typeface="+mn-cs"/>
-              </a:defRPr>
-            </a:lvl8pPr>
-            <a:lvl9pPr marL="3886200" indent="-228600" algn="l" defTabSz="914400" rtl="0" eaLnBrk="1" latinLnBrk="0" hangingPunct="1">
-              <a:spcBef>
-                <a:spcPct val="20000"/>
-              </a:spcBef>
-              <a:buFont typeface="Arial" pitchFamily="34" charset="0"/>
-              <a:buChar char="•"/>
-              <a:defRPr sz="2000" kern="1200">
-                <a:solidFill>
-                  <a:schemeClr val="tx1"/>
-                </a:solidFill>
-                <a:latin typeface="+mn-lt"/>
-                <a:ea typeface="+mn-ea"/>
-                <a:cs typeface="+mn-cs"/>
-              </a:defRPr>
-            </a:lvl9pPr>
-          </a:lstStyle>
-          <a:p>
-            <a:r>
-              <a:rPr lang="de-DE" dirty="0"/>
-              <a:t>Störung in b:</a:t>
-            </a:r>
-          </a:p>
-        </p:txBody>
-      </p:sp>
-      <p:sp>
-        <p:nvSpPr>
-          <p:cNvPr id="14" name="Inhaltsplatzhalter 1">
-            <a:extLst>
-              <a:ext uri="{FF2B5EF4-FFF2-40B4-BE49-F238E27FC236}">
-                <a16:creationId xmlns:a16="http://schemas.microsoft.com/office/drawing/2014/main" id="{7BDA6D9C-589B-402B-BB39-839E04D37DE4}"/>
-              </a:ext>
-            </a:extLst>
-          </p:cNvPr>
-          <p:cNvSpPr txBox="1">
-            <a:spLocks/>
-          </p:cNvSpPr>
-          <p:nvPr/>
-        </p:nvSpPr>
-        <p:spPr>
-          <a:xfrm>
-            <a:off x="519112" y="3461381"/>
-            <a:ext cx="1566861" cy="273844"/>
-          </a:xfrm>
-          <a:prstGeom prst="rect">
-            <a:avLst/>
-          </a:prstGeom>
-          <a:noFill/>
-          <a:ln w="9525">
-            <a:noFill/>
-            <a:miter lim="800000"/>
-            <a:headEnd/>
-            <a:tailEnd/>
-          </a:ln>
-        </p:spPr>
-        <p:txBody>
-          <a:bodyPr vert="horz" wrap="square" lIns="0" tIns="0" rIns="0" bIns="0" numCol="1" anchor="t" anchorCtr="0" compatLnSpc="1">
-            <a:prstTxWarp prst="textNoShape">
-              <a:avLst/>
-            </a:prstTxWarp>
-          </a:bodyPr>
-          <a:lstStyle>
-            <a:lvl1pPr algn="l" rtl="0" eaLnBrk="0" fontAlgn="base" hangingPunct="0">
-              <a:lnSpc>
-                <a:spcPct val="114000"/>
-              </a:lnSpc>
-              <a:spcBef>
-                <a:spcPct val="0"/>
-              </a:spcBef>
-              <a:spcAft>
-                <a:spcPct val="0"/>
-              </a:spcAft>
-              <a:defRPr lang="de-DE" sz="1400" kern="1200" noProof="0" dirty="0" smtClean="0">
-                <a:solidFill>
-                  <a:schemeClr val="tx1"/>
-                </a:solidFill>
-                <a:latin typeface="+mn-lt"/>
-                <a:ea typeface="+mn-ea"/>
-                <a:cs typeface="+mn-cs"/>
-              </a:defRPr>
-            </a:lvl1pPr>
-            <a:lvl2pPr marL="176213" indent="-176213" algn="l" rtl="0" eaLnBrk="0" fontAlgn="base" hangingPunct="0">
-              <a:lnSpc>
-                <a:spcPct val="114000"/>
-              </a:lnSpc>
-              <a:spcBef>
-                <a:spcPct val="0"/>
-              </a:spcBef>
-              <a:spcAft>
-                <a:spcPct val="0"/>
-              </a:spcAft>
-              <a:buFont typeface="Arial" charset="0"/>
-              <a:buChar char="•"/>
-              <a:defRPr lang="de-DE" sz="1400" kern="1200" noProof="0" dirty="0" smtClean="0">
-                <a:solidFill>
-                  <a:schemeClr val="tx1"/>
-                </a:solidFill>
-                <a:latin typeface="+mn-lt"/>
-                <a:ea typeface="+mn-ea"/>
-                <a:cs typeface="+mn-cs"/>
-              </a:defRPr>
-            </a:lvl2pPr>
-            <a:lvl3pPr marL="360363" indent="-184150" algn="l" rtl="0" eaLnBrk="0" fontAlgn="base" hangingPunct="0">
-              <a:lnSpc>
-                <a:spcPct val="125000"/>
-              </a:lnSpc>
-              <a:spcBef>
-                <a:spcPct val="0"/>
-              </a:spcBef>
-              <a:spcAft>
-                <a:spcPct val="0"/>
-              </a:spcAft>
-              <a:buFont typeface="Symbol" pitchFamily="18" charset="2"/>
-              <a:buChar char="-"/>
-              <a:defRPr sz="1400" kern="1200">
-                <a:solidFill>
-                  <a:schemeClr val="tx1"/>
-                </a:solidFill>
-                <a:latin typeface="+mn-lt"/>
-                <a:ea typeface="+mn-ea"/>
-                <a:cs typeface="+mn-cs"/>
-              </a:defRPr>
-            </a:lvl3pPr>
-            <a:lvl4pPr marL="538163" indent="-177800" algn="l" rtl="0" eaLnBrk="0" fontAlgn="base" hangingPunct="0">
-              <a:lnSpc>
-                <a:spcPct val="125000"/>
-              </a:lnSpc>
-              <a:spcBef>
-                <a:spcPct val="0"/>
-              </a:spcBef>
-              <a:spcAft>
-                <a:spcPct val="0"/>
-              </a:spcAft>
-              <a:buFont typeface="Symbol" pitchFamily="18" charset="2"/>
-              <a:buChar char="-"/>
-              <a:defRPr sz="1400" kern="1200">
-                <a:solidFill>
-                  <a:schemeClr val="tx1"/>
-                </a:solidFill>
-                <a:latin typeface="+mn-lt"/>
-                <a:ea typeface="+mn-ea"/>
-                <a:cs typeface="+mn-cs"/>
-              </a:defRPr>
-            </a:lvl4pPr>
-            <a:lvl5pPr marL="714375" indent="-176213" algn="l" rtl="0" eaLnBrk="0" fontAlgn="base" hangingPunct="0">
-              <a:lnSpc>
-                <a:spcPct val="125000"/>
-              </a:lnSpc>
-              <a:spcBef>
-                <a:spcPct val="0"/>
-              </a:spcBef>
-              <a:spcAft>
-                <a:spcPct val="0"/>
-              </a:spcAft>
-              <a:buFont typeface="Symbol" pitchFamily="18" charset="2"/>
-              <a:buChar char="-"/>
-              <a:defRPr sz="1400" kern="1200">
-                <a:solidFill>
-                  <a:schemeClr val="tx1"/>
-                </a:solidFill>
-                <a:latin typeface="+mn-lt"/>
-                <a:ea typeface="+mn-ea"/>
-                <a:cs typeface="+mn-cs"/>
-              </a:defRPr>
-            </a:lvl5pPr>
-            <a:lvl6pPr marL="2514600" indent="-228600" algn="l" defTabSz="914400" rtl="0" eaLnBrk="1" latinLnBrk="0" hangingPunct="1">
-              <a:spcBef>
-                <a:spcPct val="20000"/>
-              </a:spcBef>
-              <a:buFont typeface="Arial" pitchFamily="34" charset="0"/>
-              <a:buChar char="•"/>
-              <a:defRPr sz="2000" kern="1200">
-                <a:solidFill>
-                  <a:schemeClr val="tx1"/>
-                </a:solidFill>
-                <a:latin typeface="+mn-lt"/>
-                <a:ea typeface="+mn-ea"/>
-                <a:cs typeface="+mn-cs"/>
-              </a:defRPr>
-            </a:lvl6pPr>
-            <a:lvl7pPr marL="2971800" indent="-228600" algn="l" defTabSz="914400" rtl="0" eaLnBrk="1" latinLnBrk="0" hangingPunct="1">
-              <a:spcBef>
-                <a:spcPct val="20000"/>
-              </a:spcBef>
-              <a:buFont typeface="Arial" pitchFamily="34" charset="0"/>
-              <a:buChar char="•"/>
-              <a:defRPr sz="2000" kern="1200">
-                <a:solidFill>
-                  <a:schemeClr val="tx1"/>
-                </a:solidFill>
-                <a:latin typeface="+mn-lt"/>
-                <a:ea typeface="+mn-ea"/>
-                <a:cs typeface="+mn-cs"/>
-              </a:defRPr>
-            </a:lvl7pPr>
-            <a:lvl8pPr marL="3429000" indent="-228600" algn="l" defTabSz="914400" rtl="0" eaLnBrk="1" latinLnBrk="0" hangingPunct="1">
-              <a:spcBef>
-                <a:spcPct val="20000"/>
-              </a:spcBef>
-              <a:buFont typeface="Arial" pitchFamily="34" charset="0"/>
-              <a:buChar char="•"/>
-              <a:defRPr sz="2000" kern="1200">
-                <a:solidFill>
-                  <a:schemeClr val="tx1"/>
-                </a:solidFill>
-                <a:latin typeface="+mn-lt"/>
-                <a:ea typeface="+mn-ea"/>
-                <a:cs typeface="+mn-cs"/>
-              </a:defRPr>
-            </a:lvl8pPr>
-            <a:lvl9pPr marL="3886200" indent="-228600" algn="l" defTabSz="914400" rtl="0" eaLnBrk="1" latinLnBrk="0" hangingPunct="1">
-              <a:spcBef>
-                <a:spcPct val="20000"/>
-              </a:spcBef>
-              <a:buFont typeface="Arial" pitchFamily="34" charset="0"/>
-              <a:buChar char="•"/>
-              <a:defRPr sz="2000" kern="1200">
-                <a:solidFill>
-                  <a:schemeClr val="tx1"/>
-                </a:solidFill>
-                <a:latin typeface="+mn-lt"/>
-                <a:ea typeface="+mn-ea"/>
-                <a:cs typeface="+mn-cs"/>
-              </a:defRPr>
-            </a:lvl9pPr>
-          </a:lstStyle>
-          <a:p>
-            <a:r>
-              <a:rPr lang="de-DE" dirty="0"/>
-              <a:t>Störung in A und b:</a:t>
-            </a:r>
-          </a:p>
-        </p:txBody>
-      </p:sp>
-      <p:pic>
-        <p:nvPicPr>
-          <p:cNvPr id="8" name="Grafik 7">
-            <a:extLst>
-              <a:ext uri="{FF2B5EF4-FFF2-40B4-BE49-F238E27FC236}">
-                <a16:creationId xmlns:a16="http://schemas.microsoft.com/office/drawing/2014/main" id="{6E8B74D9-FFB9-41E2-B870-99E5A2F887B7}"/>
-              </a:ext>
-            </a:extLst>
-          </p:cNvPr>
-          <p:cNvPicPr>
-            <a:picLocks noChangeAspect="1"/>
-          </p:cNvPicPr>
-          <p:nvPr/>
-        </p:nvPicPr>
-        <p:blipFill>
-          <a:blip r:embed="rId2"/>
-          <a:stretch>
-            <a:fillRect/>
-          </a:stretch>
-        </p:blipFill>
-        <p:spPr>
-          <a:xfrm>
-            <a:off x="673894" y="1821661"/>
-            <a:ext cx="2996406" cy="464326"/>
-          </a:xfrm>
-          <a:prstGeom prst="rect">
-            <a:avLst/>
-          </a:prstGeom>
-        </p:spPr>
-      </p:pic>
-      <p:pic>
-        <p:nvPicPr>
-          <p:cNvPr id="13" name="Grafik 12">
-            <a:extLst>
-              <a:ext uri="{FF2B5EF4-FFF2-40B4-BE49-F238E27FC236}">
-                <a16:creationId xmlns:a16="http://schemas.microsoft.com/office/drawing/2014/main" id="{962F3173-5F50-4EFC-A28F-48FDBF85B6DA}"/>
-              </a:ext>
-            </a:extLst>
-          </p:cNvPr>
-          <p:cNvPicPr>
-            <a:picLocks noChangeAspect="1"/>
-          </p:cNvPicPr>
-          <p:nvPr/>
-        </p:nvPicPr>
-        <p:blipFill>
-          <a:blip r:embed="rId3"/>
-          <a:stretch>
-            <a:fillRect/>
-          </a:stretch>
-        </p:blipFill>
-        <p:spPr>
-          <a:xfrm>
-            <a:off x="657948" y="2895817"/>
-            <a:ext cx="2545556" cy="241345"/>
-          </a:xfrm>
-          <a:prstGeom prst="rect">
-            <a:avLst/>
-          </a:prstGeom>
-        </p:spPr>
-      </p:pic>
-      <p:pic>
-        <p:nvPicPr>
-          <p:cNvPr id="18" name="Grafik 17">
-            <a:extLst>
-              <a:ext uri="{FF2B5EF4-FFF2-40B4-BE49-F238E27FC236}">
-                <a16:creationId xmlns:a16="http://schemas.microsoft.com/office/drawing/2014/main" id="{47458DB7-1AFF-433A-9155-48ADBEFE4B4A}"/>
-              </a:ext>
-            </a:extLst>
-          </p:cNvPr>
-          <p:cNvPicPr>
-            <a:picLocks noChangeAspect="1"/>
-          </p:cNvPicPr>
-          <p:nvPr/>
-        </p:nvPicPr>
-        <p:blipFill>
-          <a:blip r:embed="rId4"/>
-          <a:stretch>
-            <a:fillRect/>
-          </a:stretch>
-        </p:blipFill>
-        <p:spPr>
-          <a:xfrm>
-            <a:off x="673894" y="3746992"/>
-            <a:ext cx="3369504" cy="485811"/>
-          </a:xfrm>
-          <a:prstGeom prst="rect">
-            <a:avLst/>
-          </a:prstGeom>
-        </p:spPr>
-      </p:pic>
-      <p:sp>
-        <p:nvSpPr>
-          <p:cNvPr id="24" name="Inhaltsplatzhalter 1">
-            <a:extLst>
-              <a:ext uri="{FF2B5EF4-FFF2-40B4-BE49-F238E27FC236}">
-                <a16:creationId xmlns:a16="http://schemas.microsoft.com/office/drawing/2014/main" id="{9AADE4AC-6381-47DA-8125-FD5EC35C260B}"/>
-              </a:ext>
-            </a:extLst>
-          </p:cNvPr>
-          <p:cNvSpPr txBox="1">
-            <a:spLocks/>
-          </p:cNvSpPr>
-          <p:nvPr/>
-        </p:nvSpPr>
-        <p:spPr>
-          <a:xfrm>
-            <a:off x="519112" y="1544842"/>
-            <a:ext cx="2275681" cy="273844"/>
-          </a:xfrm>
-          <a:prstGeom prst="rect">
-            <a:avLst/>
-          </a:prstGeom>
-          <a:noFill/>
-          <a:ln w="9525">
-            <a:noFill/>
-            <a:miter lim="800000"/>
-            <a:headEnd/>
-            <a:tailEnd/>
-          </a:ln>
-        </p:spPr>
-        <p:txBody>
-          <a:bodyPr vert="horz" wrap="square" lIns="0" tIns="0" rIns="0" bIns="0" numCol="1" anchor="t" anchorCtr="0" compatLnSpc="1">
-            <a:prstTxWarp prst="textNoShape">
-              <a:avLst/>
-            </a:prstTxWarp>
-          </a:bodyPr>
-          <a:lstStyle>
-            <a:lvl1pPr algn="l" rtl="0" eaLnBrk="0" fontAlgn="base" hangingPunct="0">
-              <a:lnSpc>
-                <a:spcPct val="114000"/>
-              </a:lnSpc>
-              <a:spcBef>
-                <a:spcPct val="0"/>
-              </a:spcBef>
-              <a:spcAft>
-                <a:spcPct val="0"/>
-              </a:spcAft>
-              <a:defRPr lang="de-DE" sz="1400" kern="1200" noProof="0" dirty="0" smtClean="0">
-                <a:solidFill>
-                  <a:schemeClr val="tx1"/>
-                </a:solidFill>
-                <a:latin typeface="+mn-lt"/>
-                <a:ea typeface="+mn-ea"/>
-                <a:cs typeface="+mn-cs"/>
-              </a:defRPr>
-            </a:lvl1pPr>
-            <a:lvl2pPr marL="176213" indent="-176213" algn="l" rtl="0" eaLnBrk="0" fontAlgn="base" hangingPunct="0">
-              <a:lnSpc>
-                <a:spcPct val="114000"/>
-              </a:lnSpc>
-              <a:spcBef>
-                <a:spcPct val="0"/>
-              </a:spcBef>
-              <a:spcAft>
-                <a:spcPct val="0"/>
-              </a:spcAft>
-              <a:buFont typeface="Arial" charset="0"/>
-              <a:buChar char="•"/>
-              <a:defRPr lang="de-DE" sz="1400" kern="1200" noProof="0" dirty="0" smtClean="0">
-                <a:solidFill>
-                  <a:schemeClr val="tx1"/>
-                </a:solidFill>
-                <a:latin typeface="+mn-lt"/>
-                <a:ea typeface="+mn-ea"/>
-                <a:cs typeface="+mn-cs"/>
-              </a:defRPr>
-            </a:lvl2pPr>
-            <a:lvl3pPr marL="360363" indent="-184150" algn="l" rtl="0" eaLnBrk="0" fontAlgn="base" hangingPunct="0">
-              <a:lnSpc>
-                <a:spcPct val="125000"/>
-              </a:lnSpc>
-              <a:spcBef>
-                <a:spcPct val="0"/>
-              </a:spcBef>
-              <a:spcAft>
-                <a:spcPct val="0"/>
-              </a:spcAft>
-              <a:buFont typeface="Symbol" pitchFamily="18" charset="2"/>
-              <a:buChar char="-"/>
-              <a:defRPr sz="1400" kern="1200">
-                <a:solidFill>
-                  <a:schemeClr val="tx1"/>
-                </a:solidFill>
-                <a:latin typeface="+mn-lt"/>
-                <a:ea typeface="+mn-ea"/>
-                <a:cs typeface="+mn-cs"/>
-              </a:defRPr>
-            </a:lvl3pPr>
-            <a:lvl4pPr marL="538163" indent="-177800" algn="l" rtl="0" eaLnBrk="0" fontAlgn="base" hangingPunct="0">
-              <a:lnSpc>
-                <a:spcPct val="125000"/>
-              </a:lnSpc>
-              <a:spcBef>
-                <a:spcPct val="0"/>
-              </a:spcBef>
-              <a:spcAft>
-                <a:spcPct val="0"/>
-              </a:spcAft>
-              <a:buFont typeface="Symbol" pitchFamily="18" charset="2"/>
-              <a:buChar char="-"/>
-              <a:defRPr sz="1400" kern="1200">
-                <a:solidFill>
-                  <a:schemeClr val="tx1"/>
-                </a:solidFill>
-                <a:latin typeface="+mn-lt"/>
-                <a:ea typeface="+mn-ea"/>
-                <a:cs typeface="+mn-cs"/>
-              </a:defRPr>
-            </a:lvl4pPr>
-            <a:lvl5pPr marL="714375" indent="-176213" algn="l" rtl="0" eaLnBrk="0" fontAlgn="base" hangingPunct="0">
-              <a:lnSpc>
-                <a:spcPct val="125000"/>
-              </a:lnSpc>
-              <a:spcBef>
-                <a:spcPct val="0"/>
-              </a:spcBef>
-              <a:spcAft>
-                <a:spcPct val="0"/>
-              </a:spcAft>
-              <a:buFont typeface="Symbol" pitchFamily="18" charset="2"/>
-              <a:buChar char="-"/>
-              <a:defRPr sz="1400" kern="1200">
-                <a:solidFill>
-                  <a:schemeClr val="tx1"/>
-                </a:solidFill>
-                <a:latin typeface="+mn-lt"/>
-                <a:ea typeface="+mn-ea"/>
-                <a:cs typeface="+mn-cs"/>
-              </a:defRPr>
-            </a:lvl5pPr>
-            <a:lvl6pPr marL="2514600" indent="-228600" algn="l" defTabSz="914400" rtl="0" eaLnBrk="1" latinLnBrk="0" hangingPunct="1">
-              <a:spcBef>
-                <a:spcPct val="20000"/>
-              </a:spcBef>
-              <a:buFont typeface="Arial" pitchFamily="34" charset="0"/>
-              <a:buChar char="•"/>
-              <a:defRPr sz="2000" kern="1200">
-                <a:solidFill>
-                  <a:schemeClr val="tx1"/>
-                </a:solidFill>
-                <a:latin typeface="+mn-lt"/>
-                <a:ea typeface="+mn-ea"/>
-                <a:cs typeface="+mn-cs"/>
-              </a:defRPr>
-            </a:lvl6pPr>
-            <a:lvl7pPr marL="2971800" indent="-228600" algn="l" defTabSz="914400" rtl="0" eaLnBrk="1" latinLnBrk="0" hangingPunct="1">
-              <a:spcBef>
-                <a:spcPct val="20000"/>
-              </a:spcBef>
-              <a:buFont typeface="Arial" pitchFamily="34" charset="0"/>
-              <a:buChar char="•"/>
-              <a:defRPr sz="2000" kern="1200">
-                <a:solidFill>
-                  <a:schemeClr val="tx1"/>
-                </a:solidFill>
-                <a:latin typeface="+mn-lt"/>
-                <a:ea typeface="+mn-ea"/>
-                <a:cs typeface="+mn-cs"/>
-              </a:defRPr>
-            </a:lvl7pPr>
-            <a:lvl8pPr marL="3429000" indent="-228600" algn="l" defTabSz="914400" rtl="0" eaLnBrk="1" latinLnBrk="0" hangingPunct="1">
-              <a:spcBef>
-                <a:spcPct val="20000"/>
-              </a:spcBef>
-              <a:buFont typeface="Arial" pitchFamily="34" charset="0"/>
-              <a:buChar char="•"/>
-              <a:defRPr sz="2000" kern="1200">
-                <a:solidFill>
-                  <a:schemeClr val="tx1"/>
-                </a:solidFill>
-                <a:latin typeface="+mn-lt"/>
-                <a:ea typeface="+mn-ea"/>
-                <a:cs typeface="+mn-cs"/>
-              </a:defRPr>
-            </a:lvl8pPr>
-            <a:lvl9pPr marL="3886200" indent="-228600" algn="l" defTabSz="914400" rtl="0" eaLnBrk="1" latinLnBrk="0" hangingPunct="1">
-              <a:spcBef>
-                <a:spcPct val="20000"/>
-              </a:spcBef>
-              <a:buFont typeface="Arial" pitchFamily="34" charset="0"/>
-              <a:buChar char="•"/>
-              <a:defRPr sz="2000" kern="1200">
-                <a:solidFill>
-                  <a:schemeClr val="tx1"/>
-                </a:solidFill>
-                <a:latin typeface="+mn-lt"/>
-                <a:ea typeface="+mn-ea"/>
-                <a:cs typeface="+mn-cs"/>
-              </a:defRPr>
-            </a:lvl9pPr>
-          </a:lstStyle>
-          <a:p>
-            <a:r>
-              <a:rPr lang="de-DE" dirty="0"/>
-              <a:t>Beschränkung der Störung:</a:t>
-            </a:r>
-          </a:p>
-        </p:txBody>
-      </p:sp>
-    </p:spTree>
-    <p:extLst>
-      <p:ext uri="{BB962C8B-B14F-4D97-AF65-F5344CB8AC3E}">
-        <p14:creationId xmlns:p14="http://schemas.microsoft.com/office/powerpoint/2010/main" val="2543984214"/>
-      </p:ext>
-    </p:extLst>
-  </p:cSld>
-  <p:clrMapOvr>
-    <a:masterClrMapping/>
-  </p:clrMapOvr>
-</p:sld>
-</file>
-
-<file path=ppt/slides/slide11.xml><?xml version="1.0" encoding="utf-8"?>
-<p:sld xmlns:a="http://schemas.openxmlformats.org/drawingml/2006/main" xmlns:r="http://schemas.openxmlformats.org/officeDocument/2006/relationships" xmlns:p="http://schemas.openxmlformats.org/presentationml/2006/main">
-  <p:cSld>
-    <p:spTree>
-      <p:nvGrpSpPr>
-        <p:cNvPr id="1" name=""/>
-        <p:cNvGrpSpPr/>
-        <p:nvPr/>
-      </p:nvGrpSpPr>
-      <p:grpSpPr>
-        <a:xfrm>
-          <a:off x="0" y="0"/>
-          <a:ext cx="0" cy="0"/>
-          <a:chOff x="0" y="0"/>
-          <a:chExt cx="0" cy="0"/>
-        </a:xfrm>
-      </p:grpSpPr>
-      <p:sp>
-        <p:nvSpPr>
-          <p:cNvPr id="3" name="Titel 2"/>
-          <p:cNvSpPr>
-            <a:spLocks noGrp="1"/>
-          </p:cNvSpPr>
-          <p:nvPr>
-            <p:ph type="title"/>
-          </p:nvPr>
-        </p:nvSpPr>
-        <p:spPr>
-          <a:xfrm>
-            <a:off x="318009" y="837520"/>
-            <a:ext cx="8508999" cy="380810"/>
-          </a:xfrm>
-        </p:spPr>
-        <p:txBody>
-          <a:bodyPr/>
-          <a:lstStyle/>
-          <a:p>
-            <a:r>
-              <a:rPr lang="de-DE" dirty="0" err="1"/>
-              <a:t>Pivotisierend</a:t>
-            </a:r>
-            <a:r>
-              <a:rPr lang="de-DE" dirty="0"/>
-              <a:t> vs. Nicht-</a:t>
-            </a:r>
-            <a:r>
-              <a:rPr lang="de-DE" dirty="0" err="1"/>
-              <a:t>Pivotisierend</a:t>
-            </a:r>
-            <a:endParaRPr lang="de-DE" dirty="0"/>
-          </a:p>
-        </p:txBody>
-      </p:sp>
-      <p:sp>
-        <p:nvSpPr>
-          <p:cNvPr id="4" name="Foliennummernplatzhalter 3"/>
-          <p:cNvSpPr>
-            <a:spLocks noGrp="1"/>
-          </p:cNvSpPr>
-          <p:nvPr>
-            <p:ph type="sldNum" sz="quarter" idx="11"/>
-          </p:nvPr>
-        </p:nvSpPr>
-        <p:spPr/>
-        <p:txBody>
-          <a:bodyPr/>
-          <a:lstStyle/>
-          <a:p>
-            <a:fld id="{CE58CB1E-F828-4F11-99E0-327109AF9DA4}" type="slidenum">
-              <a:rPr lang="de-DE" smtClean="0"/>
-              <a:pPr/>
-              <a:t>11</a:t>
-            </a:fld>
-            <a:endParaRPr lang="de-DE" dirty="0"/>
-          </a:p>
-        </p:txBody>
-      </p:sp>
-      <p:sp>
-        <p:nvSpPr>
-          <p:cNvPr id="7" name="Fußzeilenplatzhalter 4"/>
-          <p:cNvSpPr>
-            <a:spLocks noGrp="1"/>
-          </p:cNvSpPr>
-          <p:nvPr>
-            <p:ph type="ftr" sz="quarter" idx="12"/>
-          </p:nvPr>
-        </p:nvSpPr>
-        <p:spPr/>
-        <p:txBody>
-          <a:bodyPr/>
-          <a:lstStyle/>
-          <a:p>
-            <a:r>
-              <a:rPr lang="de-DE" sz="1000" dirty="0"/>
-              <a:t>Von </a:t>
-            </a:r>
-            <a:r>
-              <a:rPr lang="de-DE" sz="1000" dirty="0" err="1"/>
-              <a:t>Aleksandre</a:t>
-            </a:r>
-            <a:r>
-              <a:rPr lang="de-DE" sz="1000" dirty="0"/>
-              <a:t> </a:t>
-            </a:r>
-            <a:r>
-              <a:rPr lang="de-DE" sz="1000" dirty="0" err="1"/>
-              <a:t>Kandelaki</a:t>
-            </a:r>
-            <a:r>
-              <a:rPr lang="de-DE" sz="1000" dirty="0"/>
-              <a:t>, Matthias Staritz und Benjamin Liertz</a:t>
-            </a:r>
-          </a:p>
-        </p:txBody>
-      </p:sp>
-      <p:pic>
-        <p:nvPicPr>
-          <p:cNvPr id="16" name="Grafik 15">
-            <a:extLst>
-              <a:ext uri="{FF2B5EF4-FFF2-40B4-BE49-F238E27FC236}">
-                <a16:creationId xmlns:a16="http://schemas.microsoft.com/office/drawing/2014/main" id="{8E41E693-D218-48AA-B6B7-74FADF2961EF}"/>
-              </a:ext>
-            </a:extLst>
-          </p:cNvPr>
-          <p:cNvPicPr>
-            <a:picLocks noChangeAspect="1"/>
-          </p:cNvPicPr>
-          <p:nvPr/>
-        </p:nvPicPr>
-        <p:blipFill>
-          <a:blip r:embed="rId2"/>
-          <a:stretch>
-            <a:fillRect/>
-          </a:stretch>
-        </p:blipFill>
-        <p:spPr>
-          <a:xfrm>
-            <a:off x="318009" y="1515832"/>
-            <a:ext cx="5074711" cy="3041650"/>
-          </a:xfrm>
-          <a:prstGeom prst="rect">
-            <a:avLst/>
-          </a:prstGeom>
-        </p:spPr>
-      </p:pic>
-    </p:spTree>
-    <p:extLst>
-      <p:ext uri="{BB962C8B-B14F-4D97-AF65-F5344CB8AC3E}">
-        <p14:creationId xmlns:p14="http://schemas.microsoft.com/office/powerpoint/2010/main" val="2079351123"/>
-      </p:ext>
-    </p:extLst>
-  </p:cSld>
-  <p:clrMapOvr>
-    <a:masterClrMapping/>
-  </p:clrMapOvr>
-</p:sld>
-</file>
-
-<file path=ppt/slides/slide12.xml><?xml version="1.0" encoding="utf-8"?>
-<p:sld xmlns:a="http://schemas.openxmlformats.org/drawingml/2006/main" xmlns:r="http://schemas.openxmlformats.org/officeDocument/2006/relationships" xmlns:p="http://schemas.openxmlformats.org/presentationml/2006/main">
-  <p:cSld>
-    <p:spTree>
-      <p:nvGrpSpPr>
-        <p:cNvPr id="1" name=""/>
-        <p:cNvGrpSpPr/>
-        <p:nvPr/>
-      </p:nvGrpSpPr>
-      <p:grpSpPr>
-        <a:xfrm>
-          <a:off x="0" y="0"/>
-          <a:ext cx="0" cy="0"/>
-          <a:chOff x="0" y="0"/>
-          <a:chExt cx="0" cy="0"/>
-        </a:xfrm>
-      </p:grpSpPr>
-      <p:sp>
-        <p:nvSpPr>
-          <p:cNvPr id="3" name="Titel 2"/>
-          <p:cNvSpPr>
-            <a:spLocks noGrp="1"/>
-          </p:cNvSpPr>
-          <p:nvPr>
-            <p:ph type="title"/>
-          </p:nvPr>
-        </p:nvSpPr>
-        <p:spPr>
-          <a:xfrm>
-            <a:off x="318009" y="837520"/>
-            <a:ext cx="8508999" cy="380810"/>
-          </a:xfrm>
-        </p:spPr>
-        <p:txBody>
-          <a:bodyPr/>
-          <a:lstStyle/>
-          <a:p>
-            <a:r>
-              <a:rPr lang="de-DE" dirty="0"/>
-              <a:t>C-linear vs. C-vektorisiert</a:t>
-            </a:r>
-          </a:p>
-        </p:txBody>
-      </p:sp>
-      <p:sp>
-        <p:nvSpPr>
-          <p:cNvPr id="4" name="Foliennummernplatzhalter 3"/>
-          <p:cNvSpPr>
-            <a:spLocks noGrp="1"/>
-          </p:cNvSpPr>
-          <p:nvPr>
-            <p:ph type="sldNum" sz="quarter" idx="11"/>
-          </p:nvPr>
-        </p:nvSpPr>
-        <p:spPr/>
-        <p:txBody>
-          <a:bodyPr/>
-          <a:lstStyle/>
-          <a:p>
-            <a:fld id="{CE58CB1E-F828-4F11-99E0-327109AF9DA4}" type="slidenum">
-              <a:rPr lang="de-DE" smtClean="0"/>
-              <a:pPr/>
-              <a:t>12</a:t>
-            </a:fld>
-            <a:endParaRPr lang="de-DE" dirty="0"/>
-          </a:p>
-        </p:txBody>
-      </p:sp>
-      <p:sp>
-        <p:nvSpPr>
-          <p:cNvPr id="7" name="Fußzeilenplatzhalter 4"/>
-          <p:cNvSpPr>
-            <a:spLocks noGrp="1"/>
-          </p:cNvSpPr>
-          <p:nvPr>
-            <p:ph type="ftr" sz="quarter" idx="12"/>
-          </p:nvPr>
-        </p:nvSpPr>
-        <p:spPr/>
-        <p:txBody>
-          <a:bodyPr/>
-          <a:lstStyle/>
-          <a:p>
-            <a:r>
-              <a:rPr lang="de-DE" sz="1000" dirty="0"/>
-              <a:t>Von </a:t>
-            </a:r>
-            <a:r>
-              <a:rPr lang="de-DE" sz="1000" dirty="0" err="1"/>
-              <a:t>Aleksandre</a:t>
-            </a:r>
-            <a:r>
-              <a:rPr lang="de-DE" sz="1000" dirty="0"/>
-              <a:t> </a:t>
-            </a:r>
-            <a:r>
-              <a:rPr lang="de-DE" sz="1000" dirty="0" err="1"/>
-              <a:t>Kandelaki</a:t>
-            </a:r>
-            <a:r>
-              <a:rPr lang="de-DE" sz="1000" dirty="0"/>
-              <a:t>, Matthias Staritz und Benjamin Liertz</a:t>
-            </a:r>
-          </a:p>
-        </p:txBody>
-      </p:sp>
-      <p:pic>
-        <p:nvPicPr>
-          <p:cNvPr id="5" name="Grafik 4">
-            <a:extLst>
-              <a:ext uri="{FF2B5EF4-FFF2-40B4-BE49-F238E27FC236}">
-                <a16:creationId xmlns:a16="http://schemas.microsoft.com/office/drawing/2014/main" id="{D32C57AC-EEEF-4349-954F-3871F2E6CC6C}"/>
-              </a:ext>
-            </a:extLst>
-          </p:cNvPr>
-          <p:cNvPicPr>
-            <a:picLocks noChangeAspect="1"/>
-          </p:cNvPicPr>
-          <p:nvPr/>
-        </p:nvPicPr>
-        <p:blipFill>
-          <a:blip r:embed="rId2"/>
-          <a:stretch>
-            <a:fillRect/>
-          </a:stretch>
-        </p:blipFill>
-        <p:spPr>
-          <a:xfrm>
-            <a:off x="311162" y="1449318"/>
-            <a:ext cx="5181600" cy="3099424"/>
-          </a:xfrm>
-          <a:prstGeom prst="rect">
-            <a:avLst/>
-          </a:prstGeom>
-        </p:spPr>
-      </p:pic>
-    </p:spTree>
-    <p:extLst>
-      <p:ext uri="{BB962C8B-B14F-4D97-AF65-F5344CB8AC3E}">
-        <p14:creationId xmlns:p14="http://schemas.microsoft.com/office/powerpoint/2010/main" val="3234061763"/>
-      </p:ext>
-    </p:extLst>
-  </p:cSld>
-  <p:clrMapOvr>
-    <a:masterClrMapping/>
-  </p:clrMapOvr>
-</p:sld>
-</file>
-
-<file path=ppt/slides/slide13.xml><?xml version="1.0" encoding="utf-8"?>
-<p:sld xmlns:a="http://schemas.openxmlformats.org/drawingml/2006/main" xmlns:r="http://schemas.openxmlformats.org/officeDocument/2006/relationships" xmlns:p="http://schemas.openxmlformats.org/presentationml/2006/main">
-  <p:cSld>
-    <p:spTree>
-      <p:nvGrpSpPr>
-        <p:cNvPr id="1" name=""/>
-        <p:cNvGrpSpPr/>
-        <p:nvPr/>
-      </p:nvGrpSpPr>
-      <p:grpSpPr>
-        <a:xfrm>
-          <a:off x="0" y="0"/>
-          <a:ext cx="0" cy="0"/>
-          <a:chOff x="0" y="0"/>
-          <a:chExt cx="0" cy="0"/>
-        </a:xfrm>
-      </p:grpSpPr>
-      <p:sp>
-        <p:nvSpPr>
-          <p:cNvPr id="3" name="Titel 2"/>
-          <p:cNvSpPr>
-            <a:spLocks noGrp="1"/>
-          </p:cNvSpPr>
-          <p:nvPr>
-            <p:ph type="title"/>
-          </p:nvPr>
-        </p:nvSpPr>
-        <p:spPr>
-          <a:xfrm>
-            <a:off x="318009" y="837520"/>
-            <a:ext cx="8508999" cy="380810"/>
-          </a:xfrm>
-        </p:spPr>
-        <p:txBody>
-          <a:bodyPr/>
-          <a:lstStyle/>
-          <a:p>
-            <a:r>
-              <a:rPr lang="de-DE" dirty="0"/>
-              <a:t>Compileroptimiert vs. ASM-Vektorisiert</a:t>
-            </a:r>
-          </a:p>
-        </p:txBody>
-      </p:sp>
-      <p:sp>
-        <p:nvSpPr>
-          <p:cNvPr id="4" name="Foliennummernplatzhalter 3"/>
-          <p:cNvSpPr>
-            <a:spLocks noGrp="1"/>
-          </p:cNvSpPr>
-          <p:nvPr>
-            <p:ph type="sldNum" sz="quarter" idx="11"/>
-          </p:nvPr>
-        </p:nvSpPr>
-        <p:spPr/>
-        <p:txBody>
-          <a:bodyPr/>
-          <a:lstStyle/>
-          <a:p>
-            <a:fld id="{CE58CB1E-F828-4F11-99E0-327109AF9DA4}" type="slidenum">
-              <a:rPr lang="de-DE" smtClean="0"/>
-              <a:pPr/>
-              <a:t>13</a:t>
-            </a:fld>
-            <a:endParaRPr lang="de-DE" dirty="0"/>
-          </a:p>
-        </p:txBody>
-      </p:sp>
-      <p:sp>
-        <p:nvSpPr>
-          <p:cNvPr id="7" name="Fußzeilenplatzhalter 4"/>
-          <p:cNvSpPr>
-            <a:spLocks noGrp="1"/>
-          </p:cNvSpPr>
-          <p:nvPr>
-            <p:ph type="ftr" sz="quarter" idx="12"/>
-          </p:nvPr>
-        </p:nvSpPr>
-        <p:spPr/>
-        <p:txBody>
-          <a:bodyPr/>
-          <a:lstStyle/>
-          <a:p>
-            <a:r>
-              <a:rPr lang="de-DE" sz="1000" dirty="0"/>
-              <a:t>Von </a:t>
-            </a:r>
-            <a:r>
-              <a:rPr lang="de-DE" sz="1000" dirty="0" err="1"/>
-              <a:t>Aleksandre</a:t>
-            </a:r>
-            <a:r>
-              <a:rPr lang="de-DE" sz="1000" dirty="0"/>
-              <a:t> </a:t>
-            </a:r>
-            <a:r>
-              <a:rPr lang="de-DE" sz="1000" dirty="0" err="1"/>
-              <a:t>Kandelaki</a:t>
-            </a:r>
-            <a:r>
-              <a:rPr lang="de-DE" sz="1000" dirty="0"/>
-              <a:t>, Matthias Staritz und Benjamin Liertz</a:t>
-            </a:r>
-          </a:p>
-        </p:txBody>
-      </p:sp>
-      <p:pic>
-        <p:nvPicPr>
-          <p:cNvPr id="6" name="Grafik 5">
-            <a:extLst>
-              <a:ext uri="{FF2B5EF4-FFF2-40B4-BE49-F238E27FC236}">
-                <a16:creationId xmlns:a16="http://schemas.microsoft.com/office/drawing/2014/main" id="{CDCABEED-A291-4D69-82C1-F999817C2739}"/>
-              </a:ext>
-            </a:extLst>
-          </p:cNvPr>
-          <p:cNvPicPr>
-            <a:picLocks noChangeAspect="1"/>
-          </p:cNvPicPr>
-          <p:nvPr/>
-        </p:nvPicPr>
-        <p:blipFill>
-          <a:blip r:embed="rId2"/>
-          <a:stretch>
-            <a:fillRect/>
-          </a:stretch>
-        </p:blipFill>
-        <p:spPr>
-          <a:xfrm>
-            <a:off x="311162" y="1518225"/>
-            <a:ext cx="5099704" cy="3036864"/>
-          </a:xfrm>
-          <a:prstGeom prst="rect">
-            <a:avLst/>
-          </a:prstGeom>
-        </p:spPr>
-      </p:pic>
-    </p:spTree>
-    <p:extLst>
-      <p:ext uri="{BB962C8B-B14F-4D97-AF65-F5344CB8AC3E}">
-        <p14:creationId xmlns:p14="http://schemas.microsoft.com/office/powerpoint/2010/main" val="985150736"/>
-      </p:ext>
-    </p:extLst>
-  </p:cSld>
-  <p:clrMapOvr>
-    <a:masterClrMapping/>
-  </p:clrMapOvr>
-</p:sld>
-</file>
-
-<file path=ppt/slides/slide2.xml><?xml version="1.0" encoding="utf-8"?>
-<p:sld xmlns:a="http://schemas.openxmlformats.org/drawingml/2006/main" xmlns:r="http://schemas.openxmlformats.org/officeDocument/2006/relationships" xmlns:p="http://schemas.openxmlformats.org/presentationml/2006/main">
-  <p:cSld>
-    <p:spTree>
-      <p:nvGrpSpPr>
-        <p:cNvPr id="1" name=""/>
-        <p:cNvGrpSpPr/>
-        <p:nvPr/>
-      </p:nvGrpSpPr>
-      <p:grpSpPr>
-        <a:xfrm>
-          <a:off x="0" y="0"/>
-          <a:ext cx="0" cy="0"/>
-          <a:chOff x="0" y="0"/>
-          <a:chExt cx="0" cy="0"/>
-        </a:xfrm>
-      </p:grpSpPr>
-      <p:sp>
-        <p:nvSpPr>
-          <p:cNvPr id="4" name="Foliennummernplatzhalter 3"/>
-          <p:cNvSpPr>
-            <a:spLocks noGrp="1"/>
-          </p:cNvSpPr>
-          <p:nvPr>
-            <p:ph type="sldNum" sz="quarter" idx="11"/>
-          </p:nvPr>
-        </p:nvSpPr>
-        <p:spPr/>
-        <p:txBody>
-          <a:bodyPr/>
-          <a:lstStyle/>
-          <a:p>
-            <a:fld id="{CE58CB1E-F828-4F11-99E0-327109AF9DA4}" type="slidenum">
-              <a:rPr lang="de-DE" smtClean="0"/>
-              <a:pPr/>
-              <a:t>2</a:t>
-            </a:fld>
-            <a:endParaRPr lang="de-DE" dirty="0"/>
-          </a:p>
-        </p:txBody>
-      </p:sp>
-      <p:sp>
-        <p:nvSpPr>
-          <p:cNvPr id="7" name="Fußzeilenplatzhalter 4"/>
-          <p:cNvSpPr>
-            <a:spLocks noGrp="1"/>
-          </p:cNvSpPr>
-          <p:nvPr>
-            <p:ph type="ftr" sz="quarter" idx="12"/>
-          </p:nvPr>
-        </p:nvSpPr>
-        <p:spPr/>
-        <p:txBody>
-          <a:bodyPr/>
-          <a:lstStyle/>
-          <a:p>
-            <a:r>
-              <a:rPr lang="de-DE" sz="1000" dirty="0"/>
-              <a:t>Von </a:t>
-            </a:r>
-            <a:r>
-              <a:rPr lang="de-DE" sz="1000" dirty="0" err="1"/>
-              <a:t>Aleksandre</a:t>
-            </a:r>
-            <a:r>
-              <a:rPr lang="de-DE" sz="1000" dirty="0"/>
-              <a:t> </a:t>
-            </a:r>
-            <a:r>
-              <a:rPr lang="de-DE" sz="1000" dirty="0" err="1"/>
-              <a:t>Kandelaki</a:t>
-            </a:r>
-            <a:r>
-              <a:rPr lang="de-DE" sz="1000" dirty="0"/>
-              <a:t>, Matthias Staritz und Benjamin Liertz</a:t>
-            </a:r>
-          </a:p>
-        </p:txBody>
-      </p:sp>
-      <p:pic>
-        <p:nvPicPr>
-          <p:cNvPr id="13" name="Grafik 12">
-            <a:extLst>
-              <a:ext uri="{FF2B5EF4-FFF2-40B4-BE49-F238E27FC236}">
-                <a16:creationId xmlns:a16="http://schemas.microsoft.com/office/drawing/2014/main" id="{BC49D2A6-678C-497E-9697-F927619D7DC4}"/>
-              </a:ext>
-            </a:extLst>
-          </p:cNvPr>
-          <p:cNvPicPr>
-            <a:picLocks noChangeAspect="1"/>
-          </p:cNvPicPr>
-          <p:nvPr/>
-        </p:nvPicPr>
-        <p:blipFill>
-          <a:blip r:embed="rId2"/>
-          <a:stretch>
-            <a:fillRect/>
-          </a:stretch>
-        </p:blipFill>
-        <p:spPr>
-          <a:xfrm>
-            <a:off x="1089365" y="1932588"/>
-            <a:ext cx="2602664" cy="1803561"/>
-          </a:xfrm>
-          <a:prstGeom prst="rect">
-            <a:avLst/>
-          </a:prstGeom>
-        </p:spPr>
-      </p:pic>
-      <p:pic>
-        <p:nvPicPr>
-          <p:cNvPr id="15" name="Grafik 14">
-            <a:extLst>
-              <a:ext uri="{FF2B5EF4-FFF2-40B4-BE49-F238E27FC236}">
-                <a16:creationId xmlns:a16="http://schemas.microsoft.com/office/drawing/2014/main" id="{808DDD46-A948-440B-8302-77A9C2E54ACF}"/>
-              </a:ext>
-            </a:extLst>
-          </p:cNvPr>
-          <p:cNvPicPr>
-            <a:picLocks noChangeAspect="1"/>
-          </p:cNvPicPr>
-          <p:nvPr/>
-        </p:nvPicPr>
-        <p:blipFill>
-          <a:blip r:embed="rId3"/>
-          <a:stretch>
-            <a:fillRect/>
-          </a:stretch>
-        </p:blipFill>
-        <p:spPr>
-          <a:xfrm>
-            <a:off x="4572000" y="1932588"/>
-            <a:ext cx="3222842" cy="1803562"/>
-          </a:xfrm>
-          <a:prstGeom prst="rect">
-            <a:avLst/>
-          </a:prstGeom>
-        </p:spPr>
-      </p:pic>
-      <p:sp>
-        <p:nvSpPr>
-          <p:cNvPr id="23" name="Inhaltsplatzhalter 1">
-            <a:extLst>
-              <a:ext uri="{FF2B5EF4-FFF2-40B4-BE49-F238E27FC236}">
-                <a16:creationId xmlns:a16="http://schemas.microsoft.com/office/drawing/2014/main" id="{5CA92278-9A28-49B4-91B1-3900E25954C3}"/>
-              </a:ext>
-            </a:extLst>
-          </p:cNvPr>
-          <p:cNvSpPr>
-            <a:spLocks noGrp="1"/>
-          </p:cNvSpPr>
-          <p:nvPr>
-            <p:ph idx="1"/>
-          </p:nvPr>
-        </p:nvSpPr>
-        <p:spPr>
-          <a:xfrm>
-            <a:off x="1526245" y="1379004"/>
-            <a:ext cx="1728903" cy="273845"/>
-          </a:xfrm>
-        </p:spPr>
-        <p:txBody>
-          <a:bodyPr/>
-          <a:lstStyle/>
-          <a:p>
-            <a:r>
-              <a:rPr lang="de-DE" dirty="0"/>
-              <a:t>Untere </a:t>
-            </a:r>
-            <a:r>
-              <a:rPr lang="de-DE" dirty="0" err="1"/>
-              <a:t>Dreiecksatrix</a:t>
-            </a:r>
-            <a:r>
-              <a:rPr lang="de-DE" dirty="0"/>
-              <a:t>:</a:t>
-            </a:r>
-          </a:p>
-        </p:txBody>
-      </p:sp>
-      <p:sp>
-        <p:nvSpPr>
-          <p:cNvPr id="24" name="Inhaltsplatzhalter 1">
-            <a:extLst>
-              <a:ext uri="{FF2B5EF4-FFF2-40B4-BE49-F238E27FC236}">
-                <a16:creationId xmlns:a16="http://schemas.microsoft.com/office/drawing/2014/main" id="{4CCF8976-CD04-4187-BB06-EDF1BEF59429}"/>
-              </a:ext>
-            </a:extLst>
-          </p:cNvPr>
-          <p:cNvSpPr txBox="1">
-            <a:spLocks/>
-          </p:cNvSpPr>
-          <p:nvPr/>
-        </p:nvSpPr>
-        <p:spPr>
-          <a:xfrm>
-            <a:off x="5363375" y="1379004"/>
-            <a:ext cx="1640092" cy="273845"/>
-          </a:xfrm>
-          <a:prstGeom prst="rect">
-            <a:avLst/>
-          </a:prstGeom>
-          <a:noFill/>
-          <a:ln w="9525">
-            <a:noFill/>
-            <a:miter lim="800000"/>
-            <a:headEnd/>
-            <a:tailEnd/>
-          </a:ln>
-        </p:spPr>
-        <p:txBody>
-          <a:bodyPr vert="horz" wrap="square" lIns="0" tIns="0" rIns="0" bIns="0" numCol="1" anchor="t" anchorCtr="0" compatLnSpc="1">
-            <a:prstTxWarp prst="textNoShape">
-              <a:avLst/>
-            </a:prstTxWarp>
-          </a:bodyPr>
-          <a:lstStyle>
-            <a:lvl1pPr algn="l" rtl="0" eaLnBrk="0" fontAlgn="base" hangingPunct="0">
-              <a:lnSpc>
-                <a:spcPct val="114000"/>
-              </a:lnSpc>
-              <a:spcBef>
-                <a:spcPct val="0"/>
-              </a:spcBef>
-              <a:spcAft>
-                <a:spcPct val="0"/>
-              </a:spcAft>
-              <a:defRPr lang="de-DE" sz="1400" kern="1200" noProof="0" dirty="0" smtClean="0">
-                <a:solidFill>
-                  <a:schemeClr val="tx1"/>
-                </a:solidFill>
-                <a:latin typeface="+mn-lt"/>
-                <a:ea typeface="+mn-ea"/>
-                <a:cs typeface="+mn-cs"/>
-              </a:defRPr>
-            </a:lvl1pPr>
-            <a:lvl2pPr marL="176213" indent="-176213" algn="l" rtl="0" eaLnBrk="0" fontAlgn="base" hangingPunct="0">
-              <a:lnSpc>
-                <a:spcPct val="114000"/>
-              </a:lnSpc>
-              <a:spcBef>
-                <a:spcPct val="0"/>
-              </a:spcBef>
-              <a:spcAft>
-                <a:spcPct val="0"/>
-              </a:spcAft>
-              <a:buFont typeface="Arial" charset="0"/>
-              <a:buChar char="•"/>
-              <a:defRPr lang="de-DE" sz="1400" kern="1200" noProof="0" dirty="0" smtClean="0">
-                <a:solidFill>
-                  <a:schemeClr val="tx1"/>
-                </a:solidFill>
-                <a:latin typeface="+mn-lt"/>
-                <a:ea typeface="+mn-ea"/>
-                <a:cs typeface="+mn-cs"/>
-              </a:defRPr>
-            </a:lvl2pPr>
-            <a:lvl3pPr marL="360363" indent="-184150" algn="l" rtl="0" eaLnBrk="0" fontAlgn="base" hangingPunct="0">
-              <a:lnSpc>
-                <a:spcPct val="125000"/>
-              </a:lnSpc>
-              <a:spcBef>
-                <a:spcPct val="0"/>
-              </a:spcBef>
-              <a:spcAft>
-                <a:spcPct val="0"/>
-              </a:spcAft>
-              <a:buFont typeface="Symbol" pitchFamily="18" charset="2"/>
-              <a:buChar char="-"/>
-              <a:defRPr sz="1400" kern="1200">
-                <a:solidFill>
-                  <a:schemeClr val="tx1"/>
-                </a:solidFill>
-                <a:latin typeface="+mn-lt"/>
-                <a:ea typeface="+mn-ea"/>
-                <a:cs typeface="+mn-cs"/>
-              </a:defRPr>
-            </a:lvl3pPr>
-            <a:lvl4pPr marL="538163" indent="-177800" algn="l" rtl="0" eaLnBrk="0" fontAlgn="base" hangingPunct="0">
-              <a:lnSpc>
-                <a:spcPct val="125000"/>
-              </a:lnSpc>
-              <a:spcBef>
-                <a:spcPct val="0"/>
-              </a:spcBef>
-              <a:spcAft>
-                <a:spcPct val="0"/>
-              </a:spcAft>
-              <a:buFont typeface="Symbol" pitchFamily="18" charset="2"/>
-              <a:buChar char="-"/>
-              <a:defRPr sz="1400" kern="1200">
-                <a:solidFill>
-                  <a:schemeClr val="tx1"/>
-                </a:solidFill>
-                <a:latin typeface="+mn-lt"/>
-                <a:ea typeface="+mn-ea"/>
-                <a:cs typeface="+mn-cs"/>
-              </a:defRPr>
-            </a:lvl4pPr>
-            <a:lvl5pPr marL="714375" indent="-176213" algn="l" rtl="0" eaLnBrk="0" fontAlgn="base" hangingPunct="0">
-              <a:lnSpc>
-                <a:spcPct val="125000"/>
-              </a:lnSpc>
-              <a:spcBef>
-                <a:spcPct val="0"/>
-              </a:spcBef>
-              <a:spcAft>
-                <a:spcPct val="0"/>
-              </a:spcAft>
-              <a:buFont typeface="Symbol" pitchFamily="18" charset="2"/>
-              <a:buChar char="-"/>
-              <a:defRPr sz="1400" kern="1200">
-                <a:solidFill>
-                  <a:schemeClr val="tx1"/>
-                </a:solidFill>
-                <a:latin typeface="+mn-lt"/>
-                <a:ea typeface="+mn-ea"/>
-                <a:cs typeface="+mn-cs"/>
-              </a:defRPr>
-            </a:lvl5pPr>
-            <a:lvl6pPr marL="2514600" indent="-228600" algn="l" defTabSz="914400" rtl="0" eaLnBrk="1" latinLnBrk="0" hangingPunct="1">
-              <a:spcBef>
-                <a:spcPct val="20000"/>
-              </a:spcBef>
-              <a:buFont typeface="Arial" pitchFamily="34" charset="0"/>
-              <a:buChar char="•"/>
-              <a:defRPr sz="2000" kern="1200">
-                <a:solidFill>
-                  <a:schemeClr val="tx1"/>
-                </a:solidFill>
-                <a:latin typeface="+mn-lt"/>
-                <a:ea typeface="+mn-ea"/>
-                <a:cs typeface="+mn-cs"/>
-              </a:defRPr>
-            </a:lvl6pPr>
-            <a:lvl7pPr marL="2971800" indent="-228600" algn="l" defTabSz="914400" rtl="0" eaLnBrk="1" latinLnBrk="0" hangingPunct="1">
-              <a:spcBef>
-                <a:spcPct val="20000"/>
-              </a:spcBef>
-              <a:buFont typeface="Arial" pitchFamily="34" charset="0"/>
-              <a:buChar char="•"/>
-              <a:defRPr sz="2000" kern="1200">
-                <a:solidFill>
-                  <a:schemeClr val="tx1"/>
-                </a:solidFill>
-                <a:latin typeface="+mn-lt"/>
-                <a:ea typeface="+mn-ea"/>
-                <a:cs typeface="+mn-cs"/>
-              </a:defRPr>
-            </a:lvl7pPr>
-            <a:lvl8pPr marL="3429000" indent="-228600" algn="l" defTabSz="914400" rtl="0" eaLnBrk="1" latinLnBrk="0" hangingPunct="1">
-              <a:spcBef>
-                <a:spcPct val="20000"/>
-              </a:spcBef>
-              <a:buFont typeface="Arial" pitchFamily="34" charset="0"/>
-              <a:buChar char="•"/>
-              <a:defRPr sz="2000" kern="1200">
-                <a:solidFill>
-                  <a:schemeClr val="tx1"/>
-                </a:solidFill>
-                <a:latin typeface="+mn-lt"/>
-                <a:ea typeface="+mn-ea"/>
-                <a:cs typeface="+mn-cs"/>
-              </a:defRPr>
-            </a:lvl8pPr>
-            <a:lvl9pPr marL="3886200" indent="-228600" algn="l" defTabSz="914400" rtl="0" eaLnBrk="1" latinLnBrk="0" hangingPunct="1">
-              <a:spcBef>
-                <a:spcPct val="20000"/>
-              </a:spcBef>
-              <a:buFont typeface="Arial" pitchFamily="34" charset="0"/>
-              <a:buChar char="•"/>
-              <a:defRPr sz="2000" kern="1200">
-                <a:solidFill>
-                  <a:schemeClr val="tx1"/>
-                </a:solidFill>
-                <a:latin typeface="+mn-lt"/>
-                <a:ea typeface="+mn-ea"/>
-                <a:cs typeface="+mn-cs"/>
-              </a:defRPr>
-            </a:lvl9pPr>
-          </a:lstStyle>
-          <a:p>
-            <a:r>
-              <a:rPr lang="de-DE" dirty="0"/>
-              <a:t>Obere </a:t>
-            </a:r>
-            <a:r>
-              <a:rPr lang="de-DE" dirty="0" err="1"/>
-              <a:t>Dreiecksatrix</a:t>
-            </a:r>
-            <a:r>
-              <a:rPr lang="de-DE" dirty="0"/>
-              <a:t>:</a:t>
-            </a:r>
-          </a:p>
-        </p:txBody>
-      </p:sp>
-    </p:spTree>
-  </p:cSld>
-  <p:clrMapOvr>
-    <a:masterClrMapping/>
-  </p:clrMapOvr>
-</p:sld>
-</file>
-
-<file path=ppt/slides/slide3.xml><?xml version="1.0" encoding="utf-8"?>
-<p:sld xmlns:a="http://schemas.openxmlformats.org/drawingml/2006/main" xmlns:r="http://schemas.openxmlformats.org/officeDocument/2006/relationships" xmlns:p="http://schemas.openxmlformats.org/presentationml/2006/main">
-  <p:cSld>
-    <p:spTree>
-      <p:nvGrpSpPr>
-        <p:cNvPr id="1" name=""/>
-        <p:cNvGrpSpPr/>
-        <p:nvPr/>
-      </p:nvGrpSpPr>
-      <p:grpSpPr>
-        <a:xfrm>
-          <a:off x="0" y="0"/>
-          <a:ext cx="0" cy="0"/>
-          <a:chOff x="0" y="0"/>
-          <a:chExt cx="0" cy="0"/>
-        </a:xfrm>
-      </p:grpSpPr>
-      <p:sp>
-        <p:nvSpPr>
-          <p:cNvPr id="4" name="Foliennummernplatzhalter 3"/>
-          <p:cNvSpPr>
-            <a:spLocks noGrp="1"/>
-          </p:cNvSpPr>
-          <p:nvPr>
-            <p:ph type="sldNum" sz="quarter" idx="11"/>
-          </p:nvPr>
-        </p:nvSpPr>
-        <p:spPr/>
-        <p:txBody>
-          <a:bodyPr/>
-          <a:lstStyle/>
-          <a:p>
-            <a:fld id="{CE58CB1E-F828-4F11-99E0-327109AF9DA4}" type="slidenum">
-              <a:rPr lang="de-DE" smtClean="0"/>
-              <a:pPr/>
-              <a:t>3</a:t>
-            </a:fld>
-            <a:endParaRPr lang="de-DE" dirty="0"/>
-          </a:p>
-        </p:txBody>
-      </p:sp>
-      <p:sp>
-        <p:nvSpPr>
-          <p:cNvPr id="7" name="Fußzeilenplatzhalter 4"/>
-          <p:cNvSpPr>
-            <a:spLocks noGrp="1"/>
-          </p:cNvSpPr>
-          <p:nvPr>
-            <p:ph type="ftr" sz="quarter" idx="12"/>
-          </p:nvPr>
-        </p:nvSpPr>
-        <p:spPr/>
-        <p:txBody>
-          <a:bodyPr/>
-          <a:lstStyle/>
-          <a:p>
-            <a:r>
-              <a:rPr lang="de-DE" sz="1000" dirty="0"/>
-              <a:t>Von </a:t>
-            </a:r>
-            <a:r>
-              <a:rPr lang="de-DE" sz="1000" dirty="0" err="1"/>
-              <a:t>Aleksandre</a:t>
-            </a:r>
-            <a:r>
-              <a:rPr lang="de-DE" sz="1000" dirty="0"/>
-              <a:t> </a:t>
-            </a:r>
-            <a:r>
-              <a:rPr lang="de-DE" sz="1000" dirty="0" err="1"/>
-              <a:t>Kandelaki</a:t>
-            </a:r>
-            <a:r>
-              <a:rPr lang="de-DE" sz="1000" dirty="0"/>
-              <a:t>, Matthias Staritz und Benjamin Liertz</a:t>
-            </a:r>
-          </a:p>
-        </p:txBody>
-      </p:sp>
-      <p:sp>
-        <p:nvSpPr>
-          <p:cNvPr id="23" name="Inhaltsplatzhalter 1">
-            <a:extLst>
-              <a:ext uri="{FF2B5EF4-FFF2-40B4-BE49-F238E27FC236}">
-                <a16:creationId xmlns:a16="http://schemas.microsoft.com/office/drawing/2014/main" id="{5CA92278-9A28-49B4-91B1-3900E25954C3}"/>
-              </a:ext>
-            </a:extLst>
-          </p:cNvPr>
-          <p:cNvSpPr>
-            <a:spLocks noGrp="1"/>
-          </p:cNvSpPr>
-          <p:nvPr>
-            <p:ph idx="1"/>
-          </p:nvPr>
-        </p:nvSpPr>
-        <p:spPr>
-          <a:xfrm>
-            <a:off x="1722221" y="1379004"/>
-            <a:ext cx="1195524" cy="273845"/>
-          </a:xfrm>
-        </p:spPr>
-        <p:txBody>
-          <a:bodyPr/>
-          <a:lstStyle/>
-          <a:p>
-            <a:r>
-              <a:rPr lang="de-DE" dirty="0"/>
-              <a:t>Einheitsmatrix:</a:t>
-            </a:r>
-          </a:p>
-        </p:txBody>
-      </p:sp>
-      <p:sp>
-        <p:nvSpPr>
-          <p:cNvPr id="24" name="Inhaltsplatzhalter 1">
-            <a:extLst>
-              <a:ext uri="{FF2B5EF4-FFF2-40B4-BE49-F238E27FC236}">
-                <a16:creationId xmlns:a16="http://schemas.microsoft.com/office/drawing/2014/main" id="{4CCF8976-CD04-4187-BB06-EDF1BEF59429}"/>
-              </a:ext>
-            </a:extLst>
-          </p:cNvPr>
-          <p:cNvSpPr txBox="1">
-            <a:spLocks/>
-          </p:cNvSpPr>
-          <p:nvPr/>
-        </p:nvSpPr>
-        <p:spPr>
-          <a:xfrm>
-            <a:off x="5655466" y="1379003"/>
-            <a:ext cx="1030281" cy="273845"/>
-          </a:xfrm>
-          <a:prstGeom prst="rect">
-            <a:avLst/>
-          </a:prstGeom>
-          <a:noFill/>
-          <a:ln w="9525">
-            <a:noFill/>
-            <a:miter lim="800000"/>
-            <a:headEnd/>
-            <a:tailEnd/>
-          </a:ln>
-        </p:spPr>
-        <p:txBody>
-          <a:bodyPr vert="horz" wrap="square" lIns="0" tIns="0" rIns="0" bIns="0" numCol="1" anchor="t" anchorCtr="0" compatLnSpc="1">
-            <a:prstTxWarp prst="textNoShape">
-              <a:avLst/>
-            </a:prstTxWarp>
-          </a:bodyPr>
-          <a:lstStyle>
-            <a:lvl1pPr algn="l" rtl="0" eaLnBrk="0" fontAlgn="base" hangingPunct="0">
-              <a:lnSpc>
-                <a:spcPct val="114000"/>
-              </a:lnSpc>
-              <a:spcBef>
-                <a:spcPct val="0"/>
-              </a:spcBef>
-              <a:spcAft>
-                <a:spcPct val="0"/>
-              </a:spcAft>
-              <a:defRPr lang="de-DE" sz="1400" kern="1200" noProof="0" dirty="0" smtClean="0">
-                <a:solidFill>
-                  <a:schemeClr val="tx1"/>
-                </a:solidFill>
-                <a:latin typeface="+mn-lt"/>
-                <a:ea typeface="+mn-ea"/>
-                <a:cs typeface="+mn-cs"/>
-              </a:defRPr>
-            </a:lvl1pPr>
-            <a:lvl2pPr marL="176213" indent="-176213" algn="l" rtl="0" eaLnBrk="0" fontAlgn="base" hangingPunct="0">
-              <a:lnSpc>
-                <a:spcPct val="114000"/>
-              </a:lnSpc>
-              <a:spcBef>
-                <a:spcPct val="0"/>
-              </a:spcBef>
-              <a:spcAft>
-                <a:spcPct val="0"/>
-              </a:spcAft>
-              <a:buFont typeface="Arial" charset="0"/>
-              <a:buChar char="•"/>
-              <a:defRPr lang="de-DE" sz="1400" kern="1200" noProof="0" dirty="0" smtClean="0">
-                <a:solidFill>
-                  <a:schemeClr val="tx1"/>
-                </a:solidFill>
-                <a:latin typeface="+mn-lt"/>
-                <a:ea typeface="+mn-ea"/>
-                <a:cs typeface="+mn-cs"/>
-              </a:defRPr>
-            </a:lvl2pPr>
-            <a:lvl3pPr marL="360363" indent="-184150" algn="l" rtl="0" eaLnBrk="0" fontAlgn="base" hangingPunct="0">
-              <a:lnSpc>
-                <a:spcPct val="125000"/>
-              </a:lnSpc>
-              <a:spcBef>
-                <a:spcPct val="0"/>
-              </a:spcBef>
-              <a:spcAft>
-                <a:spcPct val="0"/>
-              </a:spcAft>
-              <a:buFont typeface="Symbol" pitchFamily="18" charset="2"/>
-              <a:buChar char="-"/>
-              <a:defRPr sz="1400" kern="1200">
-                <a:solidFill>
-                  <a:schemeClr val="tx1"/>
-                </a:solidFill>
-                <a:latin typeface="+mn-lt"/>
-                <a:ea typeface="+mn-ea"/>
-                <a:cs typeface="+mn-cs"/>
-              </a:defRPr>
-            </a:lvl3pPr>
-            <a:lvl4pPr marL="538163" indent="-177800" algn="l" rtl="0" eaLnBrk="0" fontAlgn="base" hangingPunct="0">
-              <a:lnSpc>
-                <a:spcPct val="125000"/>
-              </a:lnSpc>
-              <a:spcBef>
-                <a:spcPct val="0"/>
-              </a:spcBef>
-              <a:spcAft>
-                <a:spcPct val="0"/>
-              </a:spcAft>
-              <a:buFont typeface="Symbol" pitchFamily="18" charset="2"/>
-              <a:buChar char="-"/>
-              <a:defRPr sz="1400" kern="1200">
-                <a:solidFill>
-                  <a:schemeClr val="tx1"/>
-                </a:solidFill>
-                <a:latin typeface="+mn-lt"/>
-                <a:ea typeface="+mn-ea"/>
-                <a:cs typeface="+mn-cs"/>
-              </a:defRPr>
-            </a:lvl4pPr>
-            <a:lvl5pPr marL="714375" indent="-176213" algn="l" rtl="0" eaLnBrk="0" fontAlgn="base" hangingPunct="0">
-              <a:lnSpc>
-                <a:spcPct val="125000"/>
-              </a:lnSpc>
-              <a:spcBef>
-                <a:spcPct val="0"/>
-              </a:spcBef>
-              <a:spcAft>
-                <a:spcPct val="0"/>
-              </a:spcAft>
-              <a:buFont typeface="Symbol" pitchFamily="18" charset="2"/>
-              <a:buChar char="-"/>
-              <a:defRPr sz="1400" kern="1200">
-                <a:solidFill>
-                  <a:schemeClr val="tx1"/>
-                </a:solidFill>
-                <a:latin typeface="+mn-lt"/>
-                <a:ea typeface="+mn-ea"/>
-                <a:cs typeface="+mn-cs"/>
-              </a:defRPr>
-            </a:lvl5pPr>
-            <a:lvl6pPr marL="2514600" indent="-228600" algn="l" defTabSz="914400" rtl="0" eaLnBrk="1" latinLnBrk="0" hangingPunct="1">
-              <a:spcBef>
-                <a:spcPct val="20000"/>
-              </a:spcBef>
-              <a:buFont typeface="Arial" pitchFamily="34" charset="0"/>
-              <a:buChar char="•"/>
-              <a:defRPr sz="2000" kern="1200">
-                <a:solidFill>
-                  <a:schemeClr val="tx1"/>
-                </a:solidFill>
-                <a:latin typeface="+mn-lt"/>
-                <a:ea typeface="+mn-ea"/>
-                <a:cs typeface="+mn-cs"/>
-              </a:defRPr>
-            </a:lvl6pPr>
-            <a:lvl7pPr marL="2971800" indent="-228600" algn="l" defTabSz="914400" rtl="0" eaLnBrk="1" latinLnBrk="0" hangingPunct="1">
-              <a:spcBef>
-                <a:spcPct val="20000"/>
-              </a:spcBef>
-              <a:buFont typeface="Arial" pitchFamily="34" charset="0"/>
-              <a:buChar char="•"/>
-              <a:defRPr sz="2000" kern="1200">
-                <a:solidFill>
-                  <a:schemeClr val="tx1"/>
-                </a:solidFill>
-                <a:latin typeface="+mn-lt"/>
-                <a:ea typeface="+mn-ea"/>
-                <a:cs typeface="+mn-cs"/>
-              </a:defRPr>
-            </a:lvl7pPr>
-            <a:lvl8pPr marL="3429000" indent="-228600" algn="l" defTabSz="914400" rtl="0" eaLnBrk="1" latinLnBrk="0" hangingPunct="1">
-              <a:spcBef>
-                <a:spcPct val="20000"/>
-              </a:spcBef>
-              <a:buFont typeface="Arial" pitchFamily="34" charset="0"/>
-              <a:buChar char="•"/>
-              <a:defRPr sz="2000" kern="1200">
-                <a:solidFill>
-                  <a:schemeClr val="tx1"/>
-                </a:solidFill>
-                <a:latin typeface="+mn-lt"/>
-                <a:ea typeface="+mn-ea"/>
-                <a:cs typeface="+mn-cs"/>
-              </a:defRPr>
-            </a:lvl8pPr>
-            <a:lvl9pPr marL="3886200" indent="-228600" algn="l" defTabSz="914400" rtl="0" eaLnBrk="1" latinLnBrk="0" hangingPunct="1">
-              <a:spcBef>
-                <a:spcPct val="20000"/>
-              </a:spcBef>
-              <a:buFont typeface="Arial" pitchFamily="34" charset="0"/>
-              <a:buChar char="•"/>
-              <a:defRPr sz="2000" kern="1200">
-                <a:solidFill>
-                  <a:schemeClr val="tx1"/>
-                </a:solidFill>
-                <a:latin typeface="+mn-lt"/>
-                <a:ea typeface="+mn-ea"/>
-                <a:cs typeface="+mn-cs"/>
-              </a:defRPr>
-            </a:lvl9pPr>
-          </a:lstStyle>
-          <a:p>
-            <a:r>
-              <a:rPr lang="de-DE" dirty="0" err="1"/>
-              <a:t>Pivomatrix</a:t>
-            </a:r>
-            <a:r>
-              <a:rPr lang="de-DE" dirty="0"/>
-              <a:t>:</a:t>
-            </a:r>
-          </a:p>
-        </p:txBody>
-      </p:sp>
-      <p:pic>
-        <p:nvPicPr>
-          <p:cNvPr id="8" name="Picture 2">
-            <a:extLst>
-              <a:ext uri="{FF2B5EF4-FFF2-40B4-BE49-F238E27FC236}">
-                <a16:creationId xmlns:a16="http://schemas.microsoft.com/office/drawing/2014/main" id="{7D71B240-8C0C-45F1-9BBC-08C54EDE31CF}"/>
-              </a:ext>
-            </a:extLst>
-          </p:cNvPr>
-          <p:cNvPicPr>
-            <a:picLocks noChangeAspect="1" noChangeArrowheads="1"/>
-          </p:cNvPicPr>
-          <p:nvPr/>
-        </p:nvPicPr>
-        <p:blipFill>
-          <a:blip r:embed="rId2">
-            <a:extLst>
-              <a:ext uri="{28A0092B-C50C-407E-A947-70E740481C1C}">
-                <a14:useLocalDpi xmlns:a14="http://schemas.microsoft.com/office/drawing/2010/main" val="0"/>
-              </a:ext>
-            </a:extLst>
-          </a:blip>
-          <a:srcRect/>
-          <a:stretch>
-            <a:fillRect/>
-          </a:stretch>
-        </p:blipFill>
-        <p:spPr bwMode="auto">
-          <a:xfrm>
-            <a:off x="1455532" y="1914082"/>
-            <a:ext cx="1728903" cy="1785669"/>
-          </a:xfrm>
-          <a:prstGeom prst="rect">
-            <a:avLst/>
-          </a:prstGeom>
-          <a:noFill/>
-          <a:extLst>
-            <a:ext uri="{909E8E84-426E-40DD-AFC4-6F175D3DCCD1}">
-              <a14:hiddenFill xmlns:a14="http://schemas.microsoft.com/office/drawing/2010/main">
-                <a:solidFill>
-                  <a:srgbClr val="FFFFFF"/>
-                </a:solidFill>
-              </a14:hiddenFill>
-            </a:ext>
-          </a:extLst>
-        </p:spPr>
-      </p:pic>
-      <p:pic>
-        <p:nvPicPr>
-          <p:cNvPr id="2050" name="Picture 2">
-            <a:extLst>
-              <a:ext uri="{FF2B5EF4-FFF2-40B4-BE49-F238E27FC236}">
-                <a16:creationId xmlns:a16="http://schemas.microsoft.com/office/drawing/2014/main" id="{E665B155-0145-4651-9061-2D3BAA4F4E1A}"/>
-              </a:ext>
-            </a:extLst>
-          </p:cNvPr>
-          <p:cNvPicPr>
-            <a:picLocks noChangeAspect="1" noChangeArrowheads="1"/>
-          </p:cNvPicPr>
-          <p:nvPr/>
-        </p:nvPicPr>
-        <p:blipFill>
-          <a:blip r:embed="rId3">
-            <a:extLst>
-              <a:ext uri="{28A0092B-C50C-407E-A947-70E740481C1C}">
-                <a14:useLocalDpi xmlns:a14="http://schemas.microsoft.com/office/drawing/2010/main" val="0"/>
-              </a:ext>
-            </a:extLst>
-          </a:blip>
-          <a:srcRect/>
-          <a:stretch>
-            <a:fillRect/>
-          </a:stretch>
-        </p:blipFill>
-        <p:spPr bwMode="auto">
-          <a:xfrm>
-            <a:off x="5337748" y="1970520"/>
-            <a:ext cx="1665719" cy="1729231"/>
-          </a:xfrm>
-          <a:prstGeom prst="rect">
-            <a:avLst/>
-          </a:prstGeom>
-          <a:noFill/>
-          <a:extLst>
-            <a:ext uri="{909E8E84-426E-40DD-AFC4-6F175D3DCCD1}">
-              <a14:hiddenFill xmlns:a14="http://schemas.microsoft.com/office/drawing/2010/main">
-                <a:solidFill>
-                  <a:srgbClr val="FFFFFF"/>
-                </a:solidFill>
-              </a14:hiddenFill>
-            </a:ext>
-          </a:extLst>
-        </p:spPr>
-      </p:pic>
-    </p:spTree>
-    <p:extLst>
-      <p:ext uri="{BB962C8B-B14F-4D97-AF65-F5344CB8AC3E}">
-        <p14:creationId xmlns:p14="http://schemas.microsoft.com/office/powerpoint/2010/main" val="3656387540"/>
-      </p:ext>
-    </p:extLst>
-  </p:cSld>
-  <p:clrMapOvr>
-    <a:masterClrMapping/>
-  </p:clrMapOvr>
-</p:sld>
-</file>
-
-<file path=ppt/slides/slide4.xml><?xml version="1.0" encoding="utf-8"?>
-<p:sld xmlns:a="http://schemas.openxmlformats.org/drawingml/2006/main" xmlns:r="http://schemas.openxmlformats.org/officeDocument/2006/relationships" xmlns:p="http://schemas.openxmlformats.org/presentationml/2006/main">
-  <p:cSld>
-    <p:spTree>
-      <p:nvGrpSpPr>
-        <p:cNvPr id="1" name=""/>
-        <p:cNvGrpSpPr/>
-        <p:nvPr/>
-      </p:nvGrpSpPr>
-      <p:grpSpPr>
-        <a:xfrm>
-          <a:off x="0" y="0"/>
-          <a:ext cx="0" cy="0"/>
-          <a:chOff x="0" y="0"/>
-          <a:chExt cx="0" cy="0"/>
-        </a:xfrm>
-      </p:grpSpPr>
-      <p:sp>
-        <p:nvSpPr>
           <p:cNvPr id="2" name="Inhaltsplatzhalter 1"/>
           <p:cNvSpPr>
             <a:spLocks noGrp="1"/>
@@ -9717,7 +7679,7 @@
           <a:p>
             <a:r>
               <a:rPr lang="de-DE" dirty="0"/>
-              <a:t>Lineares Gleichungssystem als Beispiel</a:t>
+              <a:t>Kondition Beispiel</a:t>
             </a:r>
           </a:p>
         </p:txBody>
@@ -9740,1098 +7702,7 @@
             <a:fld id="{CE58CB1E-F828-4F11-99E0-327109AF9DA4}" type="slidenum">
               <a:rPr lang="de-DE" smtClean="0"/>
               <a:pPr/>
-              <a:t>4</a:t>
-            </a:fld>
-            <a:endParaRPr lang="de-DE" dirty="0"/>
-          </a:p>
-        </p:txBody>
-      </p:sp>
-      <p:sp>
-        <p:nvSpPr>
-          <p:cNvPr id="7" name="Fußzeilenplatzhalter 4"/>
-          <p:cNvSpPr>
-            <a:spLocks noGrp="1"/>
-          </p:cNvSpPr>
-          <p:nvPr>
-            <p:ph type="ftr" sz="quarter" idx="12"/>
-          </p:nvPr>
-        </p:nvSpPr>
-        <p:spPr/>
-        <p:txBody>
-          <a:bodyPr/>
-          <a:lstStyle/>
-          <a:p>
-            <a:r>
-              <a:rPr lang="de-DE" sz="1000" dirty="0"/>
-              <a:t>Von </a:t>
-            </a:r>
-            <a:r>
-              <a:rPr lang="de-DE" sz="1000" dirty="0" err="1"/>
-              <a:t>Aleksandre</a:t>
-            </a:r>
-            <a:r>
-              <a:rPr lang="de-DE" sz="1000" dirty="0"/>
-              <a:t> </a:t>
-            </a:r>
-            <a:r>
-              <a:rPr lang="de-DE" sz="1000" dirty="0" err="1"/>
-              <a:t>Kandelaki</a:t>
-            </a:r>
-            <a:r>
-              <a:rPr lang="de-DE" sz="1000" dirty="0"/>
-              <a:t>, Matthias Staritz und Benjamin Liertz</a:t>
-            </a:r>
-          </a:p>
-        </p:txBody>
-      </p:sp>
-      <p:pic>
-        <p:nvPicPr>
-          <p:cNvPr id="6" name="Grafik 5">
-            <a:extLst>
-              <a:ext uri="{FF2B5EF4-FFF2-40B4-BE49-F238E27FC236}">
-                <a16:creationId xmlns:a16="http://schemas.microsoft.com/office/drawing/2014/main" id="{F2BF0AD3-5E23-414C-8D80-0FCBCA2F530D}"/>
-              </a:ext>
-            </a:extLst>
-          </p:cNvPr>
-          <p:cNvPicPr>
-            <a:picLocks noChangeAspect="1"/>
-          </p:cNvPicPr>
-          <p:nvPr/>
-        </p:nvPicPr>
-        <p:blipFill>
-          <a:blip r:embed="rId2"/>
-          <a:stretch>
-            <a:fillRect/>
-          </a:stretch>
-        </p:blipFill>
-        <p:spPr>
-          <a:xfrm>
-            <a:off x="604840" y="1940079"/>
-            <a:ext cx="2481260" cy="947821"/>
-          </a:xfrm>
-          <a:prstGeom prst="rect">
-            <a:avLst/>
-          </a:prstGeom>
-        </p:spPr>
-      </p:pic>
-      <p:sp>
-        <p:nvSpPr>
-          <p:cNvPr id="8" name="Inhaltsplatzhalter 1">
-            <a:extLst>
-              <a:ext uri="{FF2B5EF4-FFF2-40B4-BE49-F238E27FC236}">
-                <a16:creationId xmlns:a16="http://schemas.microsoft.com/office/drawing/2014/main" id="{3B75AAF4-DA3B-4ED6-8CFC-3EA0C8C773A7}"/>
-              </a:ext>
-            </a:extLst>
-          </p:cNvPr>
-          <p:cNvSpPr txBox="1">
-            <a:spLocks/>
-          </p:cNvSpPr>
-          <p:nvPr/>
-        </p:nvSpPr>
-        <p:spPr>
-          <a:xfrm>
-            <a:off x="4572000" y="1612937"/>
-            <a:ext cx="1834960" cy="273844"/>
-          </a:xfrm>
-          <a:prstGeom prst="rect">
-            <a:avLst/>
-          </a:prstGeom>
-          <a:noFill/>
-          <a:ln w="9525">
-            <a:noFill/>
-            <a:miter lim="800000"/>
-            <a:headEnd/>
-            <a:tailEnd/>
-          </a:ln>
-        </p:spPr>
-        <p:txBody>
-          <a:bodyPr vert="horz" wrap="square" lIns="0" tIns="0" rIns="0" bIns="0" numCol="1" anchor="t" anchorCtr="0" compatLnSpc="1">
-            <a:prstTxWarp prst="textNoShape">
-              <a:avLst/>
-            </a:prstTxWarp>
-          </a:bodyPr>
-          <a:lstStyle>
-            <a:lvl1pPr algn="l" rtl="0" eaLnBrk="0" fontAlgn="base" hangingPunct="0">
-              <a:lnSpc>
-                <a:spcPct val="114000"/>
-              </a:lnSpc>
-              <a:spcBef>
-                <a:spcPct val="0"/>
-              </a:spcBef>
-              <a:spcAft>
-                <a:spcPct val="0"/>
-              </a:spcAft>
-              <a:defRPr lang="de-DE" sz="1400" kern="1200" noProof="0" dirty="0" smtClean="0">
-                <a:solidFill>
-                  <a:schemeClr val="tx1"/>
-                </a:solidFill>
-                <a:latin typeface="+mn-lt"/>
-                <a:ea typeface="+mn-ea"/>
-                <a:cs typeface="+mn-cs"/>
-              </a:defRPr>
-            </a:lvl1pPr>
-            <a:lvl2pPr marL="176213" indent="-176213" algn="l" rtl="0" eaLnBrk="0" fontAlgn="base" hangingPunct="0">
-              <a:lnSpc>
-                <a:spcPct val="114000"/>
-              </a:lnSpc>
-              <a:spcBef>
-                <a:spcPct val="0"/>
-              </a:spcBef>
-              <a:spcAft>
-                <a:spcPct val="0"/>
-              </a:spcAft>
-              <a:buFont typeface="Arial" charset="0"/>
-              <a:buChar char="•"/>
-              <a:defRPr lang="de-DE" sz="1400" kern="1200" noProof="0" dirty="0" smtClean="0">
-                <a:solidFill>
-                  <a:schemeClr val="tx1"/>
-                </a:solidFill>
-                <a:latin typeface="+mn-lt"/>
-                <a:ea typeface="+mn-ea"/>
-                <a:cs typeface="+mn-cs"/>
-              </a:defRPr>
-            </a:lvl2pPr>
-            <a:lvl3pPr marL="360363" indent="-184150" algn="l" rtl="0" eaLnBrk="0" fontAlgn="base" hangingPunct="0">
-              <a:lnSpc>
-                <a:spcPct val="125000"/>
-              </a:lnSpc>
-              <a:spcBef>
-                <a:spcPct val="0"/>
-              </a:spcBef>
-              <a:spcAft>
-                <a:spcPct val="0"/>
-              </a:spcAft>
-              <a:buFont typeface="Symbol" pitchFamily="18" charset="2"/>
-              <a:buChar char="-"/>
-              <a:defRPr sz="1400" kern="1200">
-                <a:solidFill>
-                  <a:schemeClr val="tx1"/>
-                </a:solidFill>
-                <a:latin typeface="+mn-lt"/>
-                <a:ea typeface="+mn-ea"/>
-                <a:cs typeface="+mn-cs"/>
-              </a:defRPr>
-            </a:lvl3pPr>
-            <a:lvl4pPr marL="538163" indent="-177800" algn="l" rtl="0" eaLnBrk="0" fontAlgn="base" hangingPunct="0">
-              <a:lnSpc>
-                <a:spcPct val="125000"/>
-              </a:lnSpc>
-              <a:spcBef>
-                <a:spcPct val="0"/>
-              </a:spcBef>
-              <a:spcAft>
-                <a:spcPct val="0"/>
-              </a:spcAft>
-              <a:buFont typeface="Symbol" pitchFamily="18" charset="2"/>
-              <a:buChar char="-"/>
-              <a:defRPr sz="1400" kern="1200">
-                <a:solidFill>
-                  <a:schemeClr val="tx1"/>
-                </a:solidFill>
-                <a:latin typeface="+mn-lt"/>
-                <a:ea typeface="+mn-ea"/>
-                <a:cs typeface="+mn-cs"/>
-              </a:defRPr>
-            </a:lvl4pPr>
-            <a:lvl5pPr marL="714375" indent="-176213" algn="l" rtl="0" eaLnBrk="0" fontAlgn="base" hangingPunct="0">
-              <a:lnSpc>
-                <a:spcPct val="125000"/>
-              </a:lnSpc>
-              <a:spcBef>
-                <a:spcPct val="0"/>
-              </a:spcBef>
-              <a:spcAft>
-                <a:spcPct val="0"/>
-              </a:spcAft>
-              <a:buFont typeface="Symbol" pitchFamily="18" charset="2"/>
-              <a:buChar char="-"/>
-              <a:defRPr sz="1400" kern="1200">
-                <a:solidFill>
-                  <a:schemeClr val="tx1"/>
-                </a:solidFill>
-                <a:latin typeface="+mn-lt"/>
-                <a:ea typeface="+mn-ea"/>
-                <a:cs typeface="+mn-cs"/>
-              </a:defRPr>
-            </a:lvl5pPr>
-            <a:lvl6pPr marL="2514600" indent="-228600" algn="l" defTabSz="914400" rtl="0" eaLnBrk="1" latinLnBrk="0" hangingPunct="1">
-              <a:spcBef>
-                <a:spcPct val="20000"/>
-              </a:spcBef>
-              <a:buFont typeface="Arial" pitchFamily="34" charset="0"/>
-              <a:buChar char="•"/>
-              <a:defRPr sz="2000" kern="1200">
-                <a:solidFill>
-                  <a:schemeClr val="tx1"/>
-                </a:solidFill>
-                <a:latin typeface="+mn-lt"/>
-                <a:ea typeface="+mn-ea"/>
-                <a:cs typeface="+mn-cs"/>
-              </a:defRPr>
-            </a:lvl6pPr>
-            <a:lvl7pPr marL="2971800" indent="-228600" algn="l" defTabSz="914400" rtl="0" eaLnBrk="1" latinLnBrk="0" hangingPunct="1">
-              <a:spcBef>
-                <a:spcPct val="20000"/>
-              </a:spcBef>
-              <a:buFont typeface="Arial" pitchFamily="34" charset="0"/>
-              <a:buChar char="•"/>
-              <a:defRPr sz="2000" kern="1200">
-                <a:solidFill>
-                  <a:schemeClr val="tx1"/>
-                </a:solidFill>
-                <a:latin typeface="+mn-lt"/>
-                <a:ea typeface="+mn-ea"/>
-                <a:cs typeface="+mn-cs"/>
-              </a:defRPr>
-            </a:lvl7pPr>
-            <a:lvl8pPr marL="3429000" indent="-228600" algn="l" defTabSz="914400" rtl="0" eaLnBrk="1" latinLnBrk="0" hangingPunct="1">
-              <a:spcBef>
-                <a:spcPct val="20000"/>
-              </a:spcBef>
-              <a:buFont typeface="Arial" pitchFamily="34" charset="0"/>
-              <a:buChar char="•"/>
-              <a:defRPr sz="2000" kern="1200">
-                <a:solidFill>
-                  <a:schemeClr val="tx1"/>
-                </a:solidFill>
-                <a:latin typeface="+mn-lt"/>
-                <a:ea typeface="+mn-ea"/>
-                <a:cs typeface="+mn-cs"/>
-              </a:defRPr>
-            </a:lvl8pPr>
-            <a:lvl9pPr marL="3886200" indent="-228600" algn="l" defTabSz="914400" rtl="0" eaLnBrk="1" latinLnBrk="0" hangingPunct="1">
-              <a:spcBef>
-                <a:spcPct val="20000"/>
-              </a:spcBef>
-              <a:buFont typeface="Arial" pitchFamily="34" charset="0"/>
-              <a:buChar char="•"/>
-              <a:defRPr sz="2000" kern="1200">
-                <a:solidFill>
-                  <a:schemeClr val="tx1"/>
-                </a:solidFill>
-                <a:latin typeface="+mn-lt"/>
-                <a:ea typeface="+mn-ea"/>
-                <a:cs typeface="+mn-cs"/>
-              </a:defRPr>
-            </a:lvl9pPr>
-          </a:lstStyle>
-          <a:p>
-            <a:r>
-              <a:rPr lang="de-DE" dirty="0" err="1"/>
-              <a:t>Koeffizientenmatrix</a:t>
-            </a:r>
-            <a:r>
-              <a:rPr lang="de-DE" dirty="0"/>
-              <a:t> A:</a:t>
-            </a:r>
-          </a:p>
-        </p:txBody>
-      </p:sp>
-      <p:pic>
-        <p:nvPicPr>
-          <p:cNvPr id="10" name="Grafik 9">
-            <a:extLst>
-              <a:ext uri="{FF2B5EF4-FFF2-40B4-BE49-F238E27FC236}">
-                <a16:creationId xmlns:a16="http://schemas.microsoft.com/office/drawing/2014/main" id="{B717B4AA-FDD5-4393-B217-C19E62D8491E}"/>
-              </a:ext>
-            </a:extLst>
-          </p:cNvPr>
-          <p:cNvPicPr>
-            <a:picLocks noChangeAspect="1"/>
-          </p:cNvPicPr>
-          <p:nvPr/>
-        </p:nvPicPr>
-        <p:blipFill>
-          <a:blip r:embed="rId3"/>
-          <a:stretch>
-            <a:fillRect/>
-          </a:stretch>
-        </p:blipFill>
-        <p:spPr>
-          <a:xfrm>
-            <a:off x="604840" y="3475169"/>
-            <a:ext cx="7289004" cy="1015213"/>
-          </a:xfrm>
-          <a:prstGeom prst="rect">
-            <a:avLst/>
-          </a:prstGeom>
-        </p:spPr>
-      </p:pic>
-      <p:sp>
-        <p:nvSpPr>
-          <p:cNvPr id="12" name="Textfeld 11">
-            <a:extLst>
-              <a:ext uri="{FF2B5EF4-FFF2-40B4-BE49-F238E27FC236}">
-                <a16:creationId xmlns:a16="http://schemas.microsoft.com/office/drawing/2014/main" id="{CB1EC23D-B186-47FA-A007-2075EA2D0610}"/>
-              </a:ext>
-            </a:extLst>
-          </p:cNvPr>
-          <p:cNvSpPr txBox="1"/>
-          <p:nvPr/>
-        </p:nvSpPr>
-        <p:spPr>
-          <a:xfrm>
-            <a:off x="415281" y="3134759"/>
-            <a:ext cx="2378869" cy="307777"/>
-          </a:xfrm>
-          <a:prstGeom prst="rect">
-            <a:avLst/>
-          </a:prstGeom>
-          <a:noFill/>
-        </p:spPr>
-        <p:txBody>
-          <a:bodyPr wrap="square">
-            <a:spAutoFit/>
-          </a:bodyPr>
-          <a:lstStyle/>
-          <a:p>
-            <a:r>
-              <a:rPr lang="de-DE" sz="1400" dirty="0">
-                <a:latin typeface="+mn-lt"/>
-                <a:cs typeface="+mn-cs"/>
-              </a:rPr>
-              <a:t>Ergebnis der LU-Zerlegung:</a:t>
-            </a:r>
-          </a:p>
-        </p:txBody>
-      </p:sp>
-      <p:pic>
-        <p:nvPicPr>
-          <p:cNvPr id="14" name="Grafik 13">
-            <a:extLst>
-              <a:ext uri="{FF2B5EF4-FFF2-40B4-BE49-F238E27FC236}">
-                <a16:creationId xmlns:a16="http://schemas.microsoft.com/office/drawing/2014/main" id="{9B44CCF7-55C5-4961-BD13-B9E3459F32A7}"/>
-              </a:ext>
-            </a:extLst>
-          </p:cNvPr>
-          <p:cNvPicPr>
-            <a:picLocks noChangeAspect="1"/>
-          </p:cNvPicPr>
-          <p:nvPr/>
-        </p:nvPicPr>
-        <p:blipFill>
-          <a:blip r:embed="rId4"/>
-          <a:stretch>
-            <a:fillRect/>
-          </a:stretch>
-        </p:blipFill>
-        <p:spPr>
-          <a:xfrm>
-            <a:off x="4572000" y="1919414"/>
-            <a:ext cx="1717327" cy="963659"/>
-          </a:xfrm>
-          <a:prstGeom prst="rect">
-            <a:avLst/>
-          </a:prstGeom>
-        </p:spPr>
-      </p:pic>
-    </p:spTree>
-    <p:extLst>
-      <p:ext uri="{BB962C8B-B14F-4D97-AF65-F5344CB8AC3E}">
-        <p14:creationId xmlns:p14="http://schemas.microsoft.com/office/powerpoint/2010/main" val="1791090806"/>
-      </p:ext>
-    </p:extLst>
-  </p:cSld>
-  <p:clrMapOvr>
-    <a:masterClrMapping/>
-  </p:clrMapOvr>
-</p:sld>
-</file>
-
-<file path=ppt/slides/slide5.xml><?xml version="1.0" encoding="utf-8"?>
-<p:sld xmlns:a="http://schemas.openxmlformats.org/drawingml/2006/main" xmlns:r="http://schemas.openxmlformats.org/officeDocument/2006/relationships" xmlns:p="http://schemas.openxmlformats.org/presentationml/2006/main">
-  <p:cSld>
-    <p:spTree>
-      <p:nvGrpSpPr>
-        <p:cNvPr id="1" name=""/>
-        <p:cNvGrpSpPr/>
-        <p:nvPr/>
-      </p:nvGrpSpPr>
-      <p:grpSpPr>
-        <a:xfrm>
-          <a:off x="0" y="0"/>
-          <a:ext cx="0" cy="0"/>
-          <a:chOff x="0" y="0"/>
-          <a:chExt cx="0" cy="0"/>
-        </a:xfrm>
-      </p:grpSpPr>
-      <p:sp>
-        <p:nvSpPr>
-          <p:cNvPr id="2" name="Inhaltsplatzhalter 1"/>
-          <p:cNvSpPr>
-            <a:spLocks noGrp="1"/>
-          </p:cNvSpPr>
-          <p:nvPr>
-            <p:ph idx="1"/>
-          </p:nvPr>
-        </p:nvSpPr>
-        <p:spPr>
-          <a:xfrm>
-            <a:off x="502159" y="2162174"/>
-            <a:ext cx="1624010" cy="271587"/>
-          </a:xfrm>
-        </p:spPr>
-        <p:txBody>
-          <a:bodyPr/>
-          <a:lstStyle/>
-          <a:p>
-            <a:r>
-              <a:rPr lang="de-DE" dirty="0"/>
-              <a:t>Absorption:</a:t>
-            </a:r>
-          </a:p>
-        </p:txBody>
-      </p:sp>
-      <p:sp>
-        <p:nvSpPr>
-          <p:cNvPr id="3" name="Titel 2"/>
-          <p:cNvSpPr>
-            <a:spLocks noGrp="1"/>
-          </p:cNvSpPr>
-          <p:nvPr>
-            <p:ph type="title"/>
-          </p:nvPr>
-        </p:nvSpPr>
-        <p:spPr>
-          <a:xfrm>
-            <a:off x="318009" y="837520"/>
-            <a:ext cx="8508999" cy="380810"/>
-          </a:xfrm>
-        </p:spPr>
-        <p:txBody>
-          <a:bodyPr/>
-          <a:lstStyle/>
-          <a:p>
-            <a:r>
-              <a:rPr lang="de-DE" dirty="0"/>
-              <a:t>Genauigkeit</a:t>
-            </a:r>
-          </a:p>
-        </p:txBody>
-      </p:sp>
-      <p:sp>
-        <p:nvSpPr>
-          <p:cNvPr id="4" name="Foliennummernplatzhalter 3"/>
-          <p:cNvSpPr>
-            <a:spLocks noGrp="1"/>
-          </p:cNvSpPr>
-          <p:nvPr>
-            <p:ph type="sldNum" sz="quarter" idx="11"/>
-          </p:nvPr>
-        </p:nvSpPr>
-        <p:spPr/>
-        <p:txBody>
-          <a:bodyPr/>
-          <a:lstStyle/>
-          <a:p>
-            <a:fld id="{CE58CB1E-F828-4F11-99E0-327109AF9DA4}" type="slidenum">
-              <a:rPr lang="de-DE" smtClean="0"/>
-              <a:pPr/>
-              <a:t>5</a:t>
-            </a:fld>
-            <a:endParaRPr lang="de-DE" dirty="0"/>
-          </a:p>
-        </p:txBody>
-      </p:sp>
-      <p:sp>
-        <p:nvSpPr>
-          <p:cNvPr id="7" name="Fußzeilenplatzhalter 4"/>
-          <p:cNvSpPr>
-            <a:spLocks noGrp="1"/>
-          </p:cNvSpPr>
-          <p:nvPr>
-            <p:ph type="ftr" sz="quarter" idx="12"/>
-          </p:nvPr>
-        </p:nvSpPr>
-        <p:spPr/>
-        <p:txBody>
-          <a:bodyPr/>
-          <a:lstStyle/>
-          <a:p>
-            <a:r>
-              <a:rPr lang="de-DE" sz="1000" dirty="0"/>
-              <a:t>Von </a:t>
-            </a:r>
-            <a:r>
-              <a:rPr lang="de-DE" sz="1000" dirty="0" err="1"/>
-              <a:t>Aleksandre</a:t>
-            </a:r>
-            <a:r>
-              <a:rPr lang="de-DE" sz="1000" dirty="0"/>
-              <a:t> </a:t>
-            </a:r>
-            <a:r>
-              <a:rPr lang="de-DE" sz="1000" dirty="0" err="1"/>
-              <a:t>Kandelaki</a:t>
-            </a:r>
-            <a:r>
-              <a:rPr lang="de-DE" sz="1000" dirty="0"/>
-              <a:t>, Matthias Staritz und Benjamin Liertz</a:t>
-            </a:r>
-          </a:p>
-        </p:txBody>
-      </p:sp>
-      <p:sp>
-        <p:nvSpPr>
-          <p:cNvPr id="8" name="Inhaltsplatzhalter 1">
-            <a:extLst>
-              <a:ext uri="{FF2B5EF4-FFF2-40B4-BE49-F238E27FC236}">
-                <a16:creationId xmlns:a16="http://schemas.microsoft.com/office/drawing/2014/main" id="{3B75AAF4-DA3B-4ED6-8CFC-3EA0C8C773A7}"/>
-              </a:ext>
-            </a:extLst>
-          </p:cNvPr>
-          <p:cNvSpPr txBox="1">
-            <a:spLocks/>
-          </p:cNvSpPr>
-          <p:nvPr/>
-        </p:nvSpPr>
-        <p:spPr>
-          <a:xfrm>
-            <a:off x="4182960" y="2159917"/>
-            <a:ext cx="1834960" cy="273844"/>
-          </a:xfrm>
-          <a:prstGeom prst="rect">
-            <a:avLst/>
-          </a:prstGeom>
-          <a:noFill/>
-          <a:ln w="9525">
-            <a:noFill/>
-            <a:miter lim="800000"/>
-            <a:headEnd/>
-            <a:tailEnd/>
-          </a:ln>
-        </p:spPr>
-        <p:txBody>
-          <a:bodyPr vert="horz" wrap="square" lIns="0" tIns="0" rIns="0" bIns="0" numCol="1" anchor="t" anchorCtr="0" compatLnSpc="1">
-            <a:prstTxWarp prst="textNoShape">
-              <a:avLst/>
-            </a:prstTxWarp>
-          </a:bodyPr>
-          <a:lstStyle>
-            <a:lvl1pPr algn="l" rtl="0" eaLnBrk="0" fontAlgn="base" hangingPunct="0">
-              <a:lnSpc>
-                <a:spcPct val="114000"/>
-              </a:lnSpc>
-              <a:spcBef>
-                <a:spcPct val="0"/>
-              </a:spcBef>
-              <a:spcAft>
-                <a:spcPct val="0"/>
-              </a:spcAft>
-              <a:defRPr lang="de-DE" sz="1400" kern="1200" noProof="0" dirty="0" smtClean="0">
-                <a:solidFill>
-                  <a:schemeClr val="tx1"/>
-                </a:solidFill>
-                <a:latin typeface="+mn-lt"/>
-                <a:ea typeface="+mn-ea"/>
-                <a:cs typeface="+mn-cs"/>
-              </a:defRPr>
-            </a:lvl1pPr>
-            <a:lvl2pPr marL="176213" indent="-176213" algn="l" rtl="0" eaLnBrk="0" fontAlgn="base" hangingPunct="0">
-              <a:lnSpc>
-                <a:spcPct val="114000"/>
-              </a:lnSpc>
-              <a:spcBef>
-                <a:spcPct val="0"/>
-              </a:spcBef>
-              <a:spcAft>
-                <a:spcPct val="0"/>
-              </a:spcAft>
-              <a:buFont typeface="Arial" charset="0"/>
-              <a:buChar char="•"/>
-              <a:defRPr lang="de-DE" sz="1400" kern="1200" noProof="0" dirty="0" smtClean="0">
-                <a:solidFill>
-                  <a:schemeClr val="tx1"/>
-                </a:solidFill>
-                <a:latin typeface="+mn-lt"/>
-                <a:ea typeface="+mn-ea"/>
-                <a:cs typeface="+mn-cs"/>
-              </a:defRPr>
-            </a:lvl2pPr>
-            <a:lvl3pPr marL="360363" indent="-184150" algn="l" rtl="0" eaLnBrk="0" fontAlgn="base" hangingPunct="0">
-              <a:lnSpc>
-                <a:spcPct val="125000"/>
-              </a:lnSpc>
-              <a:spcBef>
-                <a:spcPct val="0"/>
-              </a:spcBef>
-              <a:spcAft>
-                <a:spcPct val="0"/>
-              </a:spcAft>
-              <a:buFont typeface="Symbol" pitchFamily="18" charset="2"/>
-              <a:buChar char="-"/>
-              <a:defRPr sz="1400" kern="1200">
-                <a:solidFill>
-                  <a:schemeClr val="tx1"/>
-                </a:solidFill>
-                <a:latin typeface="+mn-lt"/>
-                <a:ea typeface="+mn-ea"/>
-                <a:cs typeface="+mn-cs"/>
-              </a:defRPr>
-            </a:lvl3pPr>
-            <a:lvl4pPr marL="538163" indent="-177800" algn="l" rtl="0" eaLnBrk="0" fontAlgn="base" hangingPunct="0">
-              <a:lnSpc>
-                <a:spcPct val="125000"/>
-              </a:lnSpc>
-              <a:spcBef>
-                <a:spcPct val="0"/>
-              </a:spcBef>
-              <a:spcAft>
-                <a:spcPct val="0"/>
-              </a:spcAft>
-              <a:buFont typeface="Symbol" pitchFamily="18" charset="2"/>
-              <a:buChar char="-"/>
-              <a:defRPr sz="1400" kern="1200">
-                <a:solidFill>
-                  <a:schemeClr val="tx1"/>
-                </a:solidFill>
-                <a:latin typeface="+mn-lt"/>
-                <a:ea typeface="+mn-ea"/>
-                <a:cs typeface="+mn-cs"/>
-              </a:defRPr>
-            </a:lvl4pPr>
-            <a:lvl5pPr marL="714375" indent="-176213" algn="l" rtl="0" eaLnBrk="0" fontAlgn="base" hangingPunct="0">
-              <a:lnSpc>
-                <a:spcPct val="125000"/>
-              </a:lnSpc>
-              <a:spcBef>
-                <a:spcPct val="0"/>
-              </a:spcBef>
-              <a:spcAft>
-                <a:spcPct val="0"/>
-              </a:spcAft>
-              <a:buFont typeface="Symbol" pitchFamily="18" charset="2"/>
-              <a:buChar char="-"/>
-              <a:defRPr sz="1400" kern="1200">
-                <a:solidFill>
-                  <a:schemeClr val="tx1"/>
-                </a:solidFill>
-                <a:latin typeface="+mn-lt"/>
-                <a:ea typeface="+mn-ea"/>
-                <a:cs typeface="+mn-cs"/>
-              </a:defRPr>
-            </a:lvl5pPr>
-            <a:lvl6pPr marL="2514600" indent="-228600" algn="l" defTabSz="914400" rtl="0" eaLnBrk="1" latinLnBrk="0" hangingPunct="1">
-              <a:spcBef>
-                <a:spcPct val="20000"/>
-              </a:spcBef>
-              <a:buFont typeface="Arial" pitchFamily="34" charset="0"/>
-              <a:buChar char="•"/>
-              <a:defRPr sz="2000" kern="1200">
-                <a:solidFill>
-                  <a:schemeClr val="tx1"/>
-                </a:solidFill>
-                <a:latin typeface="+mn-lt"/>
-                <a:ea typeface="+mn-ea"/>
-                <a:cs typeface="+mn-cs"/>
-              </a:defRPr>
-            </a:lvl6pPr>
-            <a:lvl7pPr marL="2971800" indent="-228600" algn="l" defTabSz="914400" rtl="0" eaLnBrk="1" latinLnBrk="0" hangingPunct="1">
-              <a:spcBef>
-                <a:spcPct val="20000"/>
-              </a:spcBef>
-              <a:buFont typeface="Arial" pitchFamily="34" charset="0"/>
-              <a:buChar char="•"/>
-              <a:defRPr sz="2000" kern="1200">
-                <a:solidFill>
-                  <a:schemeClr val="tx1"/>
-                </a:solidFill>
-                <a:latin typeface="+mn-lt"/>
-                <a:ea typeface="+mn-ea"/>
-                <a:cs typeface="+mn-cs"/>
-              </a:defRPr>
-            </a:lvl7pPr>
-            <a:lvl8pPr marL="3429000" indent="-228600" algn="l" defTabSz="914400" rtl="0" eaLnBrk="1" latinLnBrk="0" hangingPunct="1">
-              <a:spcBef>
-                <a:spcPct val="20000"/>
-              </a:spcBef>
-              <a:buFont typeface="Arial" pitchFamily="34" charset="0"/>
-              <a:buChar char="•"/>
-              <a:defRPr sz="2000" kern="1200">
-                <a:solidFill>
-                  <a:schemeClr val="tx1"/>
-                </a:solidFill>
-                <a:latin typeface="+mn-lt"/>
-                <a:ea typeface="+mn-ea"/>
-                <a:cs typeface="+mn-cs"/>
-              </a:defRPr>
-            </a:lvl8pPr>
-            <a:lvl9pPr marL="3886200" indent="-228600" algn="l" defTabSz="914400" rtl="0" eaLnBrk="1" latinLnBrk="0" hangingPunct="1">
-              <a:spcBef>
-                <a:spcPct val="20000"/>
-              </a:spcBef>
-              <a:buFont typeface="Arial" pitchFamily="34" charset="0"/>
-              <a:buChar char="•"/>
-              <a:defRPr sz="2000" kern="1200">
-                <a:solidFill>
-                  <a:schemeClr val="tx1"/>
-                </a:solidFill>
-                <a:latin typeface="+mn-lt"/>
-                <a:ea typeface="+mn-ea"/>
-                <a:cs typeface="+mn-cs"/>
-              </a:defRPr>
-            </a:lvl9pPr>
-          </a:lstStyle>
-          <a:p>
-            <a:r>
-              <a:rPr lang="de-DE" dirty="0"/>
-              <a:t>Auslöschung:</a:t>
-            </a:r>
-          </a:p>
-        </p:txBody>
-      </p:sp>
-      <p:sp>
-        <p:nvSpPr>
-          <p:cNvPr id="12" name="Textfeld 11">
-            <a:extLst>
-              <a:ext uri="{FF2B5EF4-FFF2-40B4-BE49-F238E27FC236}">
-                <a16:creationId xmlns:a16="http://schemas.microsoft.com/office/drawing/2014/main" id="{CB1EC23D-B186-47FA-A007-2075EA2D0610}"/>
-              </a:ext>
-            </a:extLst>
-          </p:cNvPr>
-          <p:cNvSpPr txBox="1"/>
-          <p:nvPr/>
-        </p:nvSpPr>
-        <p:spPr>
-          <a:xfrm>
-            <a:off x="502159" y="2617366"/>
-            <a:ext cx="3511545" cy="307777"/>
-          </a:xfrm>
-          <a:prstGeom prst="rect">
-            <a:avLst/>
-          </a:prstGeom>
-          <a:noFill/>
-        </p:spPr>
-        <p:txBody>
-          <a:bodyPr wrap="square">
-            <a:spAutoFit/>
-          </a:bodyPr>
-          <a:lstStyle/>
-          <a:p>
-            <a:r>
-              <a:rPr lang="de-DE" sz="1400" i="1" dirty="0">
-                <a:latin typeface="Cambria Math" panose="02040503050406030204" pitchFamily="18" charset="0"/>
-              </a:rPr>
-              <a:t>1000000.00f + 0.01f = 1000000.00f</a:t>
-            </a:r>
-          </a:p>
-        </p:txBody>
-      </p:sp>
-      <p:sp>
-        <p:nvSpPr>
-          <p:cNvPr id="11" name="Inhaltsplatzhalter 1">
-            <a:extLst>
-              <a:ext uri="{FF2B5EF4-FFF2-40B4-BE49-F238E27FC236}">
-                <a16:creationId xmlns:a16="http://schemas.microsoft.com/office/drawing/2014/main" id="{50248EC9-836D-4B59-A3DC-0C01D29E621F}"/>
-              </a:ext>
-            </a:extLst>
-          </p:cNvPr>
-          <p:cNvSpPr txBox="1">
-            <a:spLocks/>
-          </p:cNvSpPr>
-          <p:nvPr/>
-        </p:nvSpPr>
-        <p:spPr>
-          <a:xfrm>
-            <a:off x="4262148" y="2619141"/>
-            <a:ext cx="3511545" cy="380810"/>
-          </a:xfrm>
-          <a:prstGeom prst="rect">
-            <a:avLst/>
-          </a:prstGeom>
-          <a:noFill/>
-          <a:ln w="9525">
-            <a:noFill/>
-            <a:miter lim="800000"/>
-            <a:headEnd/>
-            <a:tailEnd/>
-          </a:ln>
-        </p:spPr>
-        <p:txBody>
-          <a:bodyPr vert="horz" wrap="square" lIns="0" tIns="0" rIns="0" bIns="0" numCol="1" anchor="t" anchorCtr="0" compatLnSpc="1">
-            <a:prstTxWarp prst="textNoShape">
-              <a:avLst/>
-            </a:prstTxWarp>
-          </a:bodyPr>
-          <a:lstStyle>
-            <a:lvl1pPr algn="l" rtl="0" eaLnBrk="0" fontAlgn="base" hangingPunct="0">
-              <a:lnSpc>
-                <a:spcPct val="114000"/>
-              </a:lnSpc>
-              <a:spcBef>
-                <a:spcPct val="0"/>
-              </a:spcBef>
-              <a:spcAft>
-                <a:spcPct val="0"/>
-              </a:spcAft>
-              <a:defRPr lang="de-DE" sz="1400" kern="1200" noProof="0" dirty="0" smtClean="0">
-                <a:solidFill>
-                  <a:schemeClr val="tx1"/>
-                </a:solidFill>
-                <a:latin typeface="+mn-lt"/>
-                <a:ea typeface="+mn-ea"/>
-                <a:cs typeface="+mn-cs"/>
-              </a:defRPr>
-            </a:lvl1pPr>
-            <a:lvl2pPr marL="176213" indent="-176213" algn="l" rtl="0" eaLnBrk="0" fontAlgn="base" hangingPunct="0">
-              <a:lnSpc>
-                <a:spcPct val="114000"/>
-              </a:lnSpc>
-              <a:spcBef>
-                <a:spcPct val="0"/>
-              </a:spcBef>
-              <a:spcAft>
-                <a:spcPct val="0"/>
-              </a:spcAft>
-              <a:buFont typeface="Arial" charset="0"/>
-              <a:buChar char="•"/>
-              <a:defRPr lang="de-DE" sz="1400" kern="1200" noProof="0" dirty="0" smtClean="0">
-                <a:solidFill>
-                  <a:schemeClr val="tx1"/>
-                </a:solidFill>
-                <a:latin typeface="+mn-lt"/>
-                <a:ea typeface="+mn-ea"/>
-                <a:cs typeface="+mn-cs"/>
-              </a:defRPr>
-            </a:lvl2pPr>
-            <a:lvl3pPr marL="360363" indent="-184150" algn="l" rtl="0" eaLnBrk="0" fontAlgn="base" hangingPunct="0">
-              <a:lnSpc>
-                <a:spcPct val="125000"/>
-              </a:lnSpc>
-              <a:spcBef>
-                <a:spcPct val="0"/>
-              </a:spcBef>
-              <a:spcAft>
-                <a:spcPct val="0"/>
-              </a:spcAft>
-              <a:buFont typeface="Symbol" pitchFamily="18" charset="2"/>
-              <a:buChar char="-"/>
-              <a:defRPr sz="1400" kern="1200">
-                <a:solidFill>
-                  <a:schemeClr val="tx1"/>
-                </a:solidFill>
-                <a:latin typeface="+mn-lt"/>
-                <a:ea typeface="+mn-ea"/>
-                <a:cs typeface="+mn-cs"/>
-              </a:defRPr>
-            </a:lvl3pPr>
-            <a:lvl4pPr marL="538163" indent="-177800" algn="l" rtl="0" eaLnBrk="0" fontAlgn="base" hangingPunct="0">
-              <a:lnSpc>
-                <a:spcPct val="125000"/>
-              </a:lnSpc>
-              <a:spcBef>
-                <a:spcPct val="0"/>
-              </a:spcBef>
-              <a:spcAft>
-                <a:spcPct val="0"/>
-              </a:spcAft>
-              <a:buFont typeface="Symbol" pitchFamily="18" charset="2"/>
-              <a:buChar char="-"/>
-              <a:defRPr sz="1400" kern="1200">
-                <a:solidFill>
-                  <a:schemeClr val="tx1"/>
-                </a:solidFill>
-                <a:latin typeface="+mn-lt"/>
-                <a:ea typeface="+mn-ea"/>
-                <a:cs typeface="+mn-cs"/>
-              </a:defRPr>
-            </a:lvl4pPr>
-            <a:lvl5pPr marL="714375" indent="-176213" algn="l" rtl="0" eaLnBrk="0" fontAlgn="base" hangingPunct="0">
-              <a:lnSpc>
-                <a:spcPct val="125000"/>
-              </a:lnSpc>
-              <a:spcBef>
-                <a:spcPct val="0"/>
-              </a:spcBef>
-              <a:spcAft>
-                <a:spcPct val="0"/>
-              </a:spcAft>
-              <a:buFont typeface="Symbol" pitchFamily="18" charset="2"/>
-              <a:buChar char="-"/>
-              <a:defRPr sz="1400" kern="1200">
-                <a:solidFill>
-                  <a:schemeClr val="tx1"/>
-                </a:solidFill>
-                <a:latin typeface="+mn-lt"/>
-                <a:ea typeface="+mn-ea"/>
-                <a:cs typeface="+mn-cs"/>
-              </a:defRPr>
-            </a:lvl5pPr>
-            <a:lvl6pPr marL="2514600" indent="-228600" algn="l" defTabSz="914400" rtl="0" eaLnBrk="1" latinLnBrk="0" hangingPunct="1">
-              <a:spcBef>
-                <a:spcPct val="20000"/>
-              </a:spcBef>
-              <a:buFont typeface="Arial" pitchFamily="34" charset="0"/>
-              <a:buChar char="•"/>
-              <a:defRPr sz="2000" kern="1200">
-                <a:solidFill>
-                  <a:schemeClr val="tx1"/>
-                </a:solidFill>
-                <a:latin typeface="+mn-lt"/>
-                <a:ea typeface="+mn-ea"/>
-                <a:cs typeface="+mn-cs"/>
-              </a:defRPr>
-            </a:lvl6pPr>
-            <a:lvl7pPr marL="2971800" indent="-228600" algn="l" defTabSz="914400" rtl="0" eaLnBrk="1" latinLnBrk="0" hangingPunct="1">
-              <a:spcBef>
-                <a:spcPct val="20000"/>
-              </a:spcBef>
-              <a:buFont typeface="Arial" pitchFamily="34" charset="0"/>
-              <a:buChar char="•"/>
-              <a:defRPr sz="2000" kern="1200">
-                <a:solidFill>
-                  <a:schemeClr val="tx1"/>
-                </a:solidFill>
-                <a:latin typeface="+mn-lt"/>
-                <a:ea typeface="+mn-ea"/>
-                <a:cs typeface="+mn-cs"/>
-              </a:defRPr>
-            </a:lvl7pPr>
-            <a:lvl8pPr marL="3429000" indent="-228600" algn="l" defTabSz="914400" rtl="0" eaLnBrk="1" latinLnBrk="0" hangingPunct="1">
-              <a:spcBef>
-                <a:spcPct val="20000"/>
-              </a:spcBef>
-              <a:buFont typeface="Arial" pitchFamily="34" charset="0"/>
-              <a:buChar char="•"/>
-              <a:defRPr sz="2000" kern="1200">
-                <a:solidFill>
-                  <a:schemeClr val="tx1"/>
-                </a:solidFill>
-                <a:latin typeface="+mn-lt"/>
-                <a:ea typeface="+mn-ea"/>
-                <a:cs typeface="+mn-cs"/>
-              </a:defRPr>
-            </a:lvl8pPr>
-            <a:lvl9pPr marL="3886200" indent="-228600" algn="l" defTabSz="914400" rtl="0" eaLnBrk="1" latinLnBrk="0" hangingPunct="1">
-              <a:spcBef>
-                <a:spcPct val="20000"/>
-              </a:spcBef>
-              <a:buFont typeface="Arial" pitchFamily="34" charset="0"/>
-              <a:buChar char="•"/>
-              <a:defRPr sz="2000" kern="1200">
-                <a:solidFill>
-                  <a:schemeClr val="tx1"/>
-                </a:solidFill>
-                <a:latin typeface="+mn-lt"/>
-                <a:ea typeface="+mn-ea"/>
-                <a:cs typeface="+mn-cs"/>
-              </a:defRPr>
-            </a:lvl9pPr>
-          </a:lstStyle>
-          <a:p>
-            <a:r>
-              <a:rPr lang="de-DE" i="1" dirty="0">
-                <a:latin typeface="Cambria Math" panose="02040503050406030204" pitchFamily="18" charset="0"/>
-                <a:cs typeface="Arial" charset="0"/>
-              </a:rPr>
-              <a:t>1000000.1f − 1000000,0f = 0,125f != 0,1f </a:t>
-            </a:r>
-          </a:p>
-        </p:txBody>
-      </p:sp>
-    </p:spTree>
-    <p:extLst>
-      <p:ext uri="{BB962C8B-B14F-4D97-AF65-F5344CB8AC3E}">
-        <p14:creationId xmlns:p14="http://schemas.microsoft.com/office/powerpoint/2010/main" val="219997872"/>
-      </p:ext>
-    </p:extLst>
-  </p:cSld>
-  <p:clrMapOvr>
-    <a:masterClrMapping/>
-  </p:clrMapOvr>
-</p:sld>
-</file>
-
-<file path=ppt/slides/slide6.xml><?xml version="1.0" encoding="utf-8"?>
-<p:sld xmlns:a="http://schemas.openxmlformats.org/drawingml/2006/main" xmlns:r="http://schemas.openxmlformats.org/officeDocument/2006/relationships" xmlns:p="http://schemas.openxmlformats.org/presentationml/2006/main">
-  <p:cSld>
-    <p:spTree>
-      <p:nvGrpSpPr>
-        <p:cNvPr id="1" name=""/>
-        <p:cNvGrpSpPr/>
-        <p:nvPr/>
-      </p:nvGrpSpPr>
-      <p:grpSpPr>
-        <a:xfrm>
-          <a:off x="0" y="0"/>
-          <a:ext cx="0" cy="0"/>
-          <a:chOff x="0" y="0"/>
-          <a:chExt cx="0" cy="0"/>
-        </a:xfrm>
-      </p:grpSpPr>
-      <p:sp>
-        <p:nvSpPr>
-          <p:cNvPr id="2" name="Inhaltsplatzhalter 1"/>
-          <p:cNvSpPr>
-            <a:spLocks noGrp="1"/>
-          </p:cNvSpPr>
-          <p:nvPr>
-            <p:ph idx="1"/>
-          </p:nvPr>
-        </p:nvSpPr>
-        <p:spPr>
-          <a:xfrm>
-            <a:off x="490540" y="1615194"/>
-            <a:ext cx="2295522" cy="273845"/>
-          </a:xfrm>
-        </p:spPr>
-        <p:txBody>
-          <a:bodyPr/>
-          <a:lstStyle/>
-          <a:p>
-            <a:r>
-              <a:rPr lang="de-DE" dirty="0"/>
-              <a:t>Lineares Gleichungssystem:</a:t>
-            </a:r>
-          </a:p>
-        </p:txBody>
-      </p:sp>
-      <p:sp>
-        <p:nvSpPr>
-          <p:cNvPr id="3" name="Titel 2"/>
-          <p:cNvSpPr>
-            <a:spLocks noGrp="1"/>
-          </p:cNvSpPr>
-          <p:nvPr>
-            <p:ph type="title"/>
-          </p:nvPr>
-        </p:nvSpPr>
-        <p:spPr>
-          <a:xfrm>
-            <a:off x="318009" y="837520"/>
-            <a:ext cx="8508999" cy="380810"/>
-          </a:xfrm>
-        </p:spPr>
-        <p:txBody>
-          <a:bodyPr/>
-          <a:lstStyle/>
-          <a:p>
-            <a:r>
-              <a:rPr lang="de-DE" dirty="0"/>
-              <a:t>Kondition Beispiel</a:t>
-            </a:r>
-          </a:p>
-        </p:txBody>
-      </p:sp>
-      <p:sp>
-        <p:nvSpPr>
-          <p:cNvPr id="4" name="Foliennummernplatzhalter 3"/>
-          <p:cNvSpPr>
-            <a:spLocks noGrp="1"/>
-          </p:cNvSpPr>
-          <p:nvPr>
-            <p:ph type="sldNum" sz="quarter" idx="11"/>
-          </p:nvPr>
-        </p:nvSpPr>
-        <p:spPr/>
-        <p:txBody>
-          <a:bodyPr/>
-          <a:lstStyle/>
-          <a:p>
-            <a:fld id="{CE58CB1E-F828-4F11-99E0-327109AF9DA4}" type="slidenum">
-              <a:rPr lang="de-DE" smtClean="0"/>
-              <a:pPr/>
-              <a:t>6</a:t>
+              <a:t>10</a:t>
             </a:fld>
             <a:endParaRPr lang="de-DE" dirty="0"/>
           </a:p>
@@ -11633,7 +8504,7 @@
 </p:sld>
 </file>
 
-<file path=ppt/slides/slide7.xml><?xml version="1.0" encoding="utf-8"?>
+<file path=ppt/slides/slide11.xml><?xml version="1.0" encoding="utf-8"?>
 <p:sld xmlns:a="http://schemas.openxmlformats.org/drawingml/2006/main" xmlns:r="http://schemas.openxmlformats.org/officeDocument/2006/relationships" xmlns:p="http://schemas.openxmlformats.org/presentationml/2006/main">
   <p:cSld>
     <p:spTree>
@@ -11722,7 +8593,7 @@
             <a:fld id="{CE58CB1E-F828-4F11-99E0-327109AF9DA4}" type="slidenum">
               <a:rPr lang="de-DE" smtClean="0"/>
               <a:pPr/>
-              <a:t>7</a:t>
+              <a:t>11</a:t>
             </a:fld>
             <a:endParaRPr lang="de-DE" dirty="0"/>
           </a:p>
@@ -12138,7 +9009,7 @@
 </p:sld>
 </file>
 
-<file path=ppt/slides/slide8.xml><?xml version="1.0" encoding="utf-8"?>
+<file path=ppt/slides/slide12.xml><?xml version="1.0" encoding="utf-8"?>
 <p:sld xmlns:a="http://schemas.openxmlformats.org/drawingml/2006/main" xmlns:r="http://schemas.openxmlformats.org/officeDocument/2006/relationships" xmlns:p="http://schemas.openxmlformats.org/presentationml/2006/main">
   <p:cSld>
     <p:spTree>
@@ -12227,7 +9098,7 @@
             <a:fld id="{CE58CB1E-F828-4F11-99E0-327109AF9DA4}" type="slidenum">
               <a:rPr lang="de-DE" smtClean="0"/>
               <a:pPr/>
-              <a:t>8</a:t>
+              <a:t>12</a:t>
             </a:fld>
             <a:endParaRPr lang="de-DE" dirty="0"/>
           </a:p>
@@ -13031,7 +9902,7 @@
 </p:sld>
 </file>
 
-<file path=ppt/slides/slide9.xml><?xml version="1.0" encoding="utf-8"?>
+<file path=ppt/slides/slide13.xml><?xml version="1.0" encoding="utf-8"?>
 <p:sld xmlns:a="http://schemas.openxmlformats.org/drawingml/2006/main" xmlns:r="http://schemas.openxmlformats.org/officeDocument/2006/relationships" xmlns:p="http://schemas.openxmlformats.org/presentationml/2006/main">
   <p:cSld>
     <p:spTree>
@@ -13093,7 +9964,7 @@
             <a:fld id="{CE58CB1E-F828-4F11-99E0-327109AF9DA4}" type="slidenum">
               <a:rPr lang="de-DE" smtClean="0"/>
               <a:pPr/>
-              <a:t>9</a:t>
+              <a:t>13</a:t>
             </a:fld>
             <a:endParaRPr lang="de-DE" dirty="0"/>
           </a:p>
@@ -13858,6 +10729,6236 @@
     <p:extLst>
       <p:ext uri="{BB962C8B-B14F-4D97-AF65-F5344CB8AC3E}">
         <p14:creationId xmlns:p14="http://schemas.microsoft.com/office/powerpoint/2010/main" val="2137089832"/>
+      </p:ext>
+    </p:extLst>
+  </p:cSld>
+  <p:clrMapOvr>
+    <a:masterClrMapping/>
+  </p:clrMapOvr>
+</p:sld>
+</file>
+
+<file path=ppt/slides/slide14.xml><?xml version="1.0" encoding="utf-8"?>
+<p:sld xmlns:a="http://schemas.openxmlformats.org/drawingml/2006/main" xmlns:r="http://schemas.openxmlformats.org/officeDocument/2006/relationships" xmlns:p="http://schemas.openxmlformats.org/presentationml/2006/main">
+  <p:cSld>
+    <p:spTree>
+      <p:nvGrpSpPr>
+        <p:cNvPr id="1" name=""/>
+        <p:cNvGrpSpPr/>
+        <p:nvPr/>
+      </p:nvGrpSpPr>
+      <p:grpSpPr>
+        <a:xfrm>
+          <a:off x="0" y="0"/>
+          <a:ext cx="0" cy="0"/>
+          <a:chOff x="0" y="0"/>
+          <a:chExt cx="0" cy="0"/>
+        </a:xfrm>
+      </p:grpSpPr>
+      <p:sp>
+        <p:nvSpPr>
+          <p:cNvPr id="3" name="Titel 2"/>
+          <p:cNvSpPr>
+            <a:spLocks noGrp="1"/>
+          </p:cNvSpPr>
+          <p:nvPr>
+            <p:ph type="title"/>
+          </p:nvPr>
+        </p:nvSpPr>
+        <p:spPr>
+          <a:xfrm>
+            <a:off x="318009" y="837520"/>
+            <a:ext cx="8508999" cy="380810"/>
+          </a:xfrm>
+        </p:spPr>
+        <p:txBody>
+          <a:bodyPr/>
+          <a:lstStyle/>
+          <a:p>
+            <a:r>
+              <a:rPr lang="de-DE" dirty="0"/>
+              <a:t>Stabilität</a:t>
+            </a:r>
+          </a:p>
+        </p:txBody>
+      </p:sp>
+      <p:sp>
+        <p:nvSpPr>
+          <p:cNvPr id="4" name="Foliennummernplatzhalter 3"/>
+          <p:cNvSpPr>
+            <a:spLocks noGrp="1"/>
+          </p:cNvSpPr>
+          <p:nvPr>
+            <p:ph type="sldNum" sz="quarter" idx="11"/>
+          </p:nvPr>
+        </p:nvSpPr>
+        <p:spPr/>
+        <p:txBody>
+          <a:bodyPr/>
+          <a:lstStyle/>
+          <a:p>
+            <a:fld id="{CE58CB1E-F828-4F11-99E0-327109AF9DA4}" type="slidenum">
+              <a:rPr lang="de-DE" smtClean="0"/>
+              <a:pPr/>
+              <a:t>14</a:t>
+            </a:fld>
+            <a:endParaRPr lang="de-DE" dirty="0"/>
+          </a:p>
+        </p:txBody>
+      </p:sp>
+      <p:sp>
+        <p:nvSpPr>
+          <p:cNvPr id="7" name="Fußzeilenplatzhalter 4"/>
+          <p:cNvSpPr>
+            <a:spLocks noGrp="1"/>
+          </p:cNvSpPr>
+          <p:nvPr>
+            <p:ph type="ftr" sz="quarter" idx="12"/>
+          </p:nvPr>
+        </p:nvSpPr>
+        <p:spPr/>
+        <p:txBody>
+          <a:bodyPr/>
+          <a:lstStyle/>
+          <a:p>
+            <a:r>
+              <a:rPr lang="de-DE" sz="1000" dirty="0"/>
+              <a:t>Von </a:t>
+            </a:r>
+            <a:r>
+              <a:rPr lang="de-DE" sz="1000" dirty="0" err="1"/>
+              <a:t>Aleksandre</a:t>
+            </a:r>
+            <a:r>
+              <a:rPr lang="de-DE" sz="1000" dirty="0"/>
+              <a:t> </a:t>
+            </a:r>
+            <a:r>
+              <a:rPr lang="de-DE" sz="1000" dirty="0" err="1"/>
+              <a:t>Kandelaki</a:t>
+            </a:r>
+            <a:r>
+              <a:rPr lang="de-DE" sz="1000" dirty="0"/>
+              <a:t>, Matthias Staritz und Benjamin Liertz</a:t>
+            </a:r>
+          </a:p>
+        </p:txBody>
+      </p:sp>
+      <p:sp>
+        <p:nvSpPr>
+          <p:cNvPr id="12" name="Inhaltsplatzhalter 1">
+            <a:extLst>
+              <a:ext uri="{FF2B5EF4-FFF2-40B4-BE49-F238E27FC236}">
+                <a16:creationId xmlns:a16="http://schemas.microsoft.com/office/drawing/2014/main" id="{EA24239F-09B4-478A-BB7B-02CC321FC71F}"/>
+              </a:ext>
+            </a:extLst>
+          </p:cNvPr>
+          <p:cNvSpPr txBox="1">
+            <a:spLocks/>
+          </p:cNvSpPr>
+          <p:nvPr/>
+        </p:nvSpPr>
+        <p:spPr>
+          <a:xfrm>
+            <a:off x="519507" y="2613902"/>
+            <a:ext cx="1150937" cy="273024"/>
+          </a:xfrm>
+          <a:prstGeom prst="rect">
+            <a:avLst/>
+          </a:prstGeom>
+          <a:noFill/>
+          <a:ln w="9525">
+            <a:noFill/>
+            <a:miter lim="800000"/>
+            <a:headEnd/>
+            <a:tailEnd/>
+          </a:ln>
+        </p:spPr>
+        <p:txBody>
+          <a:bodyPr vert="horz" wrap="square" lIns="0" tIns="0" rIns="0" bIns="0" numCol="1" anchor="t" anchorCtr="0" compatLnSpc="1">
+            <a:prstTxWarp prst="textNoShape">
+              <a:avLst/>
+            </a:prstTxWarp>
+          </a:bodyPr>
+          <a:lstStyle>
+            <a:lvl1pPr algn="l" rtl="0" eaLnBrk="0" fontAlgn="base" hangingPunct="0">
+              <a:lnSpc>
+                <a:spcPct val="114000"/>
+              </a:lnSpc>
+              <a:spcBef>
+                <a:spcPct val="0"/>
+              </a:spcBef>
+              <a:spcAft>
+                <a:spcPct val="0"/>
+              </a:spcAft>
+              <a:defRPr lang="de-DE" sz="1400" kern="1200" noProof="0" dirty="0" smtClean="0">
+                <a:solidFill>
+                  <a:schemeClr val="tx1"/>
+                </a:solidFill>
+                <a:latin typeface="+mn-lt"/>
+                <a:ea typeface="+mn-ea"/>
+                <a:cs typeface="+mn-cs"/>
+              </a:defRPr>
+            </a:lvl1pPr>
+            <a:lvl2pPr marL="176213" indent="-176213" algn="l" rtl="0" eaLnBrk="0" fontAlgn="base" hangingPunct="0">
+              <a:lnSpc>
+                <a:spcPct val="114000"/>
+              </a:lnSpc>
+              <a:spcBef>
+                <a:spcPct val="0"/>
+              </a:spcBef>
+              <a:spcAft>
+                <a:spcPct val="0"/>
+              </a:spcAft>
+              <a:buFont typeface="Arial" charset="0"/>
+              <a:buChar char="•"/>
+              <a:defRPr lang="de-DE" sz="1400" kern="1200" noProof="0" dirty="0" smtClean="0">
+                <a:solidFill>
+                  <a:schemeClr val="tx1"/>
+                </a:solidFill>
+                <a:latin typeface="+mn-lt"/>
+                <a:ea typeface="+mn-ea"/>
+                <a:cs typeface="+mn-cs"/>
+              </a:defRPr>
+            </a:lvl2pPr>
+            <a:lvl3pPr marL="360363" indent="-184150" algn="l" rtl="0" eaLnBrk="0" fontAlgn="base" hangingPunct="0">
+              <a:lnSpc>
+                <a:spcPct val="125000"/>
+              </a:lnSpc>
+              <a:spcBef>
+                <a:spcPct val="0"/>
+              </a:spcBef>
+              <a:spcAft>
+                <a:spcPct val="0"/>
+              </a:spcAft>
+              <a:buFont typeface="Symbol" pitchFamily="18" charset="2"/>
+              <a:buChar char="-"/>
+              <a:defRPr sz="1400" kern="1200">
+                <a:solidFill>
+                  <a:schemeClr val="tx1"/>
+                </a:solidFill>
+                <a:latin typeface="+mn-lt"/>
+                <a:ea typeface="+mn-ea"/>
+                <a:cs typeface="+mn-cs"/>
+              </a:defRPr>
+            </a:lvl3pPr>
+            <a:lvl4pPr marL="538163" indent="-177800" algn="l" rtl="0" eaLnBrk="0" fontAlgn="base" hangingPunct="0">
+              <a:lnSpc>
+                <a:spcPct val="125000"/>
+              </a:lnSpc>
+              <a:spcBef>
+                <a:spcPct val="0"/>
+              </a:spcBef>
+              <a:spcAft>
+                <a:spcPct val="0"/>
+              </a:spcAft>
+              <a:buFont typeface="Symbol" pitchFamily="18" charset="2"/>
+              <a:buChar char="-"/>
+              <a:defRPr sz="1400" kern="1200">
+                <a:solidFill>
+                  <a:schemeClr val="tx1"/>
+                </a:solidFill>
+                <a:latin typeface="+mn-lt"/>
+                <a:ea typeface="+mn-ea"/>
+                <a:cs typeface="+mn-cs"/>
+              </a:defRPr>
+            </a:lvl4pPr>
+            <a:lvl5pPr marL="714375" indent="-176213" algn="l" rtl="0" eaLnBrk="0" fontAlgn="base" hangingPunct="0">
+              <a:lnSpc>
+                <a:spcPct val="125000"/>
+              </a:lnSpc>
+              <a:spcBef>
+                <a:spcPct val="0"/>
+              </a:spcBef>
+              <a:spcAft>
+                <a:spcPct val="0"/>
+              </a:spcAft>
+              <a:buFont typeface="Symbol" pitchFamily="18" charset="2"/>
+              <a:buChar char="-"/>
+              <a:defRPr sz="1400" kern="1200">
+                <a:solidFill>
+                  <a:schemeClr val="tx1"/>
+                </a:solidFill>
+                <a:latin typeface="+mn-lt"/>
+                <a:ea typeface="+mn-ea"/>
+                <a:cs typeface="+mn-cs"/>
+              </a:defRPr>
+            </a:lvl5pPr>
+            <a:lvl6pPr marL="2514600" indent="-228600" algn="l" defTabSz="914400" rtl="0" eaLnBrk="1" latinLnBrk="0" hangingPunct="1">
+              <a:spcBef>
+                <a:spcPct val="20000"/>
+              </a:spcBef>
+              <a:buFont typeface="Arial" pitchFamily="34" charset="0"/>
+              <a:buChar char="•"/>
+              <a:defRPr sz="2000" kern="1200">
+                <a:solidFill>
+                  <a:schemeClr val="tx1"/>
+                </a:solidFill>
+                <a:latin typeface="+mn-lt"/>
+                <a:ea typeface="+mn-ea"/>
+                <a:cs typeface="+mn-cs"/>
+              </a:defRPr>
+            </a:lvl6pPr>
+            <a:lvl7pPr marL="2971800" indent="-228600" algn="l" defTabSz="914400" rtl="0" eaLnBrk="1" latinLnBrk="0" hangingPunct="1">
+              <a:spcBef>
+                <a:spcPct val="20000"/>
+              </a:spcBef>
+              <a:buFont typeface="Arial" pitchFamily="34" charset="0"/>
+              <a:buChar char="•"/>
+              <a:defRPr sz="2000" kern="1200">
+                <a:solidFill>
+                  <a:schemeClr val="tx1"/>
+                </a:solidFill>
+                <a:latin typeface="+mn-lt"/>
+                <a:ea typeface="+mn-ea"/>
+                <a:cs typeface="+mn-cs"/>
+              </a:defRPr>
+            </a:lvl7pPr>
+            <a:lvl8pPr marL="3429000" indent="-228600" algn="l" defTabSz="914400" rtl="0" eaLnBrk="1" latinLnBrk="0" hangingPunct="1">
+              <a:spcBef>
+                <a:spcPct val="20000"/>
+              </a:spcBef>
+              <a:buFont typeface="Arial" pitchFamily="34" charset="0"/>
+              <a:buChar char="•"/>
+              <a:defRPr sz="2000" kern="1200">
+                <a:solidFill>
+                  <a:schemeClr val="tx1"/>
+                </a:solidFill>
+                <a:latin typeface="+mn-lt"/>
+                <a:ea typeface="+mn-ea"/>
+                <a:cs typeface="+mn-cs"/>
+              </a:defRPr>
+            </a:lvl8pPr>
+            <a:lvl9pPr marL="3886200" indent="-228600" algn="l" defTabSz="914400" rtl="0" eaLnBrk="1" latinLnBrk="0" hangingPunct="1">
+              <a:spcBef>
+                <a:spcPct val="20000"/>
+              </a:spcBef>
+              <a:buFont typeface="Arial" pitchFamily="34" charset="0"/>
+              <a:buChar char="•"/>
+              <a:defRPr sz="2000" kern="1200">
+                <a:solidFill>
+                  <a:schemeClr val="tx1"/>
+                </a:solidFill>
+                <a:latin typeface="+mn-lt"/>
+                <a:ea typeface="+mn-ea"/>
+                <a:cs typeface="+mn-cs"/>
+              </a:defRPr>
+            </a:lvl9pPr>
+          </a:lstStyle>
+          <a:p>
+            <a:r>
+              <a:rPr lang="de-DE" dirty="0"/>
+              <a:t>Störung in b:</a:t>
+            </a:r>
+          </a:p>
+        </p:txBody>
+      </p:sp>
+      <p:sp>
+        <p:nvSpPr>
+          <p:cNvPr id="14" name="Inhaltsplatzhalter 1">
+            <a:extLst>
+              <a:ext uri="{FF2B5EF4-FFF2-40B4-BE49-F238E27FC236}">
+                <a16:creationId xmlns:a16="http://schemas.microsoft.com/office/drawing/2014/main" id="{7BDA6D9C-589B-402B-BB39-839E04D37DE4}"/>
+              </a:ext>
+            </a:extLst>
+          </p:cNvPr>
+          <p:cNvSpPr txBox="1">
+            <a:spLocks/>
+          </p:cNvSpPr>
+          <p:nvPr/>
+        </p:nvSpPr>
+        <p:spPr>
+          <a:xfrm>
+            <a:off x="519112" y="3461381"/>
+            <a:ext cx="1566861" cy="273844"/>
+          </a:xfrm>
+          <a:prstGeom prst="rect">
+            <a:avLst/>
+          </a:prstGeom>
+          <a:noFill/>
+          <a:ln w="9525">
+            <a:noFill/>
+            <a:miter lim="800000"/>
+            <a:headEnd/>
+            <a:tailEnd/>
+          </a:ln>
+        </p:spPr>
+        <p:txBody>
+          <a:bodyPr vert="horz" wrap="square" lIns="0" tIns="0" rIns="0" bIns="0" numCol="1" anchor="t" anchorCtr="0" compatLnSpc="1">
+            <a:prstTxWarp prst="textNoShape">
+              <a:avLst/>
+            </a:prstTxWarp>
+          </a:bodyPr>
+          <a:lstStyle>
+            <a:lvl1pPr algn="l" rtl="0" eaLnBrk="0" fontAlgn="base" hangingPunct="0">
+              <a:lnSpc>
+                <a:spcPct val="114000"/>
+              </a:lnSpc>
+              <a:spcBef>
+                <a:spcPct val="0"/>
+              </a:spcBef>
+              <a:spcAft>
+                <a:spcPct val="0"/>
+              </a:spcAft>
+              <a:defRPr lang="de-DE" sz="1400" kern="1200" noProof="0" dirty="0" smtClean="0">
+                <a:solidFill>
+                  <a:schemeClr val="tx1"/>
+                </a:solidFill>
+                <a:latin typeface="+mn-lt"/>
+                <a:ea typeface="+mn-ea"/>
+                <a:cs typeface="+mn-cs"/>
+              </a:defRPr>
+            </a:lvl1pPr>
+            <a:lvl2pPr marL="176213" indent="-176213" algn="l" rtl="0" eaLnBrk="0" fontAlgn="base" hangingPunct="0">
+              <a:lnSpc>
+                <a:spcPct val="114000"/>
+              </a:lnSpc>
+              <a:spcBef>
+                <a:spcPct val="0"/>
+              </a:spcBef>
+              <a:spcAft>
+                <a:spcPct val="0"/>
+              </a:spcAft>
+              <a:buFont typeface="Arial" charset="0"/>
+              <a:buChar char="•"/>
+              <a:defRPr lang="de-DE" sz="1400" kern="1200" noProof="0" dirty="0" smtClean="0">
+                <a:solidFill>
+                  <a:schemeClr val="tx1"/>
+                </a:solidFill>
+                <a:latin typeface="+mn-lt"/>
+                <a:ea typeface="+mn-ea"/>
+                <a:cs typeface="+mn-cs"/>
+              </a:defRPr>
+            </a:lvl2pPr>
+            <a:lvl3pPr marL="360363" indent="-184150" algn="l" rtl="0" eaLnBrk="0" fontAlgn="base" hangingPunct="0">
+              <a:lnSpc>
+                <a:spcPct val="125000"/>
+              </a:lnSpc>
+              <a:spcBef>
+                <a:spcPct val="0"/>
+              </a:spcBef>
+              <a:spcAft>
+                <a:spcPct val="0"/>
+              </a:spcAft>
+              <a:buFont typeface="Symbol" pitchFamily="18" charset="2"/>
+              <a:buChar char="-"/>
+              <a:defRPr sz="1400" kern="1200">
+                <a:solidFill>
+                  <a:schemeClr val="tx1"/>
+                </a:solidFill>
+                <a:latin typeface="+mn-lt"/>
+                <a:ea typeface="+mn-ea"/>
+                <a:cs typeface="+mn-cs"/>
+              </a:defRPr>
+            </a:lvl3pPr>
+            <a:lvl4pPr marL="538163" indent="-177800" algn="l" rtl="0" eaLnBrk="0" fontAlgn="base" hangingPunct="0">
+              <a:lnSpc>
+                <a:spcPct val="125000"/>
+              </a:lnSpc>
+              <a:spcBef>
+                <a:spcPct val="0"/>
+              </a:spcBef>
+              <a:spcAft>
+                <a:spcPct val="0"/>
+              </a:spcAft>
+              <a:buFont typeface="Symbol" pitchFamily="18" charset="2"/>
+              <a:buChar char="-"/>
+              <a:defRPr sz="1400" kern="1200">
+                <a:solidFill>
+                  <a:schemeClr val="tx1"/>
+                </a:solidFill>
+                <a:latin typeface="+mn-lt"/>
+                <a:ea typeface="+mn-ea"/>
+                <a:cs typeface="+mn-cs"/>
+              </a:defRPr>
+            </a:lvl4pPr>
+            <a:lvl5pPr marL="714375" indent="-176213" algn="l" rtl="0" eaLnBrk="0" fontAlgn="base" hangingPunct="0">
+              <a:lnSpc>
+                <a:spcPct val="125000"/>
+              </a:lnSpc>
+              <a:spcBef>
+                <a:spcPct val="0"/>
+              </a:spcBef>
+              <a:spcAft>
+                <a:spcPct val="0"/>
+              </a:spcAft>
+              <a:buFont typeface="Symbol" pitchFamily="18" charset="2"/>
+              <a:buChar char="-"/>
+              <a:defRPr sz="1400" kern="1200">
+                <a:solidFill>
+                  <a:schemeClr val="tx1"/>
+                </a:solidFill>
+                <a:latin typeface="+mn-lt"/>
+                <a:ea typeface="+mn-ea"/>
+                <a:cs typeface="+mn-cs"/>
+              </a:defRPr>
+            </a:lvl5pPr>
+            <a:lvl6pPr marL="2514600" indent="-228600" algn="l" defTabSz="914400" rtl="0" eaLnBrk="1" latinLnBrk="0" hangingPunct="1">
+              <a:spcBef>
+                <a:spcPct val="20000"/>
+              </a:spcBef>
+              <a:buFont typeface="Arial" pitchFamily="34" charset="0"/>
+              <a:buChar char="•"/>
+              <a:defRPr sz="2000" kern="1200">
+                <a:solidFill>
+                  <a:schemeClr val="tx1"/>
+                </a:solidFill>
+                <a:latin typeface="+mn-lt"/>
+                <a:ea typeface="+mn-ea"/>
+                <a:cs typeface="+mn-cs"/>
+              </a:defRPr>
+            </a:lvl6pPr>
+            <a:lvl7pPr marL="2971800" indent="-228600" algn="l" defTabSz="914400" rtl="0" eaLnBrk="1" latinLnBrk="0" hangingPunct="1">
+              <a:spcBef>
+                <a:spcPct val="20000"/>
+              </a:spcBef>
+              <a:buFont typeface="Arial" pitchFamily="34" charset="0"/>
+              <a:buChar char="•"/>
+              <a:defRPr sz="2000" kern="1200">
+                <a:solidFill>
+                  <a:schemeClr val="tx1"/>
+                </a:solidFill>
+                <a:latin typeface="+mn-lt"/>
+                <a:ea typeface="+mn-ea"/>
+                <a:cs typeface="+mn-cs"/>
+              </a:defRPr>
+            </a:lvl7pPr>
+            <a:lvl8pPr marL="3429000" indent="-228600" algn="l" defTabSz="914400" rtl="0" eaLnBrk="1" latinLnBrk="0" hangingPunct="1">
+              <a:spcBef>
+                <a:spcPct val="20000"/>
+              </a:spcBef>
+              <a:buFont typeface="Arial" pitchFamily="34" charset="0"/>
+              <a:buChar char="•"/>
+              <a:defRPr sz="2000" kern="1200">
+                <a:solidFill>
+                  <a:schemeClr val="tx1"/>
+                </a:solidFill>
+                <a:latin typeface="+mn-lt"/>
+                <a:ea typeface="+mn-ea"/>
+                <a:cs typeface="+mn-cs"/>
+              </a:defRPr>
+            </a:lvl8pPr>
+            <a:lvl9pPr marL="3886200" indent="-228600" algn="l" defTabSz="914400" rtl="0" eaLnBrk="1" latinLnBrk="0" hangingPunct="1">
+              <a:spcBef>
+                <a:spcPct val="20000"/>
+              </a:spcBef>
+              <a:buFont typeface="Arial" pitchFamily="34" charset="0"/>
+              <a:buChar char="•"/>
+              <a:defRPr sz="2000" kern="1200">
+                <a:solidFill>
+                  <a:schemeClr val="tx1"/>
+                </a:solidFill>
+                <a:latin typeface="+mn-lt"/>
+                <a:ea typeface="+mn-ea"/>
+                <a:cs typeface="+mn-cs"/>
+              </a:defRPr>
+            </a:lvl9pPr>
+          </a:lstStyle>
+          <a:p>
+            <a:r>
+              <a:rPr lang="de-DE" dirty="0"/>
+              <a:t>Störung in A und b:</a:t>
+            </a:r>
+          </a:p>
+        </p:txBody>
+      </p:sp>
+      <p:pic>
+        <p:nvPicPr>
+          <p:cNvPr id="8" name="Grafik 7">
+            <a:extLst>
+              <a:ext uri="{FF2B5EF4-FFF2-40B4-BE49-F238E27FC236}">
+                <a16:creationId xmlns:a16="http://schemas.microsoft.com/office/drawing/2014/main" id="{6E8B74D9-FFB9-41E2-B870-99E5A2F887B7}"/>
+              </a:ext>
+            </a:extLst>
+          </p:cNvPr>
+          <p:cNvPicPr>
+            <a:picLocks noChangeAspect="1"/>
+          </p:cNvPicPr>
+          <p:nvPr/>
+        </p:nvPicPr>
+        <p:blipFill>
+          <a:blip r:embed="rId2"/>
+          <a:stretch>
+            <a:fillRect/>
+          </a:stretch>
+        </p:blipFill>
+        <p:spPr>
+          <a:xfrm>
+            <a:off x="673894" y="1821661"/>
+            <a:ext cx="2996406" cy="464326"/>
+          </a:xfrm>
+          <a:prstGeom prst="rect">
+            <a:avLst/>
+          </a:prstGeom>
+        </p:spPr>
+      </p:pic>
+      <p:pic>
+        <p:nvPicPr>
+          <p:cNvPr id="13" name="Grafik 12">
+            <a:extLst>
+              <a:ext uri="{FF2B5EF4-FFF2-40B4-BE49-F238E27FC236}">
+                <a16:creationId xmlns:a16="http://schemas.microsoft.com/office/drawing/2014/main" id="{962F3173-5F50-4EFC-A28F-48FDBF85B6DA}"/>
+              </a:ext>
+            </a:extLst>
+          </p:cNvPr>
+          <p:cNvPicPr>
+            <a:picLocks noChangeAspect="1"/>
+          </p:cNvPicPr>
+          <p:nvPr/>
+        </p:nvPicPr>
+        <p:blipFill>
+          <a:blip r:embed="rId3"/>
+          <a:stretch>
+            <a:fillRect/>
+          </a:stretch>
+        </p:blipFill>
+        <p:spPr>
+          <a:xfrm>
+            <a:off x="657948" y="2895817"/>
+            <a:ext cx="2545556" cy="241345"/>
+          </a:xfrm>
+          <a:prstGeom prst="rect">
+            <a:avLst/>
+          </a:prstGeom>
+        </p:spPr>
+      </p:pic>
+      <p:pic>
+        <p:nvPicPr>
+          <p:cNvPr id="18" name="Grafik 17">
+            <a:extLst>
+              <a:ext uri="{FF2B5EF4-FFF2-40B4-BE49-F238E27FC236}">
+                <a16:creationId xmlns:a16="http://schemas.microsoft.com/office/drawing/2014/main" id="{47458DB7-1AFF-433A-9155-48ADBEFE4B4A}"/>
+              </a:ext>
+            </a:extLst>
+          </p:cNvPr>
+          <p:cNvPicPr>
+            <a:picLocks noChangeAspect="1"/>
+          </p:cNvPicPr>
+          <p:nvPr/>
+        </p:nvPicPr>
+        <p:blipFill>
+          <a:blip r:embed="rId4"/>
+          <a:stretch>
+            <a:fillRect/>
+          </a:stretch>
+        </p:blipFill>
+        <p:spPr>
+          <a:xfrm>
+            <a:off x="673894" y="3746992"/>
+            <a:ext cx="3369504" cy="485811"/>
+          </a:xfrm>
+          <a:prstGeom prst="rect">
+            <a:avLst/>
+          </a:prstGeom>
+        </p:spPr>
+      </p:pic>
+      <p:sp>
+        <p:nvSpPr>
+          <p:cNvPr id="24" name="Inhaltsplatzhalter 1">
+            <a:extLst>
+              <a:ext uri="{FF2B5EF4-FFF2-40B4-BE49-F238E27FC236}">
+                <a16:creationId xmlns:a16="http://schemas.microsoft.com/office/drawing/2014/main" id="{9AADE4AC-6381-47DA-8125-FD5EC35C260B}"/>
+              </a:ext>
+            </a:extLst>
+          </p:cNvPr>
+          <p:cNvSpPr txBox="1">
+            <a:spLocks/>
+          </p:cNvSpPr>
+          <p:nvPr/>
+        </p:nvSpPr>
+        <p:spPr>
+          <a:xfrm>
+            <a:off x="519112" y="1544842"/>
+            <a:ext cx="2275681" cy="273844"/>
+          </a:xfrm>
+          <a:prstGeom prst="rect">
+            <a:avLst/>
+          </a:prstGeom>
+          <a:noFill/>
+          <a:ln w="9525">
+            <a:noFill/>
+            <a:miter lim="800000"/>
+            <a:headEnd/>
+            <a:tailEnd/>
+          </a:ln>
+        </p:spPr>
+        <p:txBody>
+          <a:bodyPr vert="horz" wrap="square" lIns="0" tIns="0" rIns="0" bIns="0" numCol="1" anchor="t" anchorCtr="0" compatLnSpc="1">
+            <a:prstTxWarp prst="textNoShape">
+              <a:avLst/>
+            </a:prstTxWarp>
+          </a:bodyPr>
+          <a:lstStyle>
+            <a:lvl1pPr algn="l" rtl="0" eaLnBrk="0" fontAlgn="base" hangingPunct="0">
+              <a:lnSpc>
+                <a:spcPct val="114000"/>
+              </a:lnSpc>
+              <a:spcBef>
+                <a:spcPct val="0"/>
+              </a:spcBef>
+              <a:spcAft>
+                <a:spcPct val="0"/>
+              </a:spcAft>
+              <a:defRPr lang="de-DE" sz="1400" kern="1200" noProof="0" dirty="0" smtClean="0">
+                <a:solidFill>
+                  <a:schemeClr val="tx1"/>
+                </a:solidFill>
+                <a:latin typeface="+mn-lt"/>
+                <a:ea typeface="+mn-ea"/>
+                <a:cs typeface="+mn-cs"/>
+              </a:defRPr>
+            </a:lvl1pPr>
+            <a:lvl2pPr marL="176213" indent="-176213" algn="l" rtl="0" eaLnBrk="0" fontAlgn="base" hangingPunct="0">
+              <a:lnSpc>
+                <a:spcPct val="114000"/>
+              </a:lnSpc>
+              <a:spcBef>
+                <a:spcPct val="0"/>
+              </a:spcBef>
+              <a:spcAft>
+                <a:spcPct val="0"/>
+              </a:spcAft>
+              <a:buFont typeface="Arial" charset="0"/>
+              <a:buChar char="•"/>
+              <a:defRPr lang="de-DE" sz="1400" kern="1200" noProof="0" dirty="0" smtClean="0">
+                <a:solidFill>
+                  <a:schemeClr val="tx1"/>
+                </a:solidFill>
+                <a:latin typeface="+mn-lt"/>
+                <a:ea typeface="+mn-ea"/>
+                <a:cs typeface="+mn-cs"/>
+              </a:defRPr>
+            </a:lvl2pPr>
+            <a:lvl3pPr marL="360363" indent="-184150" algn="l" rtl="0" eaLnBrk="0" fontAlgn="base" hangingPunct="0">
+              <a:lnSpc>
+                <a:spcPct val="125000"/>
+              </a:lnSpc>
+              <a:spcBef>
+                <a:spcPct val="0"/>
+              </a:spcBef>
+              <a:spcAft>
+                <a:spcPct val="0"/>
+              </a:spcAft>
+              <a:buFont typeface="Symbol" pitchFamily="18" charset="2"/>
+              <a:buChar char="-"/>
+              <a:defRPr sz="1400" kern="1200">
+                <a:solidFill>
+                  <a:schemeClr val="tx1"/>
+                </a:solidFill>
+                <a:latin typeface="+mn-lt"/>
+                <a:ea typeface="+mn-ea"/>
+                <a:cs typeface="+mn-cs"/>
+              </a:defRPr>
+            </a:lvl3pPr>
+            <a:lvl4pPr marL="538163" indent="-177800" algn="l" rtl="0" eaLnBrk="0" fontAlgn="base" hangingPunct="0">
+              <a:lnSpc>
+                <a:spcPct val="125000"/>
+              </a:lnSpc>
+              <a:spcBef>
+                <a:spcPct val="0"/>
+              </a:spcBef>
+              <a:spcAft>
+                <a:spcPct val="0"/>
+              </a:spcAft>
+              <a:buFont typeface="Symbol" pitchFamily="18" charset="2"/>
+              <a:buChar char="-"/>
+              <a:defRPr sz="1400" kern="1200">
+                <a:solidFill>
+                  <a:schemeClr val="tx1"/>
+                </a:solidFill>
+                <a:latin typeface="+mn-lt"/>
+                <a:ea typeface="+mn-ea"/>
+                <a:cs typeface="+mn-cs"/>
+              </a:defRPr>
+            </a:lvl4pPr>
+            <a:lvl5pPr marL="714375" indent="-176213" algn="l" rtl="0" eaLnBrk="0" fontAlgn="base" hangingPunct="0">
+              <a:lnSpc>
+                <a:spcPct val="125000"/>
+              </a:lnSpc>
+              <a:spcBef>
+                <a:spcPct val="0"/>
+              </a:spcBef>
+              <a:spcAft>
+                <a:spcPct val="0"/>
+              </a:spcAft>
+              <a:buFont typeface="Symbol" pitchFamily="18" charset="2"/>
+              <a:buChar char="-"/>
+              <a:defRPr sz="1400" kern="1200">
+                <a:solidFill>
+                  <a:schemeClr val="tx1"/>
+                </a:solidFill>
+                <a:latin typeface="+mn-lt"/>
+                <a:ea typeface="+mn-ea"/>
+                <a:cs typeface="+mn-cs"/>
+              </a:defRPr>
+            </a:lvl5pPr>
+            <a:lvl6pPr marL="2514600" indent="-228600" algn="l" defTabSz="914400" rtl="0" eaLnBrk="1" latinLnBrk="0" hangingPunct="1">
+              <a:spcBef>
+                <a:spcPct val="20000"/>
+              </a:spcBef>
+              <a:buFont typeface="Arial" pitchFamily="34" charset="0"/>
+              <a:buChar char="•"/>
+              <a:defRPr sz="2000" kern="1200">
+                <a:solidFill>
+                  <a:schemeClr val="tx1"/>
+                </a:solidFill>
+                <a:latin typeface="+mn-lt"/>
+                <a:ea typeface="+mn-ea"/>
+                <a:cs typeface="+mn-cs"/>
+              </a:defRPr>
+            </a:lvl6pPr>
+            <a:lvl7pPr marL="2971800" indent="-228600" algn="l" defTabSz="914400" rtl="0" eaLnBrk="1" latinLnBrk="0" hangingPunct="1">
+              <a:spcBef>
+                <a:spcPct val="20000"/>
+              </a:spcBef>
+              <a:buFont typeface="Arial" pitchFamily="34" charset="0"/>
+              <a:buChar char="•"/>
+              <a:defRPr sz="2000" kern="1200">
+                <a:solidFill>
+                  <a:schemeClr val="tx1"/>
+                </a:solidFill>
+                <a:latin typeface="+mn-lt"/>
+                <a:ea typeface="+mn-ea"/>
+                <a:cs typeface="+mn-cs"/>
+              </a:defRPr>
+            </a:lvl7pPr>
+            <a:lvl8pPr marL="3429000" indent="-228600" algn="l" defTabSz="914400" rtl="0" eaLnBrk="1" latinLnBrk="0" hangingPunct="1">
+              <a:spcBef>
+                <a:spcPct val="20000"/>
+              </a:spcBef>
+              <a:buFont typeface="Arial" pitchFamily="34" charset="0"/>
+              <a:buChar char="•"/>
+              <a:defRPr sz="2000" kern="1200">
+                <a:solidFill>
+                  <a:schemeClr val="tx1"/>
+                </a:solidFill>
+                <a:latin typeface="+mn-lt"/>
+                <a:ea typeface="+mn-ea"/>
+                <a:cs typeface="+mn-cs"/>
+              </a:defRPr>
+            </a:lvl8pPr>
+            <a:lvl9pPr marL="3886200" indent="-228600" algn="l" defTabSz="914400" rtl="0" eaLnBrk="1" latinLnBrk="0" hangingPunct="1">
+              <a:spcBef>
+                <a:spcPct val="20000"/>
+              </a:spcBef>
+              <a:buFont typeface="Arial" pitchFamily="34" charset="0"/>
+              <a:buChar char="•"/>
+              <a:defRPr sz="2000" kern="1200">
+                <a:solidFill>
+                  <a:schemeClr val="tx1"/>
+                </a:solidFill>
+                <a:latin typeface="+mn-lt"/>
+                <a:ea typeface="+mn-ea"/>
+                <a:cs typeface="+mn-cs"/>
+              </a:defRPr>
+            </a:lvl9pPr>
+          </a:lstStyle>
+          <a:p>
+            <a:r>
+              <a:rPr lang="de-DE" dirty="0"/>
+              <a:t>Beschränkung der Störung:</a:t>
+            </a:r>
+          </a:p>
+        </p:txBody>
+      </p:sp>
+    </p:spTree>
+    <p:extLst>
+      <p:ext uri="{BB962C8B-B14F-4D97-AF65-F5344CB8AC3E}">
+        <p14:creationId xmlns:p14="http://schemas.microsoft.com/office/powerpoint/2010/main" val="2543984214"/>
+      </p:ext>
+    </p:extLst>
+  </p:cSld>
+  <p:clrMapOvr>
+    <a:masterClrMapping/>
+  </p:clrMapOvr>
+</p:sld>
+</file>
+
+<file path=ppt/slides/slide15.xml><?xml version="1.0" encoding="utf-8"?>
+<p:sld xmlns:a="http://schemas.openxmlformats.org/drawingml/2006/main" xmlns:r="http://schemas.openxmlformats.org/officeDocument/2006/relationships" xmlns:p="http://schemas.openxmlformats.org/presentationml/2006/main">
+  <p:cSld>
+    <p:spTree>
+      <p:nvGrpSpPr>
+        <p:cNvPr id="1" name=""/>
+        <p:cNvGrpSpPr/>
+        <p:nvPr/>
+      </p:nvGrpSpPr>
+      <p:grpSpPr>
+        <a:xfrm>
+          <a:off x="0" y="0"/>
+          <a:ext cx="0" cy="0"/>
+          <a:chOff x="0" y="0"/>
+          <a:chExt cx="0" cy="0"/>
+        </a:xfrm>
+      </p:grpSpPr>
+      <p:sp>
+        <p:nvSpPr>
+          <p:cNvPr id="3" name="Titel 2"/>
+          <p:cNvSpPr>
+            <a:spLocks noGrp="1"/>
+          </p:cNvSpPr>
+          <p:nvPr>
+            <p:ph type="title"/>
+          </p:nvPr>
+        </p:nvSpPr>
+        <p:spPr>
+          <a:xfrm>
+            <a:off x="318009" y="837520"/>
+            <a:ext cx="8508999" cy="380810"/>
+          </a:xfrm>
+        </p:spPr>
+        <p:txBody>
+          <a:bodyPr/>
+          <a:lstStyle/>
+          <a:p>
+            <a:r>
+              <a:rPr lang="de-DE" dirty="0" err="1"/>
+              <a:t>Pivotisierend</a:t>
+            </a:r>
+            <a:r>
+              <a:rPr lang="de-DE" dirty="0"/>
+              <a:t> vs. Nicht-</a:t>
+            </a:r>
+            <a:r>
+              <a:rPr lang="de-DE" dirty="0" err="1"/>
+              <a:t>Pivotisierend</a:t>
+            </a:r>
+            <a:endParaRPr lang="de-DE" dirty="0"/>
+          </a:p>
+        </p:txBody>
+      </p:sp>
+      <p:sp>
+        <p:nvSpPr>
+          <p:cNvPr id="4" name="Foliennummernplatzhalter 3"/>
+          <p:cNvSpPr>
+            <a:spLocks noGrp="1"/>
+          </p:cNvSpPr>
+          <p:nvPr>
+            <p:ph type="sldNum" sz="quarter" idx="11"/>
+          </p:nvPr>
+        </p:nvSpPr>
+        <p:spPr/>
+        <p:txBody>
+          <a:bodyPr/>
+          <a:lstStyle/>
+          <a:p>
+            <a:fld id="{CE58CB1E-F828-4F11-99E0-327109AF9DA4}" type="slidenum">
+              <a:rPr lang="de-DE" smtClean="0"/>
+              <a:pPr/>
+              <a:t>15</a:t>
+            </a:fld>
+            <a:endParaRPr lang="de-DE" dirty="0"/>
+          </a:p>
+        </p:txBody>
+      </p:sp>
+      <p:sp>
+        <p:nvSpPr>
+          <p:cNvPr id="7" name="Fußzeilenplatzhalter 4"/>
+          <p:cNvSpPr>
+            <a:spLocks noGrp="1"/>
+          </p:cNvSpPr>
+          <p:nvPr>
+            <p:ph type="ftr" sz="quarter" idx="12"/>
+          </p:nvPr>
+        </p:nvSpPr>
+        <p:spPr/>
+        <p:txBody>
+          <a:bodyPr/>
+          <a:lstStyle/>
+          <a:p>
+            <a:r>
+              <a:rPr lang="de-DE" sz="1000" dirty="0"/>
+              <a:t>Von </a:t>
+            </a:r>
+            <a:r>
+              <a:rPr lang="de-DE" sz="1000" dirty="0" err="1"/>
+              <a:t>Aleksandre</a:t>
+            </a:r>
+            <a:r>
+              <a:rPr lang="de-DE" sz="1000" dirty="0"/>
+              <a:t> </a:t>
+            </a:r>
+            <a:r>
+              <a:rPr lang="de-DE" sz="1000" dirty="0" err="1"/>
+              <a:t>Kandelaki</a:t>
+            </a:r>
+            <a:r>
+              <a:rPr lang="de-DE" sz="1000" dirty="0"/>
+              <a:t>, Matthias Staritz und Benjamin Liertz</a:t>
+            </a:r>
+          </a:p>
+        </p:txBody>
+      </p:sp>
+      <p:pic>
+        <p:nvPicPr>
+          <p:cNvPr id="16" name="Grafik 15">
+            <a:extLst>
+              <a:ext uri="{FF2B5EF4-FFF2-40B4-BE49-F238E27FC236}">
+                <a16:creationId xmlns:a16="http://schemas.microsoft.com/office/drawing/2014/main" id="{8E41E693-D218-48AA-B6B7-74FADF2961EF}"/>
+              </a:ext>
+            </a:extLst>
+          </p:cNvPr>
+          <p:cNvPicPr>
+            <a:picLocks noChangeAspect="1"/>
+          </p:cNvPicPr>
+          <p:nvPr/>
+        </p:nvPicPr>
+        <p:blipFill>
+          <a:blip r:embed="rId2"/>
+          <a:stretch>
+            <a:fillRect/>
+          </a:stretch>
+        </p:blipFill>
+        <p:spPr>
+          <a:xfrm>
+            <a:off x="318009" y="1515832"/>
+            <a:ext cx="5074711" cy="3041650"/>
+          </a:xfrm>
+          <a:prstGeom prst="rect">
+            <a:avLst/>
+          </a:prstGeom>
+        </p:spPr>
+      </p:pic>
+    </p:spTree>
+    <p:extLst>
+      <p:ext uri="{BB962C8B-B14F-4D97-AF65-F5344CB8AC3E}">
+        <p14:creationId xmlns:p14="http://schemas.microsoft.com/office/powerpoint/2010/main" val="2079351123"/>
+      </p:ext>
+    </p:extLst>
+  </p:cSld>
+  <p:clrMapOvr>
+    <a:masterClrMapping/>
+  </p:clrMapOvr>
+</p:sld>
+</file>
+
+<file path=ppt/slides/slide16.xml><?xml version="1.0" encoding="utf-8"?>
+<p:sld xmlns:a="http://schemas.openxmlformats.org/drawingml/2006/main" xmlns:r="http://schemas.openxmlformats.org/officeDocument/2006/relationships" xmlns:p="http://schemas.openxmlformats.org/presentationml/2006/main">
+  <p:cSld>
+    <p:spTree>
+      <p:nvGrpSpPr>
+        <p:cNvPr id="1" name=""/>
+        <p:cNvGrpSpPr/>
+        <p:nvPr/>
+      </p:nvGrpSpPr>
+      <p:grpSpPr>
+        <a:xfrm>
+          <a:off x="0" y="0"/>
+          <a:ext cx="0" cy="0"/>
+          <a:chOff x="0" y="0"/>
+          <a:chExt cx="0" cy="0"/>
+        </a:xfrm>
+      </p:grpSpPr>
+      <p:sp>
+        <p:nvSpPr>
+          <p:cNvPr id="3" name="Titel 2"/>
+          <p:cNvSpPr>
+            <a:spLocks noGrp="1"/>
+          </p:cNvSpPr>
+          <p:nvPr>
+            <p:ph type="title"/>
+          </p:nvPr>
+        </p:nvSpPr>
+        <p:spPr>
+          <a:xfrm>
+            <a:off x="318009" y="837520"/>
+            <a:ext cx="8508999" cy="380810"/>
+          </a:xfrm>
+        </p:spPr>
+        <p:txBody>
+          <a:bodyPr/>
+          <a:lstStyle/>
+          <a:p>
+            <a:r>
+              <a:rPr lang="de-DE" dirty="0"/>
+              <a:t>C-linear vs. C-vektorisiert</a:t>
+            </a:r>
+          </a:p>
+        </p:txBody>
+      </p:sp>
+      <p:sp>
+        <p:nvSpPr>
+          <p:cNvPr id="4" name="Foliennummernplatzhalter 3"/>
+          <p:cNvSpPr>
+            <a:spLocks noGrp="1"/>
+          </p:cNvSpPr>
+          <p:nvPr>
+            <p:ph type="sldNum" sz="quarter" idx="11"/>
+          </p:nvPr>
+        </p:nvSpPr>
+        <p:spPr/>
+        <p:txBody>
+          <a:bodyPr/>
+          <a:lstStyle/>
+          <a:p>
+            <a:fld id="{CE58CB1E-F828-4F11-99E0-327109AF9DA4}" type="slidenum">
+              <a:rPr lang="de-DE" smtClean="0"/>
+              <a:pPr/>
+              <a:t>16</a:t>
+            </a:fld>
+            <a:endParaRPr lang="de-DE" dirty="0"/>
+          </a:p>
+        </p:txBody>
+      </p:sp>
+      <p:sp>
+        <p:nvSpPr>
+          <p:cNvPr id="7" name="Fußzeilenplatzhalter 4"/>
+          <p:cNvSpPr>
+            <a:spLocks noGrp="1"/>
+          </p:cNvSpPr>
+          <p:nvPr>
+            <p:ph type="ftr" sz="quarter" idx="12"/>
+          </p:nvPr>
+        </p:nvSpPr>
+        <p:spPr/>
+        <p:txBody>
+          <a:bodyPr/>
+          <a:lstStyle/>
+          <a:p>
+            <a:r>
+              <a:rPr lang="de-DE" sz="1000" dirty="0"/>
+              <a:t>Von </a:t>
+            </a:r>
+            <a:r>
+              <a:rPr lang="de-DE" sz="1000" dirty="0" err="1"/>
+              <a:t>Aleksandre</a:t>
+            </a:r>
+            <a:r>
+              <a:rPr lang="de-DE" sz="1000" dirty="0"/>
+              <a:t> </a:t>
+            </a:r>
+            <a:r>
+              <a:rPr lang="de-DE" sz="1000" dirty="0" err="1"/>
+              <a:t>Kandelaki</a:t>
+            </a:r>
+            <a:r>
+              <a:rPr lang="de-DE" sz="1000" dirty="0"/>
+              <a:t>, Matthias Staritz und Benjamin Liertz</a:t>
+            </a:r>
+          </a:p>
+        </p:txBody>
+      </p:sp>
+      <p:pic>
+        <p:nvPicPr>
+          <p:cNvPr id="5" name="Grafik 4">
+            <a:extLst>
+              <a:ext uri="{FF2B5EF4-FFF2-40B4-BE49-F238E27FC236}">
+                <a16:creationId xmlns:a16="http://schemas.microsoft.com/office/drawing/2014/main" id="{D32C57AC-EEEF-4349-954F-3871F2E6CC6C}"/>
+              </a:ext>
+            </a:extLst>
+          </p:cNvPr>
+          <p:cNvPicPr>
+            <a:picLocks noChangeAspect="1"/>
+          </p:cNvPicPr>
+          <p:nvPr/>
+        </p:nvPicPr>
+        <p:blipFill>
+          <a:blip r:embed="rId2"/>
+          <a:stretch>
+            <a:fillRect/>
+          </a:stretch>
+        </p:blipFill>
+        <p:spPr>
+          <a:xfrm>
+            <a:off x="311162" y="1449318"/>
+            <a:ext cx="5181600" cy="3099424"/>
+          </a:xfrm>
+          <a:prstGeom prst="rect">
+            <a:avLst/>
+          </a:prstGeom>
+        </p:spPr>
+      </p:pic>
+    </p:spTree>
+    <p:extLst>
+      <p:ext uri="{BB962C8B-B14F-4D97-AF65-F5344CB8AC3E}">
+        <p14:creationId xmlns:p14="http://schemas.microsoft.com/office/powerpoint/2010/main" val="3234061763"/>
+      </p:ext>
+    </p:extLst>
+  </p:cSld>
+  <p:clrMapOvr>
+    <a:masterClrMapping/>
+  </p:clrMapOvr>
+</p:sld>
+</file>
+
+<file path=ppt/slides/slide17.xml><?xml version="1.0" encoding="utf-8"?>
+<p:sld xmlns:a="http://schemas.openxmlformats.org/drawingml/2006/main" xmlns:r="http://schemas.openxmlformats.org/officeDocument/2006/relationships" xmlns:p="http://schemas.openxmlformats.org/presentationml/2006/main">
+  <p:cSld>
+    <p:spTree>
+      <p:nvGrpSpPr>
+        <p:cNvPr id="1" name=""/>
+        <p:cNvGrpSpPr/>
+        <p:nvPr/>
+      </p:nvGrpSpPr>
+      <p:grpSpPr>
+        <a:xfrm>
+          <a:off x="0" y="0"/>
+          <a:ext cx="0" cy="0"/>
+          <a:chOff x="0" y="0"/>
+          <a:chExt cx="0" cy="0"/>
+        </a:xfrm>
+      </p:grpSpPr>
+      <p:sp>
+        <p:nvSpPr>
+          <p:cNvPr id="3" name="Titel 2"/>
+          <p:cNvSpPr>
+            <a:spLocks noGrp="1"/>
+          </p:cNvSpPr>
+          <p:nvPr>
+            <p:ph type="title"/>
+          </p:nvPr>
+        </p:nvSpPr>
+        <p:spPr>
+          <a:xfrm>
+            <a:off x="318009" y="837520"/>
+            <a:ext cx="8508999" cy="380810"/>
+          </a:xfrm>
+        </p:spPr>
+        <p:txBody>
+          <a:bodyPr/>
+          <a:lstStyle/>
+          <a:p>
+            <a:r>
+              <a:rPr lang="de-DE" dirty="0"/>
+              <a:t>Compileroptimiert vs. ASM-Vektorisiert</a:t>
+            </a:r>
+          </a:p>
+        </p:txBody>
+      </p:sp>
+      <p:sp>
+        <p:nvSpPr>
+          <p:cNvPr id="4" name="Foliennummernplatzhalter 3"/>
+          <p:cNvSpPr>
+            <a:spLocks noGrp="1"/>
+          </p:cNvSpPr>
+          <p:nvPr>
+            <p:ph type="sldNum" sz="quarter" idx="11"/>
+          </p:nvPr>
+        </p:nvSpPr>
+        <p:spPr/>
+        <p:txBody>
+          <a:bodyPr/>
+          <a:lstStyle/>
+          <a:p>
+            <a:fld id="{CE58CB1E-F828-4F11-99E0-327109AF9DA4}" type="slidenum">
+              <a:rPr lang="de-DE" smtClean="0"/>
+              <a:pPr/>
+              <a:t>17</a:t>
+            </a:fld>
+            <a:endParaRPr lang="de-DE" dirty="0"/>
+          </a:p>
+        </p:txBody>
+      </p:sp>
+      <p:sp>
+        <p:nvSpPr>
+          <p:cNvPr id="7" name="Fußzeilenplatzhalter 4"/>
+          <p:cNvSpPr>
+            <a:spLocks noGrp="1"/>
+          </p:cNvSpPr>
+          <p:nvPr>
+            <p:ph type="ftr" sz="quarter" idx="12"/>
+          </p:nvPr>
+        </p:nvSpPr>
+        <p:spPr/>
+        <p:txBody>
+          <a:bodyPr/>
+          <a:lstStyle/>
+          <a:p>
+            <a:r>
+              <a:rPr lang="de-DE" sz="1000" dirty="0"/>
+              <a:t>Von </a:t>
+            </a:r>
+            <a:r>
+              <a:rPr lang="de-DE" sz="1000" dirty="0" err="1"/>
+              <a:t>Aleksandre</a:t>
+            </a:r>
+            <a:r>
+              <a:rPr lang="de-DE" sz="1000" dirty="0"/>
+              <a:t> </a:t>
+            </a:r>
+            <a:r>
+              <a:rPr lang="de-DE" sz="1000" dirty="0" err="1"/>
+              <a:t>Kandelaki</a:t>
+            </a:r>
+            <a:r>
+              <a:rPr lang="de-DE" sz="1000" dirty="0"/>
+              <a:t>, Matthias Staritz und Benjamin Liertz</a:t>
+            </a:r>
+          </a:p>
+        </p:txBody>
+      </p:sp>
+      <p:pic>
+        <p:nvPicPr>
+          <p:cNvPr id="6" name="Grafik 5">
+            <a:extLst>
+              <a:ext uri="{FF2B5EF4-FFF2-40B4-BE49-F238E27FC236}">
+                <a16:creationId xmlns:a16="http://schemas.microsoft.com/office/drawing/2014/main" id="{CDCABEED-A291-4D69-82C1-F999817C2739}"/>
+              </a:ext>
+            </a:extLst>
+          </p:cNvPr>
+          <p:cNvPicPr>
+            <a:picLocks noChangeAspect="1"/>
+          </p:cNvPicPr>
+          <p:nvPr/>
+        </p:nvPicPr>
+        <p:blipFill>
+          <a:blip r:embed="rId2"/>
+          <a:stretch>
+            <a:fillRect/>
+          </a:stretch>
+        </p:blipFill>
+        <p:spPr>
+          <a:xfrm>
+            <a:off x="311162" y="1518225"/>
+            <a:ext cx="5099704" cy="3036864"/>
+          </a:xfrm>
+          <a:prstGeom prst="rect">
+            <a:avLst/>
+          </a:prstGeom>
+        </p:spPr>
+      </p:pic>
+    </p:spTree>
+    <p:extLst>
+      <p:ext uri="{BB962C8B-B14F-4D97-AF65-F5344CB8AC3E}">
+        <p14:creationId xmlns:p14="http://schemas.microsoft.com/office/powerpoint/2010/main" val="985150736"/>
+      </p:ext>
+    </p:extLst>
+  </p:cSld>
+  <p:clrMapOvr>
+    <a:masterClrMapping/>
+  </p:clrMapOvr>
+</p:sld>
+</file>
+
+<file path=ppt/slides/slide2.xml><?xml version="1.0" encoding="utf-8"?>
+<p:sld xmlns:a="http://schemas.openxmlformats.org/drawingml/2006/main" xmlns:r="http://schemas.openxmlformats.org/officeDocument/2006/relationships" xmlns:p="http://schemas.openxmlformats.org/presentationml/2006/main">
+  <p:cSld>
+    <p:spTree>
+      <p:nvGrpSpPr>
+        <p:cNvPr id="1" name=""/>
+        <p:cNvGrpSpPr/>
+        <p:nvPr/>
+      </p:nvGrpSpPr>
+      <p:grpSpPr>
+        <a:xfrm>
+          <a:off x="0" y="0"/>
+          <a:ext cx="0" cy="0"/>
+          <a:chOff x="0" y="0"/>
+          <a:chExt cx="0" cy="0"/>
+        </a:xfrm>
+      </p:grpSpPr>
+      <p:sp>
+        <p:nvSpPr>
+          <p:cNvPr id="4" name="Foliennummernplatzhalter 3"/>
+          <p:cNvSpPr>
+            <a:spLocks noGrp="1"/>
+          </p:cNvSpPr>
+          <p:nvPr>
+            <p:ph type="sldNum" sz="quarter" idx="11"/>
+          </p:nvPr>
+        </p:nvSpPr>
+        <p:spPr/>
+        <p:txBody>
+          <a:bodyPr/>
+          <a:lstStyle/>
+          <a:p>
+            <a:fld id="{CE58CB1E-F828-4F11-99E0-327109AF9DA4}" type="slidenum">
+              <a:rPr lang="de-DE" smtClean="0"/>
+              <a:pPr/>
+              <a:t>2</a:t>
+            </a:fld>
+            <a:endParaRPr lang="de-DE" dirty="0"/>
+          </a:p>
+        </p:txBody>
+      </p:sp>
+      <p:sp>
+        <p:nvSpPr>
+          <p:cNvPr id="7" name="Fußzeilenplatzhalter 4"/>
+          <p:cNvSpPr>
+            <a:spLocks noGrp="1"/>
+          </p:cNvSpPr>
+          <p:nvPr>
+            <p:ph type="ftr" sz="quarter" idx="12"/>
+          </p:nvPr>
+        </p:nvSpPr>
+        <p:spPr/>
+        <p:txBody>
+          <a:bodyPr/>
+          <a:lstStyle/>
+          <a:p>
+            <a:r>
+              <a:rPr lang="de-DE" sz="1000" dirty="0"/>
+              <a:t>Von </a:t>
+            </a:r>
+            <a:r>
+              <a:rPr lang="de-DE" sz="1000" dirty="0" err="1"/>
+              <a:t>Aleksandre</a:t>
+            </a:r>
+            <a:r>
+              <a:rPr lang="de-DE" sz="1000" dirty="0"/>
+              <a:t> </a:t>
+            </a:r>
+            <a:r>
+              <a:rPr lang="de-DE" sz="1000" dirty="0" err="1"/>
+              <a:t>Kandelaki</a:t>
+            </a:r>
+            <a:r>
+              <a:rPr lang="de-DE" sz="1000" dirty="0"/>
+              <a:t>, Matthias Staritz und Benjamin Liertz</a:t>
+            </a:r>
+          </a:p>
+        </p:txBody>
+      </p:sp>
+      <p:pic>
+        <p:nvPicPr>
+          <p:cNvPr id="13" name="Grafik 12">
+            <a:extLst>
+              <a:ext uri="{FF2B5EF4-FFF2-40B4-BE49-F238E27FC236}">
+                <a16:creationId xmlns:a16="http://schemas.microsoft.com/office/drawing/2014/main" id="{BC49D2A6-678C-497E-9697-F927619D7DC4}"/>
+              </a:ext>
+            </a:extLst>
+          </p:cNvPr>
+          <p:cNvPicPr>
+            <a:picLocks noChangeAspect="1"/>
+          </p:cNvPicPr>
+          <p:nvPr/>
+        </p:nvPicPr>
+        <p:blipFill>
+          <a:blip r:embed="rId2"/>
+          <a:stretch>
+            <a:fillRect/>
+          </a:stretch>
+        </p:blipFill>
+        <p:spPr>
+          <a:xfrm>
+            <a:off x="1089365" y="2344714"/>
+            <a:ext cx="2602664" cy="1803561"/>
+          </a:xfrm>
+          <a:prstGeom prst="rect">
+            <a:avLst/>
+          </a:prstGeom>
+        </p:spPr>
+      </p:pic>
+      <p:pic>
+        <p:nvPicPr>
+          <p:cNvPr id="15" name="Grafik 14">
+            <a:extLst>
+              <a:ext uri="{FF2B5EF4-FFF2-40B4-BE49-F238E27FC236}">
+                <a16:creationId xmlns:a16="http://schemas.microsoft.com/office/drawing/2014/main" id="{808DDD46-A948-440B-8302-77A9C2E54ACF}"/>
+              </a:ext>
+            </a:extLst>
+          </p:cNvPr>
+          <p:cNvPicPr>
+            <a:picLocks noChangeAspect="1"/>
+          </p:cNvPicPr>
+          <p:nvPr/>
+        </p:nvPicPr>
+        <p:blipFill>
+          <a:blip r:embed="rId3"/>
+          <a:stretch>
+            <a:fillRect/>
+          </a:stretch>
+        </p:blipFill>
+        <p:spPr>
+          <a:xfrm>
+            <a:off x="4572000" y="2344714"/>
+            <a:ext cx="3222842" cy="1803562"/>
+          </a:xfrm>
+          <a:prstGeom prst="rect">
+            <a:avLst/>
+          </a:prstGeom>
+        </p:spPr>
+      </p:pic>
+      <p:sp>
+        <p:nvSpPr>
+          <p:cNvPr id="23" name="Inhaltsplatzhalter 1">
+            <a:extLst>
+              <a:ext uri="{FF2B5EF4-FFF2-40B4-BE49-F238E27FC236}">
+                <a16:creationId xmlns:a16="http://schemas.microsoft.com/office/drawing/2014/main" id="{5CA92278-9A28-49B4-91B1-3900E25954C3}"/>
+              </a:ext>
+            </a:extLst>
+          </p:cNvPr>
+          <p:cNvSpPr>
+            <a:spLocks noGrp="1"/>
+          </p:cNvSpPr>
+          <p:nvPr>
+            <p:ph idx="1"/>
+          </p:nvPr>
+        </p:nvSpPr>
+        <p:spPr>
+          <a:xfrm>
+            <a:off x="1526245" y="1791130"/>
+            <a:ext cx="1728903" cy="273845"/>
+          </a:xfrm>
+        </p:spPr>
+        <p:txBody>
+          <a:bodyPr/>
+          <a:lstStyle/>
+          <a:p>
+            <a:r>
+              <a:rPr lang="de-DE" dirty="0"/>
+              <a:t>Untere </a:t>
+            </a:r>
+            <a:r>
+              <a:rPr lang="de-DE" dirty="0" err="1"/>
+              <a:t>Dreiecksatrix</a:t>
+            </a:r>
+            <a:r>
+              <a:rPr lang="de-DE" dirty="0"/>
+              <a:t>:</a:t>
+            </a:r>
+          </a:p>
+        </p:txBody>
+      </p:sp>
+      <p:sp>
+        <p:nvSpPr>
+          <p:cNvPr id="24" name="Inhaltsplatzhalter 1">
+            <a:extLst>
+              <a:ext uri="{FF2B5EF4-FFF2-40B4-BE49-F238E27FC236}">
+                <a16:creationId xmlns:a16="http://schemas.microsoft.com/office/drawing/2014/main" id="{4CCF8976-CD04-4187-BB06-EDF1BEF59429}"/>
+              </a:ext>
+            </a:extLst>
+          </p:cNvPr>
+          <p:cNvSpPr txBox="1">
+            <a:spLocks/>
+          </p:cNvSpPr>
+          <p:nvPr/>
+        </p:nvSpPr>
+        <p:spPr>
+          <a:xfrm>
+            <a:off x="5363375" y="1791130"/>
+            <a:ext cx="1640092" cy="273845"/>
+          </a:xfrm>
+          <a:prstGeom prst="rect">
+            <a:avLst/>
+          </a:prstGeom>
+          <a:noFill/>
+          <a:ln w="9525">
+            <a:noFill/>
+            <a:miter lim="800000"/>
+            <a:headEnd/>
+            <a:tailEnd/>
+          </a:ln>
+        </p:spPr>
+        <p:txBody>
+          <a:bodyPr vert="horz" wrap="square" lIns="0" tIns="0" rIns="0" bIns="0" numCol="1" anchor="t" anchorCtr="0" compatLnSpc="1">
+            <a:prstTxWarp prst="textNoShape">
+              <a:avLst/>
+            </a:prstTxWarp>
+          </a:bodyPr>
+          <a:lstStyle>
+            <a:lvl1pPr algn="l" rtl="0" eaLnBrk="0" fontAlgn="base" hangingPunct="0">
+              <a:lnSpc>
+                <a:spcPct val="114000"/>
+              </a:lnSpc>
+              <a:spcBef>
+                <a:spcPct val="0"/>
+              </a:spcBef>
+              <a:spcAft>
+                <a:spcPct val="0"/>
+              </a:spcAft>
+              <a:defRPr lang="de-DE" sz="1400" kern="1200" noProof="0" dirty="0" smtClean="0">
+                <a:solidFill>
+                  <a:schemeClr val="tx1"/>
+                </a:solidFill>
+                <a:latin typeface="+mn-lt"/>
+                <a:ea typeface="+mn-ea"/>
+                <a:cs typeface="+mn-cs"/>
+              </a:defRPr>
+            </a:lvl1pPr>
+            <a:lvl2pPr marL="176213" indent="-176213" algn="l" rtl="0" eaLnBrk="0" fontAlgn="base" hangingPunct="0">
+              <a:lnSpc>
+                <a:spcPct val="114000"/>
+              </a:lnSpc>
+              <a:spcBef>
+                <a:spcPct val="0"/>
+              </a:spcBef>
+              <a:spcAft>
+                <a:spcPct val="0"/>
+              </a:spcAft>
+              <a:buFont typeface="Arial" charset="0"/>
+              <a:buChar char="•"/>
+              <a:defRPr lang="de-DE" sz="1400" kern="1200" noProof="0" dirty="0" smtClean="0">
+                <a:solidFill>
+                  <a:schemeClr val="tx1"/>
+                </a:solidFill>
+                <a:latin typeface="+mn-lt"/>
+                <a:ea typeface="+mn-ea"/>
+                <a:cs typeface="+mn-cs"/>
+              </a:defRPr>
+            </a:lvl2pPr>
+            <a:lvl3pPr marL="360363" indent="-184150" algn="l" rtl="0" eaLnBrk="0" fontAlgn="base" hangingPunct="0">
+              <a:lnSpc>
+                <a:spcPct val="125000"/>
+              </a:lnSpc>
+              <a:spcBef>
+                <a:spcPct val="0"/>
+              </a:spcBef>
+              <a:spcAft>
+                <a:spcPct val="0"/>
+              </a:spcAft>
+              <a:buFont typeface="Symbol" pitchFamily="18" charset="2"/>
+              <a:buChar char="-"/>
+              <a:defRPr sz="1400" kern="1200">
+                <a:solidFill>
+                  <a:schemeClr val="tx1"/>
+                </a:solidFill>
+                <a:latin typeface="+mn-lt"/>
+                <a:ea typeface="+mn-ea"/>
+                <a:cs typeface="+mn-cs"/>
+              </a:defRPr>
+            </a:lvl3pPr>
+            <a:lvl4pPr marL="538163" indent="-177800" algn="l" rtl="0" eaLnBrk="0" fontAlgn="base" hangingPunct="0">
+              <a:lnSpc>
+                <a:spcPct val="125000"/>
+              </a:lnSpc>
+              <a:spcBef>
+                <a:spcPct val="0"/>
+              </a:spcBef>
+              <a:spcAft>
+                <a:spcPct val="0"/>
+              </a:spcAft>
+              <a:buFont typeface="Symbol" pitchFamily="18" charset="2"/>
+              <a:buChar char="-"/>
+              <a:defRPr sz="1400" kern="1200">
+                <a:solidFill>
+                  <a:schemeClr val="tx1"/>
+                </a:solidFill>
+                <a:latin typeface="+mn-lt"/>
+                <a:ea typeface="+mn-ea"/>
+                <a:cs typeface="+mn-cs"/>
+              </a:defRPr>
+            </a:lvl4pPr>
+            <a:lvl5pPr marL="714375" indent="-176213" algn="l" rtl="0" eaLnBrk="0" fontAlgn="base" hangingPunct="0">
+              <a:lnSpc>
+                <a:spcPct val="125000"/>
+              </a:lnSpc>
+              <a:spcBef>
+                <a:spcPct val="0"/>
+              </a:spcBef>
+              <a:spcAft>
+                <a:spcPct val="0"/>
+              </a:spcAft>
+              <a:buFont typeface="Symbol" pitchFamily="18" charset="2"/>
+              <a:buChar char="-"/>
+              <a:defRPr sz="1400" kern="1200">
+                <a:solidFill>
+                  <a:schemeClr val="tx1"/>
+                </a:solidFill>
+                <a:latin typeface="+mn-lt"/>
+                <a:ea typeface="+mn-ea"/>
+                <a:cs typeface="+mn-cs"/>
+              </a:defRPr>
+            </a:lvl5pPr>
+            <a:lvl6pPr marL="2514600" indent="-228600" algn="l" defTabSz="914400" rtl="0" eaLnBrk="1" latinLnBrk="0" hangingPunct="1">
+              <a:spcBef>
+                <a:spcPct val="20000"/>
+              </a:spcBef>
+              <a:buFont typeface="Arial" pitchFamily="34" charset="0"/>
+              <a:buChar char="•"/>
+              <a:defRPr sz="2000" kern="1200">
+                <a:solidFill>
+                  <a:schemeClr val="tx1"/>
+                </a:solidFill>
+                <a:latin typeface="+mn-lt"/>
+                <a:ea typeface="+mn-ea"/>
+                <a:cs typeface="+mn-cs"/>
+              </a:defRPr>
+            </a:lvl6pPr>
+            <a:lvl7pPr marL="2971800" indent="-228600" algn="l" defTabSz="914400" rtl="0" eaLnBrk="1" latinLnBrk="0" hangingPunct="1">
+              <a:spcBef>
+                <a:spcPct val="20000"/>
+              </a:spcBef>
+              <a:buFont typeface="Arial" pitchFamily="34" charset="0"/>
+              <a:buChar char="•"/>
+              <a:defRPr sz="2000" kern="1200">
+                <a:solidFill>
+                  <a:schemeClr val="tx1"/>
+                </a:solidFill>
+                <a:latin typeface="+mn-lt"/>
+                <a:ea typeface="+mn-ea"/>
+                <a:cs typeface="+mn-cs"/>
+              </a:defRPr>
+            </a:lvl7pPr>
+            <a:lvl8pPr marL="3429000" indent="-228600" algn="l" defTabSz="914400" rtl="0" eaLnBrk="1" latinLnBrk="0" hangingPunct="1">
+              <a:spcBef>
+                <a:spcPct val="20000"/>
+              </a:spcBef>
+              <a:buFont typeface="Arial" pitchFamily="34" charset="0"/>
+              <a:buChar char="•"/>
+              <a:defRPr sz="2000" kern="1200">
+                <a:solidFill>
+                  <a:schemeClr val="tx1"/>
+                </a:solidFill>
+                <a:latin typeface="+mn-lt"/>
+                <a:ea typeface="+mn-ea"/>
+                <a:cs typeface="+mn-cs"/>
+              </a:defRPr>
+            </a:lvl8pPr>
+            <a:lvl9pPr marL="3886200" indent="-228600" algn="l" defTabSz="914400" rtl="0" eaLnBrk="1" latinLnBrk="0" hangingPunct="1">
+              <a:spcBef>
+                <a:spcPct val="20000"/>
+              </a:spcBef>
+              <a:buFont typeface="Arial" pitchFamily="34" charset="0"/>
+              <a:buChar char="•"/>
+              <a:defRPr sz="2000" kern="1200">
+                <a:solidFill>
+                  <a:schemeClr val="tx1"/>
+                </a:solidFill>
+                <a:latin typeface="+mn-lt"/>
+                <a:ea typeface="+mn-ea"/>
+                <a:cs typeface="+mn-cs"/>
+              </a:defRPr>
+            </a:lvl9pPr>
+          </a:lstStyle>
+          <a:p>
+            <a:r>
+              <a:rPr lang="de-DE" dirty="0"/>
+              <a:t>Obere </a:t>
+            </a:r>
+            <a:r>
+              <a:rPr lang="de-DE" dirty="0" err="1"/>
+              <a:t>Dreiecksatrix</a:t>
+            </a:r>
+            <a:r>
+              <a:rPr lang="de-DE" dirty="0"/>
+              <a:t>:</a:t>
+            </a:r>
+          </a:p>
+        </p:txBody>
+      </p:sp>
+      <p:sp>
+        <p:nvSpPr>
+          <p:cNvPr id="8" name="Titel 3">
+            <a:extLst>
+              <a:ext uri="{FF2B5EF4-FFF2-40B4-BE49-F238E27FC236}">
+                <a16:creationId xmlns:a16="http://schemas.microsoft.com/office/drawing/2014/main" id="{ECE6399E-649C-4724-B53A-7FBBAE990083}"/>
+              </a:ext>
+            </a:extLst>
+          </p:cNvPr>
+          <p:cNvSpPr>
+            <a:spLocks noGrp="1"/>
+          </p:cNvSpPr>
+          <p:nvPr>
+            <p:ph type="title"/>
+          </p:nvPr>
+        </p:nvSpPr>
+        <p:spPr>
+          <a:xfrm>
+            <a:off x="319090" y="972000"/>
+            <a:ext cx="8508999" cy="380810"/>
+          </a:xfrm>
+        </p:spPr>
+        <p:txBody>
+          <a:bodyPr/>
+          <a:lstStyle/>
+          <a:p>
+            <a:r>
+              <a:rPr lang="de-DE" dirty="0"/>
+              <a:t>Einleitung</a:t>
+            </a:r>
+          </a:p>
+        </p:txBody>
+      </p:sp>
+    </p:spTree>
+  </p:cSld>
+  <p:clrMapOvr>
+    <a:masterClrMapping/>
+  </p:clrMapOvr>
+</p:sld>
+</file>
+
+<file path=ppt/slides/slide3.xml><?xml version="1.0" encoding="utf-8"?>
+<p:sld xmlns:a="http://schemas.openxmlformats.org/drawingml/2006/main" xmlns:r="http://schemas.openxmlformats.org/officeDocument/2006/relationships" xmlns:p="http://schemas.openxmlformats.org/presentationml/2006/main">
+  <p:cSld>
+    <p:spTree>
+      <p:nvGrpSpPr>
+        <p:cNvPr id="1" name=""/>
+        <p:cNvGrpSpPr/>
+        <p:nvPr/>
+      </p:nvGrpSpPr>
+      <p:grpSpPr>
+        <a:xfrm>
+          <a:off x="0" y="0"/>
+          <a:ext cx="0" cy="0"/>
+          <a:chOff x="0" y="0"/>
+          <a:chExt cx="0" cy="0"/>
+        </a:xfrm>
+      </p:grpSpPr>
+      <p:sp>
+        <p:nvSpPr>
+          <p:cNvPr id="4" name="Foliennummernplatzhalter 3"/>
+          <p:cNvSpPr>
+            <a:spLocks noGrp="1"/>
+          </p:cNvSpPr>
+          <p:nvPr>
+            <p:ph type="sldNum" sz="quarter" idx="11"/>
+          </p:nvPr>
+        </p:nvSpPr>
+        <p:spPr/>
+        <p:txBody>
+          <a:bodyPr/>
+          <a:lstStyle/>
+          <a:p>
+            <a:fld id="{CE58CB1E-F828-4F11-99E0-327109AF9DA4}" type="slidenum">
+              <a:rPr lang="de-DE" smtClean="0"/>
+              <a:pPr/>
+              <a:t>3</a:t>
+            </a:fld>
+            <a:endParaRPr lang="de-DE" dirty="0"/>
+          </a:p>
+        </p:txBody>
+      </p:sp>
+      <p:sp>
+        <p:nvSpPr>
+          <p:cNvPr id="7" name="Fußzeilenplatzhalter 4"/>
+          <p:cNvSpPr>
+            <a:spLocks noGrp="1"/>
+          </p:cNvSpPr>
+          <p:nvPr>
+            <p:ph type="ftr" sz="quarter" idx="12"/>
+          </p:nvPr>
+        </p:nvSpPr>
+        <p:spPr/>
+        <p:txBody>
+          <a:bodyPr/>
+          <a:lstStyle/>
+          <a:p>
+            <a:r>
+              <a:rPr lang="de-DE" sz="1000" dirty="0"/>
+              <a:t>Von </a:t>
+            </a:r>
+            <a:r>
+              <a:rPr lang="de-DE" sz="1000" dirty="0" err="1"/>
+              <a:t>Aleksandre</a:t>
+            </a:r>
+            <a:r>
+              <a:rPr lang="de-DE" sz="1000" dirty="0"/>
+              <a:t> </a:t>
+            </a:r>
+            <a:r>
+              <a:rPr lang="de-DE" sz="1000" dirty="0" err="1"/>
+              <a:t>Kandelaki</a:t>
+            </a:r>
+            <a:r>
+              <a:rPr lang="de-DE" sz="1000" dirty="0"/>
+              <a:t>, Matthias Staritz und Benjamin Liertz</a:t>
+            </a:r>
+          </a:p>
+        </p:txBody>
+      </p:sp>
+      <p:sp>
+        <p:nvSpPr>
+          <p:cNvPr id="23" name="Inhaltsplatzhalter 1">
+            <a:extLst>
+              <a:ext uri="{FF2B5EF4-FFF2-40B4-BE49-F238E27FC236}">
+                <a16:creationId xmlns:a16="http://schemas.microsoft.com/office/drawing/2014/main" id="{5CA92278-9A28-49B4-91B1-3900E25954C3}"/>
+              </a:ext>
+            </a:extLst>
+          </p:cNvPr>
+          <p:cNvSpPr>
+            <a:spLocks noGrp="1"/>
+          </p:cNvSpPr>
+          <p:nvPr>
+            <p:ph idx="1"/>
+          </p:nvPr>
+        </p:nvSpPr>
+        <p:spPr>
+          <a:xfrm>
+            <a:off x="1722221" y="1784677"/>
+            <a:ext cx="1195524" cy="273845"/>
+          </a:xfrm>
+        </p:spPr>
+        <p:txBody>
+          <a:bodyPr/>
+          <a:lstStyle/>
+          <a:p>
+            <a:r>
+              <a:rPr lang="de-DE" dirty="0"/>
+              <a:t>Einheitsmatrix:</a:t>
+            </a:r>
+          </a:p>
+        </p:txBody>
+      </p:sp>
+      <p:sp>
+        <p:nvSpPr>
+          <p:cNvPr id="24" name="Inhaltsplatzhalter 1">
+            <a:extLst>
+              <a:ext uri="{FF2B5EF4-FFF2-40B4-BE49-F238E27FC236}">
+                <a16:creationId xmlns:a16="http://schemas.microsoft.com/office/drawing/2014/main" id="{4CCF8976-CD04-4187-BB06-EDF1BEF59429}"/>
+              </a:ext>
+            </a:extLst>
+          </p:cNvPr>
+          <p:cNvSpPr txBox="1">
+            <a:spLocks/>
+          </p:cNvSpPr>
+          <p:nvPr/>
+        </p:nvSpPr>
+        <p:spPr>
+          <a:xfrm>
+            <a:off x="5655466" y="1784676"/>
+            <a:ext cx="1030281" cy="273845"/>
+          </a:xfrm>
+          <a:prstGeom prst="rect">
+            <a:avLst/>
+          </a:prstGeom>
+          <a:noFill/>
+          <a:ln w="9525">
+            <a:noFill/>
+            <a:miter lim="800000"/>
+            <a:headEnd/>
+            <a:tailEnd/>
+          </a:ln>
+        </p:spPr>
+        <p:txBody>
+          <a:bodyPr vert="horz" wrap="square" lIns="0" tIns="0" rIns="0" bIns="0" numCol="1" anchor="t" anchorCtr="0" compatLnSpc="1">
+            <a:prstTxWarp prst="textNoShape">
+              <a:avLst/>
+            </a:prstTxWarp>
+          </a:bodyPr>
+          <a:lstStyle>
+            <a:lvl1pPr algn="l" rtl="0" eaLnBrk="0" fontAlgn="base" hangingPunct="0">
+              <a:lnSpc>
+                <a:spcPct val="114000"/>
+              </a:lnSpc>
+              <a:spcBef>
+                <a:spcPct val="0"/>
+              </a:spcBef>
+              <a:spcAft>
+                <a:spcPct val="0"/>
+              </a:spcAft>
+              <a:defRPr lang="de-DE" sz="1400" kern="1200" noProof="0" dirty="0" smtClean="0">
+                <a:solidFill>
+                  <a:schemeClr val="tx1"/>
+                </a:solidFill>
+                <a:latin typeface="+mn-lt"/>
+                <a:ea typeface="+mn-ea"/>
+                <a:cs typeface="+mn-cs"/>
+              </a:defRPr>
+            </a:lvl1pPr>
+            <a:lvl2pPr marL="176213" indent="-176213" algn="l" rtl="0" eaLnBrk="0" fontAlgn="base" hangingPunct="0">
+              <a:lnSpc>
+                <a:spcPct val="114000"/>
+              </a:lnSpc>
+              <a:spcBef>
+                <a:spcPct val="0"/>
+              </a:spcBef>
+              <a:spcAft>
+                <a:spcPct val="0"/>
+              </a:spcAft>
+              <a:buFont typeface="Arial" charset="0"/>
+              <a:buChar char="•"/>
+              <a:defRPr lang="de-DE" sz="1400" kern="1200" noProof="0" dirty="0" smtClean="0">
+                <a:solidFill>
+                  <a:schemeClr val="tx1"/>
+                </a:solidFill>
+                <a:latin typeface="+mn-lt"/>
+                <a:ea typeface="+mn-ea"/>
+                <a:cs typeface="+mn-cs"/>
+              </a:defRPr>
+            </a:lvl2pPr>
+            <a:lvl3pPr marL="360363" indent="-184150" algn="l" rtl="0" eaLnBrk="0" fontAlgn="base" hangingPunct="0">
+              <a:lnSpc>
+                <a:spcPct val="125000"/>
+              </a:lnSpc>
+              <a:spcBef>
+                <a:spcPct val="0"/>
+              </a:spcBef>
+              <a:spcAft>
+                <a:spcPct val="0"/>
+              </a:spcAft>
+              <a:buFont typeface="Symbol" pitchFamily="18" charset="2"/>
+              <a:buChar char="-"/>
+              <a:defRPr sz="1400" kern="1200">
+                <a:solidFill>
+                  <a:schemeClr val="tx1"/>
+                </a:solidFill>
+                <a:latin typeface="+mn-lt"/>
+                <a:ea typeface="+mn-ea"/>
+                <a:cs typeface="+mn-cs"/>
+              </a:defRPr>
+            </a:lvl3pPr>
+            <a:lvl4pPr marL="538163" indent="-177800" algn="l" rtl="0" eaLnBrk="0" fontAlgn="base" hangingPunct="0">
+              <a:lnSpc>
+                <a:spcPct val="125000"/>
+              </a:lnSpc>
+              <a:spcBef>
+                <a:spcPct val="0"/>
+              </a:spcBef>
+              <a:spcAft>
+                <a:spcPct val="0"/>
+              </a:spcAft>
+              <a:buFont typeface="Symbol" pitchFamily="18" charset="2"/>
+              <a:buChar char="-"/>
+              <a:defRPr sz="1400" kern="1200">
+                <a:solidFill>
+                  <a:schemeClr val="tx1"/>
+                </a:solidFill>
+                <a:latin typeface="+mn-lt"/>
+                <a:ea typeface="+mn-ea"/>
+                <a:cs typeface="+mn-cs"/>
+              </a:defRPr>
+            </a:lvl4pPr>
+            <a:lvl5pPr marL="714375" indent="-176213" algn="l" rtl="0" eaLnBrk="0" fontAlgn="base" hangingPunct="0">
+              <a:lnSpc>
+                <a:spcPct val="125000"/>
+              </a:lnSpc>
+              <a:spcBef>
+                <a:spcPct val="0"/>
+              </a:spcBef>
+              <a:spcAft>
+                <a:spcPct val="0"/>
+              </a:spcAft>
+              <a:buFont typeface="Symbol" pitchFamily="18" charset="2"/>
+              <a:buChar char="-"/>
+              <a:defRPr sz="1400" kern="1200">
+                <a:solidFill>
+                  <a:schemeClr val="tx1"/>
+                </a:solidFill>
+                <a:latin typeface="+mn-lt"/>
+                <a:ea typeface="+mn-ea"/>
+                <a:cs typeface="+mn-cs"/>
+              </a:defRPr>
+            </a:lvl5pPr>
+            <a:lvl6pPr marL="2514600" indent="-228600" algn="l" defTabSz="914400" rtl="0" eaLnBrk="1" latinLnBrk="0" hangingPunct="1">
+              <a:spcBef>
+                <a:spcPct val="20000"/>
+              </a:spcBef>
+              <a:buFont typeface="Arial" pitchFamily="34" charset="0"/>
+              <a:buChar char="•"/>
+              <a:defRPr sz="2000" kern="1200">
+                <a:solidFill>
+                  <a:schemeClr val="tx1"/>
+                </a:solidFill>
+                <a:latin typeface="+mn-lt"/>
+                <a:ea typeface="+mn-ea"/>
+                <a:cs typeface="+mn-cs"/>
+              </a:defRPr>
+            </a:lvl6pPr>
+            <a:lvl7pPr marL="2971800" indent="-228600" algn="l" defTabSz="914400" rtl="0" eaLnBrk="1" latinLnBrk="0" hangingPunct="1">
+              <a:spcBef>
+                <a:spcPct val="20000"/>
+              </a:spcBef>
+              <a:buFont typeface="Arial" pitchFamily="34" charset="0"/>
+              <a:buChar char="•"/>
+              <a:defRPr sz="2000" kern="1200">
+                <a:solidFill>
+                  <a:schemeClr val="tx1"/>
+                </a:solidFill>
+                <a:latin typeface="+mn-lt"/>
+                <a:ea typeface="+mn-ea"/>
+                <a:cs typeface="+mn-cs"/>
+              </a:defRPr>
+            </a:lvl7pPr>
+            <a:lvl8pPr marL="3429000" indent="-228600" algn="l" defTabSz="914400" rtl="0" eaLnBrk="1" latinLnBrk="0" hangingPunct="1">
+              <a:spcBef>
+                <a:spcPct val="20000"/>
+              </a:spcBef>
+              <a:buFont typeface="Arial" pitchFamily="34" charset="0"/>
+              <a:buChar char="•"/>
+              <a:defRPr sz="2000" kern="1200">
+                <a:solidFill>
+                  <a:schemeClr val="tx1"/>
+                </a:solidFill>
+                <a:latin typeface="+mn-lt"/>
+                <a:ea typeface="+mn-ea"/>
+                <a:cs typeface="+mn-cs"/>
+              </a:defRPr>
+            </a:lvl8pPr>
+            <a:lvl9pPr marL="3886200" indent="-228600" algn="l" defTabSz="914400" rtl="0" eaLnBrk="1" latinLnBrk="0" hangingPunct="1">
+              <a:spcBef>
+                <a:spcPct val="20000"/>
+              </a:spcBef>
+              <a:buFont typeface="Arial" pitchFamily="34" charset="0"/>
+              <a:buChar char="•"/>
+              <a:defRPr sz="2000" kern="1200">
+                <a:solidFill>
+                  <a:schemeClr val="tx1"/>
+                </a:solidFill>
+                <a:latin typeface="+mn-lt"/>
+                <a:ea typeface="+mn-ea"/>
+                <a:cs typeface="+mn-cs"/>
+              </a:defRPr>
+            </a:lvl9pPr>
+          </a:lstStyle>
+          <a:p>
+            <a:r>
+              <a:rPr lang="de-DE" dirty="0" err="1"/>
+              <a:t>Pivomatrix</a:t>
+            </a:r>
+            <a:r>
+              <a:rPr lang="de-DE" dirty="0"/>
+              <a:t>:</a:t>
+            </a:r>
+          </a:p>
+        </p:txBody>
+      </p:sp>
+      <p:pic>
+        <p:nvPicPr>
+          <p:cNvPr id="8" name="Picture 2">
+            <a:extLst>
+              <a:ext uri="{FF2B5EF4-FFF2-40B4-BE49-F238E27FC236}">
+                <a16:creationId xmlns:a16="http://schemas.microsoft.com/office/drawing/2014/main" id="{7D71B240-8C0C-45F1-9BBC-08C54EDE31CF}"/>
+              </a:ext>
+            </a:extLst>
+          </p:cNvPr>
+          <p:cNvPicPr>
+            <a:picLocks noChangeAspect="1" noChangeArrowheads="1"/>
+          </p:cNvPicPr>
+          <p:nvPr/>
+        </p:nvPicPr>
+        <p:blipFill>
+          <a:blip r:embed="rId2">
+            <a:extLst>
+              <a:ext uri="{28A0092B-C50C-407E-A947-70E740481C1C}">
+                <a14:useLocalDpi xmlns:a14="http://schemas.microsoft.com/office/drawing/2010/main" val="0"/>
+              </a:ext>
+            </a:extLst>
+          </a:blip>
+          <a:srcRect/>
+          <a:stretch>
+            <a:fillRect/>
+          </a:stretch>
+        </p:blipFill>
+        <p:spPr bwMode="auto">
+          <a:xfrm>
+            <a:off x="1455532" y="2319755"/>
+            <a:ext cx="1728903" cy="1785669"/>
+          </a:xfrm>
+          <a:prstGeom prst="rect">
+            <a:avLst/>
+          </a:prstGeom>
+          <a:noFill/>
+          <a:extLst>
+            <a:ext uri="{909E8E84-426E-40DD-AFC4-6F175D3DCCD1}">
+              <a14:hiddenFill xmlns:a14="http://schemas.microsoft.com/office/drawing/2010/main">
+                <a:solidFill>
+                  <a:srgbClr val="FFFFFF"/>
+                </a:solidFill>
+              </a14:hiddenFill>
+            </a:ext>
+          </a:extLst>
+        </p:spPr>
+      </p:pic>
+      <p:pic>
+        <p:nvPicPr>
+          <p:cNvPr id="2050" name="Picture 2">
+            <a:extLst>
+              <a:ext uri="{FF2B5EF4-FFF2-40B4-BE49-F238E27FC236}">
+                <a16:creationId xmlns:a16="http://schemas.microsoft.com/office/drawing/2014/main" id="{E665B155-0145-4651-9061-2D3BAA4F4E1A}"/>
+              </a:ext>
+            </a:extLst>
+          </p:cNvPr>
+          <p:cNvPicPr>
+            <a:picLocks noChangeAspect="1" noChangeArrowheads="1"/>
+          </p:cNvPicPr>
+          <p:nvPr/>
+        </p:nvPicPr>
+        <p:blipFill>
+          <a:blip r:embed="rId3">
+            <a:extLst>
+              <a:ext uri="{28A0092B-C50C-407E-A947-70E740481C1C}">
+                <a14:useLocalDpi xmlns:a14="http://schemas.microsoft.com/office/drawing/2010/main" val="0"/>
+              </a:ext>
+            </a:extLst>
+          </a:blip>
+          <a:srcRect/>
+          <a:stretch>
+            <a:fillRect/>
+          </a:stretch>
+        </p:blipFill>
+        <p:spPr bwMode="auto">
+          <a:xfrm>
+            <a:off x="5337748" y="2376193"/>
+            <a:ext cx="1665719" cy="1729231"/>
+          </a:xfrm>
+          <a:prstGeom prst="rect">
+            <a:avLst/>
+          </a:prstGeom>
+          <a:noFill/>
+          <a:extLst>
+            <a:ext uri="{909E8E84-426E-40DD-AFC4-6F175D3DCCD1}">
+              <a14:hiddenFill xmlns:a14="http://schemas.microsoft.com/office/drawing/2010/main">
+                <a:solidFill>
+                  <a:srgbClr val="FFFFFF"/>
+                </a:solidFill>
+              </a14:hiddenFill>
+            </a:ext>
+          </a:extLst>
+        </p:spPr>
+      </p:pic>
+      <p:sp>
+        <p:nvSpPr>
+          <p:cNvPr id="9" name="Titel 3">
+            <a:extLst>
+              <a:ext uri="{FF2B5EF4-FFF2-40B4-BE49-F238E27FC236}">
+                <a16:creationId xmlns:a16="http://schemas.microsoft.com/office/drawing/2014/main" id="{C908D0D4-F148-4655-A018-8086D9254C8D}"/>
+              </a:ext>
+            </a:extLst>
+          </p:cNvPr>
+          <p:cNvSpPr>
+            <a:spLocks noGrp="1"/>
+          </p:cNvSpPr>
+          <p:nvPr>
+            <p:ph type="title"/>
+          </p:nvPr>
+        </p:nvSpPr>
+        <p:spPr>
+          <a:xfrm>
+            <a:off x="319090" y="972000"/>
+            <a:ext cx="8508999" cy="380810"/>
+          </a:xfrm>
+        </p:spPr>
+        <p:txBody>
+          <a:bodyPr/>
+          <a:lstStyle/>
+          <a:p>
+            <a:r>
+              <a:rPr lang="de-DE" dirty="0"/>
+              <a:t>Einleitung</a:t>
+            </a:r>
+          </a:p>
+        </p:txBody>
+      </p:sp>
+    </p:spTree>
+    <p:extLst>
+      <p:ext uri="{BB962C8B-B14F-4D97-AF65-F5344CB8AC3E}">
+        <p14:creationId xmlns:p14="http://schemas.microsoft.com/office/powerpoint/2010/main" val="3656387540"/>
+      </p:ext>
+    </p:extLst>
+  </p:cSld>
+  <p:clrMapOvr>
+    <a:masterClrMapping/>
+  </p:clrMapOvr>
+</p:sld>
+</file>
+
+<file path=ppt/slides/slide4.xml><?xml version="1.0" encoding="utf-8"?>
+<p:sld xmlns:a="http://schemas.openxmlformats.org/drawingml/2006/main" xmlns:r="http://schemas.openxmlformats.org/officeDocument/2006/relationships" xmlns:p="http://schemas.openxmlformats.org/presentationml/2006/main">
+  <p:cSld>
+    <p:spTree>
+      <p:nvGrpSpPr>
+        <p:cNvPr id="1" name=""/>
+        <p:cNvGrpSpPr/>
+        <p:nvPr/>
+      </p:nvGrpSpPr>
+      <p:grpSpPr>
+        <a:xfrm>
+          <a:off x="0" y="0"/>
+          <a:ext cx="0" cy="0"/>
+          <a:chOff x="0" y="0"/>
+          <a:chExt cx="0" cy="0"/>
+        </a:xfrm>
+      </p:grpSpPr>
+      <p:sp>
+        <p:nvSpPr>
+          <p:cNvPr id="2" name="Inhaltsplatzhalter 1"/>
+          <p:cNvSpPr>
+            <a:spLocks noGrp="1"/>
+          </p:cNvSpPr>
+          <p:nvPr>
+            <p:ph idx="1"/>
+          </p:nvPr>
+        </p:nvSpPr>
+        <p:spPr>
+          <a:xfrm>
+            <a:off x="490540" y="1615194"/>
+            <a:ext cx="2295522" cy="273845"/>
+          </a:xfrm>
+        </p:spPr>
+        <p:txBody>
+          <a:bodyPr/>
+          <a:lstStyle/>
+          <a:p>
+            <a:r>
+              <a:rPr lang="de-DE" dirty="0"/>
+              <a:t>Lineares Gleichungssystem:</a:t>
+            </a:r>
+          </a:p>
+        </p:txBody>
+      </p:sp>
+      <p:sp>
+        <p:nvSpPr>
+          <p:cNvPr id="3" name="Titel 2"/>
+          <p:cNvSpPr>
+            <a:spLocks noGrp="1"/>
+          </p:cNvSpPr>
+          <p:nvPr>
+            <p:ph type="title"/>
+          </p:nvPr>
+        </p:nvSpPr>
+        <p:spPr>
+          <a:xfrm>
+            <a:off x="318009" y="895471"/>
+            <a:ext cx="8508999" cy="380810"/>
+          </a:xfrm>
+        </p:spPr>
+        <p:txBody>
+          <a:bodyPr/>
+          <a:lstStyle/>
+          <a:p>
+            <a:r>
+              <a:rPr lang="de-DE" dirty="0"/>
+              <a:t>Lineares Gleichungssystem als Beispiel</a:t>
+            </a:r>
+          </a:p>
+        </p:txBody>
+      </p:sp>
+      <p:sp>
+        <p:nvSpPr>
+          <p:cNvPr id="4" name="Foliennummernplatzhalter 3"/>
+          <p:cNvSpPr>
+            <a:spLocks noGrp="1"/>
+          </p:cNvSpPr>
+          <p:nvPr>
+            <p:ph type="sldNum" sz="quarter" idx="11"/>
+          </p:nvPr>
+        </p:nvSpPr>
+        <p:spPr/>
+        <p:txBody>
+          <a:bodyPr/>
+          <a:lstStyle/>
+          <a:p>
+            <a:fld id="{CE58CB1E-F828-4F11-99E0-327109AF9DA4}" type="slidenum">
+              <a:rPr lang="de-DE" smtClean="0"/>
+              <a:pPr/>
+              <a:t>4</a:t>
+            </a:fld>
+            <a:endParaRPr lang="de-DE" dirty="0"/>
+          </a:p>
+        </p:txBody>
+      </p:sp>
+      <p:sp>
+        <p:nvSpPr>
+          <p:cNvPr id="7" name="Fußzeilenplatzhalter 4"/>
+          <p:cNvSpPr>
+            <a:spLocks noGrp="1"/>
+          </p:cNvSpPr>
+          <p:nvPr>
+            <p:ph type="ftr" sz="quarter" idx="12"/>
+          </p:nvPr>
+        </p:nvSpPr>
+        <p:spPr/>
+        <p:txBody>
+          <a:bodyPr/>
+          <a:lstStyle/>
+          <a:p>
+            <a:r>
+              <a:rPr lang="de-DE" sz="1000" dirty="0"/>
+              <a:t>Von </a:t>
+            </a:r>
+            <a:r>
+              <a:rPr lang="de-DE" sz="1000" dirty="0" err="1"/>
+              <a:t>Aleksandre</a:t>
+            </a:r>
+            <a:r>
+              <a:rPr lang="de-DE" sz="1000" dirty="0"/>
+              <a:t> </a:t>
+            </a:r>
+            <a:r>
+              <a:rPr lang="de-DE" sz="1000" dirty="0" err="1"/>
+              <a:t>Kandelaki</a:t>
+            </a:r>
+            <a:r>
+              <a:rPr lang="de-DE" sz="1000" dirty="0"/>
+              <a:t>, Matthias Staritz und Benjamin Liertz</a:t>
+            </a:r>
+          </a:p>
+        </p:txBody>
+      </p:sp>
+      <p:pic>
+        <p:nvPicPr>
+          <p:cNvPr id="6" name="Grafik 5">
+            <a:extLst>
+              <a:ext uri="{FF2B5EF4-FFF2-40B4-BE49-F238E27FC236}">
+                <a16:creationId xmlns:a16="http://schemas.microsoft.com/office/drawing/2014/main" id="{F2BF0AD3-5E23-414C-8D80-0FCBCA2F530D}"/>
+              </a:ext>
+            </a:extLst>
+          </p:cNvPr>
+          <p:cNvPicPr>
+            <a:picLocks noChangeAspect="1"/>
+          </p:cNvPicPr>
+          <p:nvPr/>
+        </p:nvPicPr>
+        <p:blipFill>
+          <a:blip r:embed="rId2"/>
+          <a:stretch>
+            <a:fillRect/>
+          </a:stretch>
+        </p:blipFill>
+        <p:spPr>
+          <a:xfrm>
+            <a:off x="604840" y="1940079"/>
+            <a:ext cx="2481260" cy="947821"/>
+          </a:xfrm>
+          <a:prstGeom prst="rect">
+            <a:avLst/>
+          </a:prstGeom>
+        </p:spPr>
+      </p:pic>
+      <p:sp>
+        <p:nvSpPr>
+          <p:cNvPr id="8" name="Inhaltsplatzhalter 1">
+            <a:extLst>
+              <a:ext uri="{FF2B5EF4-FFF2-40B4-BE49-F238E27FC236}">
+                <a16:creationId xmlns:a16="http://schemas.microsoft.com/office/drawing/2014/main" id="{3B75AAF4-DA3B-4ED6-8CFC-3EA0C8C773A7}"/>
+              </a:ext>
+            </a:extLst>
+          </p:cNvPr>
+          <p:cNvSpPr txBox="1">
+            <a:spLocks/>
+          </p:cNvSpPr>
+          <p:nvPr/>
+        </p:nvSpPr>
+        <p:spPr>
+          <a:xfrm>
+            <a:off x="4572000" y="1612937"/>
+            <a:ext cx="1834960" cy="273844"/>
+          </a:xfrm>
+          <a:prstGeom prst="rect">
+            <a:avLst/>
+          </a:prstGeom>
+          <a:noFill/>
+          <a:ln w="9525">
+            <a:noFill/>
+            <a:miter lim="800000"/>
+            <a:headEnd/>
+            <a:tailEnd/>
+          </a:ln>
+        </p:spPr>
+        <p:txBody>
+          <a:bodyPr vert="horz" wrap="square" lIns="0" tIns="0" rIns="0" bIns="0" numCol="1" anchor="t" anchorCtr="0" compatLnSpc="1">
+            <a:prstTxWarp prst="textNoShape">
+              <a:avLst/>
+            </a:prstTxWarp>
+          </a:bodyPr>
+          <a:lstStyle>
+            <a:lvl1pPr algn="l" rtl="0" eaLnBrk="0" fontAlgn="base" hangingPunct="0">
+              <a:lnSpc>
+                <a:spcPct val="114000"/>
+              </a:lnSpc>
+              <a:spcBef>
+                <a:spcPct val="0"/>
+              </a:spcBef>
+              <a:spcAft>
+                <a:spcPct val="0"/>
+              </a:spcAft>
+              <a:defRPr lang="de-DE" sz="1400" kern="1200" noProof="0" dirty="0" smtClean="0">
+                <a:solidFill>
+                  <a:schemeClr val="tx1"/>
+                </a:solidFill>
+                <a:latin typeface="+mn-lt"/>
+                <a:ea typeface="+mn-ea"/>
+                <a:cs typeface="+mn-cs"/>
+              </a:defRPr>
+            </a:lvl1pPr>
+            <a:lvl2pPr marL="176213" indent="-176213" algn="l" rtl="0" eaLnBrk="0" fontAlgn="base" hangingPunct="0">
+              <a:lnSpc>
+                <a:spcPct val="114000"/>
+              </a:lnSpc>
+              <a:spcBef>
+                <a:spcPct val="0"/>
+              </a:spcBef>
+              <a:spcAft>
+                <a:spcPct val="0"/>
+              </a:spcAft>
+              <a:buFont typeface="Arial" charset="0"/>
+              <a:buChar char="•"/>
+              <a:defRPr lang="de-DE" sz="1400" kern="1200" noProof="0" dirty="0" smtClean="0">
+                <a:solidFill>
+                  <a:schemeClr val="tx1"/>
+                </a:solidFill>
+                <a:latin typeface="+mn-lt"/>
+                <a:ea typeface="+mn-ea"/>
+                <a:cs typeface="+mn-cs"/>
+              </a:defRPr>
+            </a:lvl2pPr>
+            <a:lvl3pPr marL="360363" indent="-184150" algn="l" rtl="0" eaLnBrk="0" fontAlgn="base" hangingPunct="0">
+              <a:lnSpc>
+                <a:spcPct val="125000"/>
+              </a:lnSpc>
+              <a:spcBef>
+                <a:spcPct val="0"/>
+              </a:spcBef>
+              <a:spcAft>
+                <a:spcPct val="0"/>
+              </a:spcAft>
+              <a:buFont typeface="Symbol" pitchFamily="18" charset="2"/>
+              <a:buChar char="-"/>
+              <a:defRPr sz="1400" kern="1200">
+                <a:solidFill>
+                  <a:schemeClr val="tx1"/>
+                </a:solidFill>
+                <a:latin typeface="+mn-lt"/>
+                <a:ea typeface="+mn-ea"/>
+                <a:cs typeface="+mn-cs"/>
+              </a:defRPr>
+            </a:lvl3pPr>
+            <a:lvl4pPr marL="538163" indent="-177800" algn="l" rtl="0" eaLnBrk="0" fontAlgn="base" hangingPunct="0">
+              <a:lnSpc>
+                <a:spcPct val="125000"/>
+              </a:lnSpc>
+              <a:spcBef>
+                <a:spcPct val="0"/>
+              </a:spcBef>
+              <a:spcAft>
+                <a:spcPct val="0"/>
+              </a:spcAft>
+              <a:buFont typeface="Symbol" pitchFamily="18" charset="2"/>
+              <a:buChar char="-"/>
+              <a:defRPr sz="1400" kern="1200">
+                <a:solidFill>
+                  <a:schemeClr val="tx1"/>
+                </a:solidFill>
+                <a:latin typeface="+mn-lt"/>
+                <a:ea typeface="+mn-ea"/>
+                <a:cs typeface="+mn-cs"/>
+              </a:defRPr>
+            </a:lvl4pPr>
+            <a:lvl5pPr marL="714375" indent="-176213" algn="l" rtl="0" eaLnBrk="0" fontAlgn="base" hangingPunct="0">
+              <a:lnSpc>
+                <a:spcPct val="125000"/>
+              </a:lnSpc>
+              <a:spcBef>
+                <a:spcPct val="0"/>
+              </a:spcBef>
+              <a:spcAft>
+                <a:spcPct val="0"/>
+              </a:spcAft>
+              <a:buFont typeface="Symbol" pitchFamily="18" charset="2"/>
+              <a:buChar char="-"/>
+              <a:defRPr sz="1400" kern="1200">
+                <a:solidFill>
+                  <a:schemeClr val="tx1"/>
+                </a:solidFill>
+                <a:latin typeface="+mn-lt"/>
+                <a:ea typeface="+mn-ea"/>
+                <a:cs typeface="+mn-cs"/>
+              </a:defRPr>
+            </a:lvl5pPr>
+            <a:lvl6pPr marL="2514600" indent="-228600" algn="l" defTabSz="914400" rtl="0" eaLnBrk="1" latinLnBrk="0" hangingPunct="1">
+              <a:spcBef>
+                <a:spcPct val="20000"/>
+              </a:spcBef>
+              <a:buFont typeface="Arial" pitchFamily="34" charset="0"/>
+              <a:buChar char="•"/>
+              <a:defRPr sz="2000" kern="1200">
+                <a:solidFill>
+                  <a:schemeClr val="tx1"/>
+                </a:solidFill>
+                <a:latin typeface="+mn-lt"/>
+                <a:ea typeface="+mn-ea"/>
+                <a:cs typeface="+mn-cs"/>
+              </a:defRPr>
+            </a:lvl6pPr>
+            <a:lvl7pPr marL="2971800" indent="-228600" algn="l" defTabSz="914400" rtl="0" eaLnBrk="1" latinLnBrk="0" hangingPunct="1">
+              <a:spcBef>
+                <a:spcPct val="20000"/>
+              </a:spcBef>
+              <a:buFont typeface="Arial" pitchFamily="34" charset="0"/>
+              <a:buChar char="•"/>
+              <a:defRPr sz="2000" kern="1200">
+                <a:solidFill>
+                  <a:schemeClr val="tx1"/>
+                </a:solidFill>
+                <a:latin typeface="+mn-lt"/>
+                <a:ea typeface="+mn-ea"/>
+                <a:cs typeface="+mn-cs"/>
+              </a:defRPr>
+            </a:lvl7pPr>
+            <a:lvl8pPr marL="3429000" indent="-228600" algn="l" defTabSz="914400" rtl="0" eaLnBrk="1" latinLnBrk="0" hangingPunct="1">
+              <a:spcBef>
+                <a:spcPct val="20000"/>
+              </a:spcBef>
+              <a:buFont typeface="Arial" pitchFamily="34" charset="0"/>
+              <a:buChar char="•"/>
+              <a:defRPr sz="2000" kern="1200">
+                <a:solidFill>
+                  <a:schemeClr val="tx1"/>
+                </a:solidFill>
+                <a:latin typeface="+mn-lt"/>
+                <a:ea typeface="+mn-ea"/>
+                <a:cs typeface="+mn-cs"/>
+              </a:defRPr>
+            </a:lvl8pPr>
+            <a:lvl9pPr marL="3886200" indent="-228600" algn="l" defTabSz="914400" rtl="0" eaLnBrk="1" latinLnBrk="0" hangingPunct="1">
+              <a:spcBef>
+                <a:spcPct val="20000"/>
+              </a:spcBef>
+              <a:buFont typeface="Arial" pitchFamily="34" charset="0"/>
+              <a:buChar char="•"/>
+              <a:defRPr sz="2000" kern="1200">
+                <a:solidFill>
+                  <a:schemeClr val="tx1"/>
+                </a:solidFill>
+                <a:latin typeface="+mn-lt"/>
+                <a:ea typeface="+mn-ea"/>
+                <a:cs typeface="+mn-cs"/>
+              </a:defRPr>
+            </a:lvl9pPr>
+          </a:lstStyle>
+          <a:p>
+            <a:r>
+              <a:rPr lang="de-DE" dirty="0" err="1"/>
+              <a:t>Koeffizientenmatrix</a:t>
+            </a:r>
+            <a:r>
+              <a:rPr lang="de-DE" dirty="0"/>
+              <a:t> A:</a:t>
+            </a:r>
+          </a:p>
+        </p:txBody>
+      </p:sp>
+      <p:pic>
+        <p:nvPicPr>
+          <p:cNvPr id="10" name="Grafik 9">
+            <a:extLst>
+              <a:ext uri="{FF2B5EF4-FFF2-40B4-BE49-F238E27FC236}">
+                <a16:creationId xmlns:a16="http://schemas.microsoft.com/office/drawing/2014/main" id="{B717B4AA-FDD5-4393-B217-C19E62D8491E}"/>
+              </a:ext>
+            </a:extLst>
+          </p:cNvPr>
+          <p:cNvPicPr>
+            <a:picLocks noChangeAspect="1"/>
+          </p:cNvPicPr>
+          <p:nvPr/>
+        </p:nvPicPr>
+        <p:blipFill>
+          <a:blip r:embed="rId3"/>
+          <a:stretch>
+            <a:fillRect/>
+          </a:stretch>
+        </p:blipFill>
+        <p:spPr>
+          <a:xfrm>
+            <a:off x="604840" y="3475169"/>
+            <a:ext cx="7289004" cy="1015213"/>
+          </a:xfrm>
+          <a:prstGeom prst="rect">
+            <a:avLst/>
+          </a:prstGeom>
+        </p:spPr>
+      </p:pic>
+      <p:sp>
+        <p:nvSpPr>
+          <p:cNvPr id="12" name="Textfeld 11">
+            <a:extLst>
+              <a:ext uri="{FF2B5EF4-FFF2-40B4-BE49-F238E27FC236}">
+                <a16:creationId xmlns:a16="http://schemas.microsoft.com/office/drawing/2014/main" id="{CB1EC23D-B186-47FA-A007-2075EA2D0610}"/>
+              </a:ext>
+            </a:extLst>
+          </p:cNvPr>
+          <p:cNvSpPr txBox="1"/>
+          <p:nvPr/>
+        </p:nvSpPr>
+        <p:spPr>
+          <a:xfrm>
+            <a:off x="415281" y="3134759"/>
+            <a:ext cx="2378869" cy="307777"/>
+          </a:xfrm>
+          <a:prstGeom prst="rect">
+            <a:avLst/>
+          </a:prstGeom>
+          <a:noFill/>
+        </p:spPr>
+        <p:txBody>
+          <a:bodyPr wrap="square">
+            <a:spAutoFit/>
+          </a:bodyPr>
+          <a:lstStyle/>
+          <a:p>
+            <a:r>
+              <a:rPr lang="de-DE" sz="1400" dirty="0">
+                <a:latin typeface="+mn-lt"/>
+                <a:cs typeface="+mn-cs"/>
+              </a:rPr>
+              <a:t>Ergebnis der LU-Zerlegung:</a:t>
+            </a:r>
+          </a:p>
+        </p:txBody>
+      </p:sp>
+      <p:pic>
+        <p:nvPicPr>
+          <p:cNvPr id="14" name="Grafik 13">
+            <a:extLst>
+              <a:ext uri="{FF2B5EF4-FFF2-40B4-BE49-F238E27FC236}">
+                <a16:creationId xmlns:a16="http://schemas.microsoft.com/office/drawing/2014/main" id="{9B44CCF7-55C5-4961-BD13-B9E3459F32A7}"/>
+              </a:ext>
+            </a:extLst>
+          </p:cNvPr>
+          <p:cNvPicPr>
+            <a:picLocks noChangeAspect="1"/>
+          </p:cNvPicPr>
+          <p:nvPr/>
+        </p:nvPicPr>
+        <p:blipFill>
+          <a:blip r:embed="rId4"/>
+          <a:stretch>
+            <a:fillRect/>
+          </a:stretch>
+        </p:blipFill>
+        <p:spPr>
+          <a:xfrm>
+            <a:off x="4572000" y="1919414"/>
+            <a:ext cx="1717327" cy="963659"/>
+          </a:xfrm>
+          <a:prstGeom prst="rect">
+            <a:avLst/>
+          </a:prstGeom>
+        </p:spPr>
+      </p:pic>
+    </p:spTree>
+    <p:extLst>
+      <p:ext uri="{BB962C8B-B14F-4D97-AF65-F5344CB8AC3E}">
+        <p14:creationId xmlns:p14="http://schemas.microsoft.com/office/powerpoint/2010/main" val="1791090806"/>
+      </p:ext>
+    </p:extLst>
+  </p:cSld>
+  <p:clrMapOvr>
+    <a:masterClrMapping/>
+  </p:clrMapOvr>
+</p:sld>
+</file>
+
+<file path=ppt/slides/slide5.xml><?xml version="1.0" encoding="utf-8"?>
+<p:sld xmlns:a="http://schemas.openxmlformats.org/drawingml/2006/main" xmlns:r="http://schemas.openxmlformats.org/officeDocument/2006/relationships" xmlns:p="http://schemas.openxmlformats.org/presentationml/2006/main">
+  <p:cSld>
+    <p:spTree>
+      <p:nvGrpSpPr>
+        <p:cNvPr id="1" name=""/>
+        <p:cNvGrpSpPr/>
+        <p:nvPr/>
+      </p:nvGrpSpPr>
+      <p:grpSpPr>
+        <a:xfrm>
+          <a:off x="0" y="0"/>
+          <a:ext cx="0" cy="0"/>
+          <a:chOff x="0" y="0"/>
+          <a:chExt cx="0" cy="0"/>
+        </a:xfrm>
+      </p:grpSpPr>
+      <p:sp>
+        <p:nvSpPr>
+          <p:cNvPr id="4" name="Titel 3"/>
+          <p:cNvSpPr>
+            <a:spLocks noGrp="1"/>
+          </p:cNvSpPr>
+          <p:nvPr>
+            <p:ph type="title"/>
+          </p:nvPr>
+        </p:nvSpPr>
+        <p:spPr>
+          <a:xfrm>
+            <a:off x="318009" y="895198"/>
+            <a:ext cx="8508999" cy="380810"/>
+          </a:xfrm>
+        </p:spPr>
+        <p:txBody>
+          <a:bodyPr/>
+          <a:lstStyle/>
+          <a:p>
+            <a:r>
+              <a:rPr lang="de-DE" dirty="0"/>
+              <a:t>Lösungsansatz</a:t>
+            </a:r>
+          </a:p>
+        </p:txBody>
+      </p:sp>
+      <p:sp>
+        <p:nvSpPr>
+          <p:cNvPr id="5" name="Foliennummernplatzhalter 4"/>
+          <p:cNvSpPr>
+            <a:spLocks noGrp="1"/>
+          </p:cNvSpPr>
+          <p:nvPr>
+            <p:ph type="sldNum" sz="quarter" idx="15"/>
+          </p:nvPr>
+        </p:nvSpPr>
+        <p:spPr/>
+        <p:txBody>
+          <a:bodyPr/>
+          <a:lstStyle/>
+          <a:p>
+            <a:fld id="{CE58CB1E-F828-4F11-99E0-327109AF9DA4}" type="slidenum">
+              <a:rPr lang="de-DE" smtClean="0"/>
+              <a:pPr/>
+              <a:t>5</a:t>
+            </a:fld>
+            <a:endParaRPr lang="de-DE" dirty="0"/>
+          </a:p>
+        </p:txBody>
+      </p:sp>
+      <p:sp>
+        <p:nvSpPr>
+          <p:cNvPr id="3" name="Textplatzhalter 2"/>
+          <p:cNvSpPr>
+            <a:spLocks noGrp="1"/>
+          </p:cNvSpPr>
+          <p:nvPr>
+            <p:ph type="body" sz="quarter" idx="18"/>
+          </p:nvPr>
+        </p:nvSpPr>
+        <p:spPr>
+          <a:xfrm>
+            <a:off x="460758" y="1663460"/>
+            <a:ext cx="8508999" cy="495780"/>
+          </a:xfrm>
+          <a:prstGeom prst="rect">
+            <a:avLst/>
+          </a:prstGeom>
+        </p:spPr>
+        <p:txBody>
+          <a:bodyPr/>
+          <a:lstStyle/>
+          <a:p>
+            <a:r>
+              <a:rPr lang="de-DE" dirty="0"/>
+              <a:t>Beispiel für Zeilenvertauschungen</a:t>
+            </a:r>
+          </a:p>
+        </p:txBody>
+      </p:sp>
+      <p:pic>
+        <p:nvPicPr>
+          <p:cNvPr id="10" name="Picture 9">
+            <a:extLst>
+              <a:ext uri="{FF2B5EF4-FFF2-40B4-BE49-F238E27FC236}">
+                <a16:creationId xmlns:a16="http://schemas.microsoft.com/office/drawing/2014/main" id="{060163A0-4C65-461D-AA00-C4A0BA672FBD}"/>
+              </a:ext>
+            </a:extLst>
+          </p:cNvPr>
+          <p:cNvPicPr>
+            <a:picLocks noChangeAspect="1"/>
+          </p:cNvPicPr>
+          <p:nvPr/>
+        </p:nvPicPr>
+        <p:blipFill>
+          <a:blip r:embed="rId2"/>
+          <a:stretch>
+            <a:fillRect/>
+          </a:stretch>
+        </p:blipFill>
+        <p:spPr>
+          <a:xfrm>
+            <a:off x="2081282" y="2571750"/>
+            <a:ext cx="4981436" cy="1166155"/>
+          </a:xfrm>
+          <a:prstGeom prst="rect">
+            <a:avLst/>
+          </a:prstGeom>
+        </p:spPr>
+      </p:pic>
+      <p:sp>
+        <p:nvSpPr>
+          <p:cNvPr id="7" name="Fußzeilenplatzhalter 4">
+            <a:extLst>
+              <a:ext uri="{FF2B5EF4-FFF2-40B4-BE49-F238E27FC236}">
+                <a16:creationId xmlns:a16="http://schemas.microsoft.com/office/drawing/2014/main" id="{AD5B4A82-F5A3-44D0-8F4F-FA2292A45571}"/>
+              </a:ext>
+            </a:extLst>
+          </p:cNvPr>
+          <p:cNvSpPr txBox="1">
+            <a:spLocks/>
+          </p:cNvSpPr>
+          <p:nvPr/>
+        </p:nvSpPr>
+        <p:spPr>
+          <a:xfrm>
+            <a:off x="311162" y="4854985"/>
+            <a:ext cx="6464280" cy="273844"/>
+          </a:xfrm>
+          <a:prstGeom prst="rect">
+            <a:avLst/>
+          </a:prstGeom>
+        </p:spPr>
+        <p:txBody>
+          <a:bodyPr/>
+          <a:lstStyle>
+            <a:defPPr>
+              <a:defRPr lang="de-DE"/>
+            </a:defPPr>
+            <a:lvl1pPr algn="l" rtl="0" fontAlgn="base">
+              <a:spcBef>
+                <a:spcPct val="0"/>
+              </a:spcBef>
+              <a:spcAft>
+                <a:spcPct val="0"/>
+              </a:spcAft>
+              <a:defRPr kern="1200">
+                <a:solidFill>
+                  <a:schemeClr val="tx1"/>
+                </a:solidFill>
+                <a:latin typeface="Arial" charset="0"/>
+                <a:ea typeface="+mn-ea"/>
+                <a:cs typeface="Arial" charset="0"/>
+              </a:defRPr>
+            </a:lvl1pPr>
+            <a:lvl2pPr marL="457200" algn="l" rtl="0" fontAlgn="base">
+              <a:spcBef>
+                <a:spcPct val="0"/>
+              </a:spcBef>
+              <a:spcAft>
+                <a:spcPct val="0"/>
+              </a:spcAft>
+              <a:defRPr kern="1200">
+                <a:solidFill>
+                  <a:schemeClr val="tx1"/>
+                </a:solidFill>
+                <a:latin typeface="Arial" charset="0"/>
+                <a:ea typeface="+mn-ea"/>
+                <a:cs typeface="Arial" charset="0"/>
+              </a:defRPr>
+            </a:lvl2pPr>
+            <a:lvl3pPr marL="914400" algn="l" rtl="0" fontAlgn="base">
+              <a:spcBef>
+                <a:spcPct val="0"/>
+              </a:spcBef>
+              <a:spcAft>
+                <a:spcPct val="0"/>
+              </a:spcAft>
+              <a:defRPr kern="1200">
+                <a:solidFill>
+                  <a:schemeClr val="tx1"/>
+                </a:solidFill>
+                <a:latin typeface="Arial" charset="0"/>
+                <a:ea typeface="+mn-ea"/>
+                <a:cs typeface="Arial" charset="0"/>
+              </a:defRPr>
+            </a:lvl3pPr>
+            <a:lvl4pPr marL="1371600" algn="l" rtl="0" fontAlgn="base">
+              <a:spcBef>
+                <a:spcPct val="0"/>
+              </a:spcBef>
+              <a:spcAft>
+                <a:spcPct val="0"/>
+              </a:spcAft>
+              <a:defRPr kern="1200">
+                <a:solidFill>
+                  <a:schemeClr val="tx1"/>
+                </a:solidFill>
+                <a:latin typeface="Arial" charset="0"/>
+                <a:ea typeface="+mn-ea"/>
+                <a:cs typeface="Arial" charset="0"/>
+              </a:defRPr>
+            </a:lvl4pPr>
+            <a:lvl5pPr marL="1828800" algn="l" rtl="0" fontAlgn="base">
+              <a:spcBef>
+                <a:spcPct val="0"/>
+              </a:spcBef>
+              <a:spcAft>
+                <a:spcPct val="0"/>
+              </a:spcAft>
+              <a:defRPr kern="1200">
+                <a:solidFill>
+                  <a:schemeClr val="tx1"/>
+                </a:solidFill>
+                <a:latin typeface="Arial" charset="0"/>
+                <a:ea typeface="+mn-ea"/>
+                <a:cs typeface="Arial" charset="0"/>
+              </a:defRPr>
+            </a:lvl5pPr>
+            <a:lvl6pPr marL="2286000" algn="l" defTabSz="914400" rtl="0" eaLnBrk="1" latinLnBrk="0" hangingPunct="1">
+              <a:defRPr kern="1200">
+                <a:solidFill>
+                  <a:schemeClr val="tx1"/>
+                </a:solidFill>
+                <a:latin typeface="Arial" charset="0"/>
+                <a:ea typeface="+mn-ea"/>
+                <a:cs typeface="Arial" charset="0"/>
+              </a:defRPr>
+            </a:lvl6pPr>
+            <a:lvl7pPr marL="2743200" algn="l" defTabSz="914400" rtl="0" eaLnBrk="1" latinLnBrk="0" hangingPunct="1">
+              <a:defRPr kern="1200">
+                <a:solidFill>
+                  <a:schemeClr val="tx1"/>
+                </a:solidFill>
+                <a:latin typeface="Arial" charset="0"/>
+                <a:ea typeface="+mn-ea"/>
+                <a:cs typeface="Arial" charset="0"/>
+              </a:defRPr>
+            </a:lvl7pPr>
+            <a:lvl8pPr marL="3200400" algn="l" defTabSz="914400" rtl="0" eaLnBrk="1" latinLnBrk="0" hangingPunct="1">
+              <a:defRPr kern="1200">
+                <a:solidFill>
+                  <a:schemeClr val="tx1"/>
+                </a:solidFill>
+                <a:latin typeface="Arial" charset="0"/>
+                <a:ea typeface="+mn-ea"/>
+                <a:cs typeface="Arial" charset="0"/>
+              </a:defRPr>
+            </a:lvl8pPr>
+            <a:lvl9pPr marL="3657600" algn="l" defTabSz="914400" rtl="0" eaLnBrk="1" latinLnBrk="0" hangingPunct="1">
+              <a:defRPr kern="1200">
+                <a:solidFill>
+                  <a:schemeClr val="tx1"/>
+                </a:solidFill>
+                <a:latin typeface="Arial" charset="0"/>
+                <a:ea typeface="+mn-ea"/>
+                <a:cs typeface="Arial" charset="0"/>
+              </a:defRPr>
+            </a:lvl9pPr>
+          </a:lstStyle>
+          <a:p>
+            <a:r>
+              <a:rPr lang="de-DE" sz="1000"/>
+              <a:t>Von Aleksandre Kandelaki, Matthias Staritz und Benjamin Liertz</a:t>
+            </a:r>
+            <a:endParaRPr lang="de-DE" sz="1000" dirty="0"/>
+          </a:p>
+        </p:txBody>
+      </p:sp>
+    </p:spTree>
+  </p:cSld>
+  <p:clrMapOvr>
+    <a:masterClrMapping/>
+  </p:clrMapOvr>
+</p:sld>
+</file>
+
+<file path=ppt/slides/slide6.xml><?xml version="1.0" encoding="utf-8"?>
+<p:sld xmlns:a="http://schemas.openxmlformats.org/drawingml/2006/main" xmlns:r="http://schemas.openxmlformats.org/officeDocument/2006/relationships" xmlns:p="http://schemas.openxmlformats.org/presentationml/2006/main">
+  <p:cSld>
+    <p:spTree>
+      <p:nvGrpSpPr>
+        <p:cNvPr id="1" name=""/>
+        <p:cNvGrpSpPr/>
+        <p:nvPr/>
+      </p:nvGrpSpPr>
+      <p:grpSpPr>
+        <a:xfrm>
+          <a:off x="0" y="0"/>
+          <a:ext cx="0" cy="0"/>
+          <a:chOff x="0" y="0"/>
+          <a:chExt cx="0" cy="0"/>
+        </a:xfrm>
+      </p:grpSpPr>
+      <p:sp>
+        <p:nvSpPr>
+          <p:cNvPr id="4" name="Titel 3"/>
+          <p:cNvSpPr>
+            <a:spLocks noGrp="1"/>
+          </p:cNvSpPr>
+          <p:nvPr>
+            <p:ph type="title"/>
+          </p:nvPr>
+        </p:nvSpPr>
+        <p:spPr>
+          <a:xfrm>
+            <a:off x="318009" y="895198"/>
+            <a:ext cx="8508999" cy="380810"/>
+          </a:xfrm>
+        </p:spPr>
+        <p:txBody>
+          <a:bodyPr/>
+          <a:lstStyle/>
+          <a:p>
+            <a:r>
+              <a:rPr lang="de-DE" dirty="0"/>
+              <a:t>Lösungsansatz</a:t>
+            </a:r>
+          </a:p>
+        </p:txBody>
+      </p:sp>
+      <p:sp>
+        <p:nvSpPr>
+          <p:cNvPr id="5" name="Foliennummernplatzhalter 4"/>
+          <p:cNvSpPr>
+            <a:spLocks noGrp="1"/>
+          </p:cNvSpPr>
+          <p:nvPr>
+            <p:ph type="sldNum" sz="quarter" idx="15"/>
+          </p:nvPr>
+        </p:nvSpPr>
+        <p:spPr/>
+        <p:txBody>
+          <a:bodyPr/>
+          <a:lstStyle/>
+          <a:p>
+            <a:fld id="{CE58CB1E-F828-4F11-99E0-327109AF9DA4}" type="slidenum">
+              <a:rPr lang="de-DE" smtClean="0"/>
+              <a:pPr/>
+              <a:t>6</a:t>
+            </a:fld>
+            <a:endParaRPr lang="de-DE" dirty="0"/>
+          </a:p>
+        </p:txBody>
+      </p:sp>
+      <p:sp>
+        <p:nvSpPr>
+          <p:cNvPr id="3" name="Textplatzhalter 2"/>
+          <p:cNvSpPr>
+            <a:spLocks noGrp="1"/>
+          </p:cNvSpPr>
+          <p:nvPr>
+            <p:ph type="body" sz="quarter" idx="18"/>
+          </p:nvPr>
+        </p:nvSpPr>
+        <p:spPr>
+          <a:xfrm>
+            <a:off x="460757" y="1656384"/>
+            <a:ext cx="8508999" cy="495780"/>
+          </a:xfrm>
+          <a:prstGeom prst="rect">
+            <a:avLst/>
+          </a:prstGeom>
+        </p:spPr>
+        <p:txBody>
+          <a:bodyPr/>
+          <a:lstStyle/>
+          <a:p>
+            <a:r>
+              <a:rPr lang="de-DE" dirty="0"/>
+              <a:t>Beispiel für Zeilenaddition mit Faktor</a:t>
+            </a:r>
+          </a:p>
+        </p:txBody>
+      </p:sp>
+      <p:pic>
+        <p:nvPicPr>
+          <p:cNvPr id="7" name="Picture 6">
+            <a:extLst>
+              <a:ext uri="{FF2B5EF4-FFF2-40B4-BE49-F238E27FC236}">
+                <a16:creationId xmlns:a16="http://schemas.microsoft.com/office/drawing/2014/main" id="{B7D67581-50F4-4413-8FAC-9D9B55E3A8D6}"/>
+              </a:ext>
+            </a:extLst>
+          </p:cNvPr>
+          <p:cNvPicPr>
+            <a:picLocks noChangeAspect="1"/>
+          </p:cNvPicPr>
+          <p:nvPr/>
+        </p:nvPicPr>
+        <p:blipFill>
+          <a:blip r:embed="rId2"/>
+          <a:stretch>
+            <a:fillRect/>
+          </a:stretch>
+        </p:blipFill>
+        <p:spPr>
+          <a:xfrm>
+            <a:off x="1885576" y="2576406"/>
+            <a:ext cx="5372847" cy="1214285"/>
+          </a:xfrm>
+          <a:prstGeom prst="rect">
+            <a:avLst/>
+          </a:prstGeom>
+        </p:spPr>
+      </p:pic>
+      <p:sp>
+        <p:nvSpPr>
+          <p:cNvPr id="8" name="Fußzeilenplatzhalter 4">
+            <a:extLst>
+              <a:ext uri="{FF2B5EF4-FFF2-40B4-BE49-F238E27FC236}">
+                <a16:creationId xmlns:a16="http://schemas.microsoft.com/office/drawing/2014/main" id="{FD18293F-AADA-46C0-9612-636E09ACCC99}"/>
+              </a:ext>
+            </a:extLst>
+          </p:cNvPr>
+          <p:cNvSpPr txBox="1">
+            <a:spLocks/>
+          </p:cNvSpPr>
+          <p:nvPr/>
+        </p:nvSpPr>
+        <p:spPr>
+          <a:xfrm>
+            <a:off x="311162" y="4854985"/>
+            <a:ext cx="6464280" cy="273844"/>
+          </a:xfrm>
+          <a:prstGeom prst="rect">
+            <a:avLst/>
+          </a:prstGeom>
+        </p:spPr>
+        <p:txBody>
+          <a:bodyPr/>
+          <a:lstStyle>
+            <a:defPPr>
+              <a:defRPr lang="de-DE"/>
+            </a:defPPr>
+            <a:lvl1pPr algn="l" rtl="0" fontAlgn="base">
+              <a:spcBef>
+                <a:spcPct val="0"/>
+              </a:spcBef>
+              <a:spcAft>
+                <a:spcPct val="0"/>
+              </a:spcAft>
+              <a:defRPr kern="1200">
+                <a:solidFill>
+                  <a:schemeClr val="tx1"/>
+                </a:solidFill>
+                <a:latin typeface="Arial" charset="0"/>
+                <a:ea typeface="+mn-ea"/>
+                <a:cs typeface="Arial" charset="0"/>
+              </a:defRPr>
+            </a:lvl1pPr>
+            <a:lvl2pPr marL="457200" algn="l" rtl="0" fontAlgn="base">
+              <a:spcBef>
+                <a:spcPct val="0"/>
+              </a:spcBef>
+              <a:spcAft>
+                <a:spcPct val="0"/>
+              </a:spcAft>
+              <a:defRPr kern="1200">
+                <a:solidFill>
+                  <a:schemeClr val="tx1"/>
+                </a:solidFill>
+                <a:latin typeface="Arial" charset="0"/>
+                <a:ea typeface="+mn-ea"/>
+                <a:cs typeface="Arial" charset="0"/>
+              </a:defRPr>
+            </a:lvl2pPr>
+            <a:lvl3pPr marL="914400" algn="l" rtl="0" fontAlgn="base">
+              <a:spcBef>
+                <a:spcPct val="0"/>
+              </a:spcBef>
+              <a:spcAft>
+                <a:spcPct val="0"/>
+              </a:spcAft>
+              <a:defRPr kern="1200">
+                <a:solidFill>
+                  <a:schemeClr val="tx1"/>
+                </a:solidFill>
+                <a:latin typeface="Arial" charset="0"/>
+                <a:ea typeface="+mn-ea"/>
+                <a:cs typeface="Arial" charset="0"/>
+              </a:defRPr>
+            </a:lvl3pPr>
+            <a:lvl4pPr marL="1371600" algn="l" rtl="0" fontAlgn="base">
+              <a:spcBef>
+                <a:spcPct val="0"/>
+              </a:spcBef>
+              <a:spcAft>
+                <a:spcPct val="0"/>
+              </a:spcAft>
+              <a:defRPr kern="1200">
+                <a:solidFill>
+                  <a:schemeClr val="tx1"/>
+                </a:solidFill>
+                <a:latin typeface="Arial" charset="0"/>
+                <a:ea typeface="+mn-ea"/>
+                <a:cs typeface="Arial" charset="0"/>
+              </a:defRPr>
+            </a:lvl4pPr>
+            <a:lvl5pPr marL="1828800" algn="l" rtl="0" fontAlgn="base">
+              <a:spcBef>
+                <a:spcPct val="0"/>
+              </a:spcBef>
+              <a:spcAft>
+                <a:spcPct val="0"/>
+              </a:spcAft>
+              <a:defRPr kern="1200">
+                <a:solidFill>
+                  <a:schemeClr val="tx1"/>
+                </a:solidFill>
+                <a:latin typeface="Arial" charset="0"/>
+                <a:ea typeface="+mn-ea"/>
+                <a:cs typeface="Arial" charset="0"/>
+              </a:defRPr>
+            </a:lvl5pPr>
+            <a:lvl6pPr marL="2286000" algn="l" defTabSz="914400" rtl="0" eaLnBrk="1" latinLnBrk="0" hangingPunct="1">
+              <a:defRPr kern="1200">
+                <a:solidFill>
+                  <a:schemeClr val="tx1"/>
+                </a:solidFill>
+                <a:latin typeface="Arial" charset="0"/>
+                <a:ea typeface="+mn-ea"/>
+                <a:cs typeface="Arial" charset="0"/>
+              </a:defRPr>
+            </a:lvl6pPr>
+            <a:lvl7pPr marL="2743200" algn="l" defTabSz="914400" rtl="0" eaLnBrk="1" latinLnBrk="0" hangingPunct="1">
+              <a:defRPr kern="1200">
+                <a:solidFill>
+                  <a:schemeClr val="tx1"/>
+                </a:solidFill>
+                <a:latin typeface="Arial" charset="0"/>
+                <a:ea typeface="+mn-ea"/>
+                <a:cs typeface="Arial" charset="0"/>
+              </a:defRPr>
+            </a:lvl7pPr>
+            <a:lvl8pPr marL="3200400" algn="l" defTabSz="914400" rtl="0" eaLnBrk="1" latinLnBrk="0" hangingPunct="1">
+              <a:defRPr kern="1200">
+                <a:solidFill>
+                  <a:schemeClr val="tx1"/>
+                </a:solidFill>
+                <a:latin typeface="Arial" charset="0"/>
+                <a:ea typeface="+mn-ea"/>
+                <a:cs typeface="Arial" charset="0"/>
+              </a:defRPr>
+            </a:lvl8pPr>
+            <a:lvl9pPr marL="3657600" algn="l" defTabSz="914400" rtl="0" eaLnBrk="1" latinLnBrk="0" hangingPunct="1">
+              <a:defRPr kern="1200">
+                <a:solidFill>
+                  <a:schemeClr val="tx1"/>
+                </a:solidFill>
+                <a:latin typeface="Arial" charset="0"/>
+                <a:ea typeface="+mn-ea"/>
+                <a:cs typeface="Arial" charset="0"/>
+              </a:defRPr>
+            </a:lvl9pPr>
+          </a:lstStyle>
+          <a:p>
+            <a:r>
+              <a:rPr lang="de-DE" sz="1000"/>
+              <a:t>Von Aleksandre Kandelaki, Matthias Staritz und Benjamin Liertz</a:t>
+            </a:r>
+            <a:endParaRPr lang="de-DE" sz="1000" dirty="0"/>
+          </a:p>
+        </p:txBody>
+      </p:sp>
+    </p:spTree>
+    <p:extLst>
+      <p:ext uri="{BB962C8B-B14F-4D97-AF65-F5344CB8AC3E}">
+        <p14:creationId xmlns:p14="http://schemas.microsoft.com/office/powerpoint/2010/main" val="3483034412"/>
+      </p:ext>
+    </p:extLst>
+  </p:cSld>
+  <p:clrMapOvr>
+    <a:masterClrMapping/>
+  </p:clrMapOvr>
+</p:sld>
+</file>
+
+<file path=ppt/slides/slide7.xml><?xml version="1.0" encoding="utf-8"?>
+<p:sld xmlns:a="http://schemas.openxmlformats.org/drawingml/2006/main" xmlns:r="http://schemas.openxmlformats.org/officeDocument/2006/relationships" xmlns:p="http://schemas.openxmlformats.org/presentationml/2006/main">
+  <p:cSld>
+    <p:spTree>
+      <p:nvGrpSpPr>
+        <p:cNvPr id="1" name=""/>
+        <p:cNvGrpSpPr/>
+        <p:nvPr/>
+      </p:nvGrpSpPr>
+      <p:grpSpPr>
+        <a:xfrm>
+          <a:off x="0" y="0"/>
+          <a:ext cx="0" cy="0"/>
+          <a:chOff x="0" y="0"/>
+          <a:chExt cx="0" cy="0"/>
+        </a:xfrm>
+      </p:grpSpPr>
+      <p:sp>
+        <p:nvSpPr>
+          <p:cNvPr id="4" name="Foliennummernplatzhalter 3"/>
+          <p:cNvSpPr>
+            <a:spLocks noGrp="1"/>
+          </p:cNvSpPr>
+          <p:nvPr>
+            <p:ph type="sldNum" sz="quarter" idx="15"/>
+          </p:nvPr>
+        </p:nvSpPr>
+        <p:spPr/>
+        <p:txBody>
+          <a:bodyPr/>
+          <a:lstStyle/>
+          <a:p>
+            <a:fld id="{CE58CB1E-F828-4F11-99E0-327109AF9DA4}" type="slidenum">
+              <a:rPr lang="de-DE" smtClean="0"/>
+              <a:pPr/>
+              <a:t>7</a:t>
+            </a:fld>
+            <a:endParaRPr lang="de-DE" dirty="0"/>
+          </a:p>
+        </p:txBody>
+      </p:sp>
+      <p:pic>
+        <p:nvPicPr>
+          <p:cNvPr id="11" name="Picture 10">
+            <a:extLst>
+              <a:ext uri="{FF2B5EF4-FFF2-40B4-BE49-F238E27FC236}">
+                <a16:creationId xmlns:a16="http://schemas.microsoft.com/office/drawing/2014/main" id="{3749A99D-08C8-45DA-AA7B-3121F9BD473C}"/>
+              </a:ext>
+            </a:extLst>
+          </p:cNvPr>
+          <p:cNvPicPr>
+            <a:picLocks noChangeAspect="1"/>
+          </p:cNvPicPr>
+          <p:nvPr/>
+        </p:nvPicPr>
+        <p:blipFill rotWithShape="1">
+          <a:blip r:embed="rId2"/>
+          <a:srcRect l="83076"/>
+          <a:stretch/>
+        </p:blipFill>
+        <p:spPr>
+          <a:xfrm>
+            <a:off x="6164753" y="1937061"/>
+            <a:ext cx="708431" cy="649721"/>
+          </a:xfrm>
+          <a:prstGeom prst="rect">
+            <a:avLst/>
+          </a:prstGeom>
+        </p:spPr>
+      </p:pic>
+      <p:pic>
+        <p:nvPicPr>
+          <p:cNvPr id="15" name="Picture 14">
+            <a:extLst>
+              <a:ext uri="{FF2B5EF4-FFF2-40B4-BE49-F238E27FC236}">
+                <a16:creationId xmlns:a16="http://schemas.microsoft.com/office/drawing/2014/main" id="{98DE408A-2F19-4AA4-A583-2EF0167C87A9}"/>
+              </a:ext>
+            </a:extLst>
+          </p:cNvPr>
+          <p:cNvPicPr>
+            <a:picLocks noChangeAspect="1"/>
+          </p:cNvPicPr>
+          <p:nvPr/>
+        </p:nvPicPr>
+        <p:blipFill rotWithShape="1">
+          <a:blip r:embed="rId3"/>
+          <a:srcRect l="67963" r="969"/>
+          <a:stretch/>
+        </p:blipFill>
+        <p:spPr>
+          <a:xfrm>
+            <a:off x="6166333" y="885938"/>
+            <a:ext cx="1050925" cy="668434"/>
+          </a:xfrm>
+          <a:prstGeom prst="rect">
+            <a:avLst/>
+          </a:prstGeom>
+        </p:spPr>
+      </p:pic>
+      <p:pic>
+        <p:nvPicPr>
+          <p:cNvPr id="17" name="Picture 16">
+            <a:extLst>
+              <a:ext uri="{FF2B5EF4-FFF2-40B4-BE49-F238E27FC236}">
+                <a16:creationId xmlns:a16="http://schemas.microsoft.com/office/drawing/2014/main" id="{D6ADDD33-EB0A-4826-B547-C4CEA91FC667}"/>
+              </a:ext>
+            </a:extLst>
+          </p:cNvPr>
+          <p:cNvPicPr>
+            <a:picLocks noChangeAspect="1"/>
+          </p:cNvPicPr>
+          <p:nvPr/>
+        </p:nvPicPr>
+        <p:blipFill rotWithShape="1">
+          <a:blip r:embed="rId3"/>
+          <a:srcRect r="78721"/>
+          <a:stretch/>
+        </p:blipFill>
+        <p:spPr>
+          <a:xfrm>
+            <a:off x="2032022" y="904227"/>
+            <a:ext cx="719791" cy="668434"/>
+          </a:xfrm>
+          <a:prstGeom prst="rect">
+            <a:avLst/>
+          </a:prstGeom>
+        </p:spPr>
+      </p:pic>
+      <p:pic>
+        <p:nvPicPr>
+          <p:cNvPr id="18" name="Picture 17">
+            <a:extLst>
+              <a:ext uri="{FF2B5EF4-FFF2-40B4-BE49-F238E27FC236}">
+                <a16:creationId xmlns:a16="http://schemas.microsoft.com/office/drawing/2014/main" id="{7F8E58F9-4FDF-4D47-97C3-72A4E2E41503}"/>
+              </a:ext>
+            </a:extLst>
+          </p:cNvPr>
+          <p:cNvPicPr>
+            <a:picLocks noChangeAspect="1"/>
+          </p:cNvPicPr>
+          <p:nvPr/>
+        </p:nvPicPr>
+        <p:blipFill rotWithShape="1">
+          <a:blip r:embed="rId3"/>
+          <a:srcRect l="29215" r="37371"/>
+          <a:stretch/>
+        </p:blipFill>
+        <p:spPr>
+          <a:xfrm>
+            <a:off x="3893923" y="904227"/>
+            <a:ext cx="1130300" cy="668434"/>
+          </a:xfrm>
+          <a:prstGeom prst="rect">
+            <a:avLst/>
+          </a:prstGeom>
+        </p:spPr>
+      </p:pic>
+      <p:pic>
+        <p:nvPicPr>
+          <p:cNvPr id="19" name="Picture 18">
+            <a:extLst>
+              <a:ext uri="{FF2B5EF4-FFF2-40B4-BE49-F238E27FC236}">
+                <a16:creationId xmlns:a16="http://schemas.microsoft.com/office/drawing/2014/main" id="{D47CFB04-1956-49E8-B7AE-FAF88954BD65}"/>
+              </a:ext>
+            </a:extLst>
+          </p:cNvPr>
+          <p:cNvPicPr>
+            <a:picLocks noChangeAspect="1"/>
+          </p:cNvPicPr>
+          <p:nvPr/>
+        </p:nvPicPr>
+        <p:blipFill rotWithShape="1">
+          <a:blip r:embed="rId2"/>
+          <a:srcRect l="40449" r="21854"/>
+          <a:stretch/>
+        </p:blipFill>
+        <p:spPr>
+          <a:xfrm>
+            <a:off x="3900194" y="1922029"/>
+            <a:ext cx="1577975" cy="649721"/>
+          </a:xfrm>
+          <a:prstGeom prst="rect">
+            <a:avLst/>
+          </a:prstGeom>
+        </p:spPr>
+      </p:pic>
+      <p:pic>
+        <p:nvPicPr>
+          <p:cNvPr id="20" name="Picture 19">
+            <a:extLst>
+              <a:ext uri="{FF2B5EF4-FFF2-40B4-BE49-F238E27FC236}">
+                <a16:creationId xmlns:a16="http://schemas.microsoft.com/office/drawing/2014/main" id="{1E6CF974-86DC-4B32-B0B3-BD4D2F0B4503}"/>
+              </a:ext>
+            </a:extLst>
+          </p:cNvPr>
+          <p:cNvPicPr>
+            <a:picLocks noChangeAspect="1"/>
+          </p:cNvPicPr>
+          <p:nvPr/>
+        </p:nvPicPr>
+        <p:blipFill rotWithShape="1">
+          <a:blip r:embed="rId2"/>
+          <a:srcRect r="64329"/>
+          <a:stretch/>
+        </p:blipFill>
+        <p:spPr>
+          <a:xfrm>
+            <a:off x="2024673" y="1937062"/>
+            <a:ext cx="1493184" cy="649721"/>
+          </a:xfrm>
+          <a:prstGeom prst="rect">
+            <a:avLst/>
+          </a:prstGeom>
+        </p:spPr>
+      </p:pic>
+      <p:pic>
+        <p:nvPicPr>
+          <p:cNvPr id="21" name="Picture 20">
+            <a:extLst>
+              <a:ext uri="{FF2B5EF4-FFF2-40B4-BE49-F238E27FC236}">
+                <a16:creationId xmlns:a16="http://schemas.microsoft.com/office/drawing/2014/main" id="{09A03A58-39B3-49F8-8301-8C0522124E2F}"/>
+              </a:ext>
+            </a:extLst>
+          </p:cNvPr>
+          <p:cNvPicPr>
+            <a:picLocks noChangeAspect="1"/>
+          </p:cNvPicPr>
+          <p:nvPr/>
+        </p:nvPicPr>
+        <p:blipFill rotWithShape="1">
+          <a:blip r:embed="rId4"/>
+          <a:srcRect l="40484" r="23700"/>
+          <a:stretch/>
+        </p:blipFill>
+        <p:spPr>
+          <a:xfrm>
+            <a:off x="3900194" y="2958517"/>
+            <a:ext cx="1314450" cy="615950"/>
+          </a:xfrm>
+          <a:prstGeom prst="rect">
+            <a:avLst/>
+          </a:prstGeom>
+        </p:spPr>
+      </p:pic>
+      <p:pic>
+        <p:nvPicPr>
+          <p:cNvPr id="22" name="Picture 21">
+            <a:extLst>
+              <a:ext uri="{FF2B5EF4-FFF2-40B4-BE49-F238E27FC236}">
+                <a16:creationId xmlns:a16="http://schemas.microsoft.com/office/drawing/2014/main" id="{D48332F5-95EB-4E8E-8DCB-A245F3B75031}"/>
+              </a:ext>
+            </a:extLst>
+          </p:cNvPr>
+          <p:cNvPicPr>
+            <a:picLocks noChangeAspect="1"/>
+          </p:cNvPicPr>
+          <p:nvPr/>
+        </p:nvPicPr>
+        <p:blipFill rotWithShape="1">
+          <a:blip r:embed="rId4"/>
+          <a:srcRect r="64448"/>
+          <a:stretch/>
+        </p:blipFill>
+        <p:spPr>
+          <a:xfrm>
+            <a:off x="2032022" y="2958517"/>
+            <a:ext cx="1304792" cy="615950"/>
+          </a:xfrm>
+          <a:prstGeom prst="rect">
+            <a:avLst/>
+          </a:prstGeom>
+        </p:spPr>
+      </p:pic>
+      <p:pic>
+        <p:nvPicPr>
+          <p:cNvPr id="24" name="Picture 23">
+            <a:extLst>
+              <a:ext uri="{FF2B5EF4-FFF2-40B4-BE49-F238E27FC236}">
+                <a16:creationId xmlns:a16="http://schemas.microsoft.com/office/drawing/2014/main" id="{14FCC22E-7DB7-4B62-9D56-96739B6F4260}"/>
+              </a:ext>
+            </a:extLst>
+          </p:cNvPr>
+          <p:cNvPicPr>
+            <a:picLocks noChangeAspect="1"/>
+          </p:cNvPicPr>
+          <p:nvPr/>
+        </p:nvPicPr>
+        <p:blipFill rotWithShape="1">
+          <a:blip r:embed="rId2"/>
+          <a:srcRect l="83076"/>
+          <a:stretch/>
+        </p:blipFill>
+        <p:spPr>
+          <a:xfrm>
+            <a:off x="6164752" y="2938576"/>
+            <a:ext cx="708431" cy="649721"/>
+          </a:xfrm>
+          <a:prstGeom prst="rect">
+            <a:avLst/>
+          </a:prstGeom>
+        </p:spPr>
+      </p:pic>
+      <p:cxnSp>
+        <p:nvCxnSpPr>
+          <p:cNvPr id="26" name="Straight Arrow Connector 25">
+            <a:extLst>
+              <a:ext uri="{FF2B5EF4-FFF2-40B4-BE49-F238E27FC236}">
+                <a16:creationId xmlns:a16="http://schemas.microsoft.com/office/drawing/2014/main" id="{64E2EE74-8508-47E0-924B-CE733125FE1C}"/>
+              </a:ext>
+            </a:extLst>
+          </p:cNvPr>
+          <p:cNvCxnSpPr>
+            <a:cxnSpLocks/>
+          </p:cNvCxnSpPr>
+          <p:nvPr/>
+        </p:nvCxnSpPr>
+        <p:spPr>
+          <a:xfrm>
+            <a:off x="2380886" y="1662405"/>
+            <a:ext cx="0" cy="179204"/>
+          </a:xfrm>
+          <a:prstGeom prst="straightConnector1">
+            <a:avLst/>
+          </a:prstGeom>
+          <a:ln>
+            <a:tailEnd type="triangle"/>
+          </a:ln>
+        </p:spPr>
+        <p:style>
+          <a:lnRef idx="1">
+            <a:schemeClr val="dk1"/>
+          </a:lnRef>
+          <a:fillRef idx="0">
+            <a:schemeClr val="dk1"/>
+          </a:fillRef>
+          <a:effectRef idx="0">
+            <a:schemeClr val="dk1"/>
+          </a:effectRef>
+          <a:fontRef idx="minor">
+            <a:schemeClr val="tx1"/>
+          </a:fontRef>
+        </p:style>
+      </p:cxnSp>
+      <p:cxnSp>
+        <p:nvCxnSpPr>
+          <p:cNvPr id="27" name="Straight Arrow Connector 26">
+            <a:extLst>
+              <a:ext uri="{FF2B5EF4-FFF2-40B4-BE49-F238E27FC236}">
+                <a16:creationId xmlns:a16="http://schemas.microsoft.com/office/drawing/2014/main" id="{03E22449-3D80-49E3-9B6D-F80F6225EA37}"/>
+              </a:ext>
+            </a:extLst>
+          </p:cNvPr>
+          <p:cNvCxnSpPr>
+            <a:cxnSpLocks/>
+          </p:cNvCxnSpPr>
+          <p:nvPr/>
+        </p:nvCxnSpPr>
+        <p:spPr>
+          <a:xfrm>
+            <a:off x="4249657" y="1662405"/>
+            <a:ext cx="0" cy="179204"/>
+          </a:xfrm>
+          <a:prstGeom prst="straightConnector1">
+            <a:avLst/>
+          </a:prstGeom>
+          <a:ln>
+            <a:tailEnd type="triangle"/>
+          </a:ln>
+        </p:spPr>
+        <p:style>
+          <a:lnRef idx="1">
+            <a:schemeClr val="dk1"/>
+          </a:lnRef>
+          <a:fillRef idx="0">
+            <a:schemeClr val="dk1"/>
+          </a:fillRef>
+          <a:effectRef idx="0">
+            <a:schemeClr val="dk1"/>
+          </a:effectRef>
+          <a:fontRef idx="minor">
+            <a:schemeClr val="tx1"/>
+          </a:fontRef>
+        </p:style>
+      </p:cxnSp>
+      <p:cxnSp>
+        <p:nvCxnSpPr>
+          <p:cNvPr id="28" name="Straight Arrow Connector 27">
+            <a:extLst>
+              <a:ext uri="{FF2B5EF4-FFF2-40B4-BE49-F238E27FC236}">
+                <a16:creationId xmlns:a16="http://schemas.microsoft.com/office/drawing/2014/main" id="{41869831-2DCD-46CB-986C-9D0CB6D92674}"/>
+              </a:ext>
+            </a:extLst>
+          </p:cNvPr>
+          <p:cNvCxnSpPr>
+            <a:cxnSpLocks/>
+          </p:cNvCxnSpPr>
+          <p:nvPr/>
+        </p:nvCxnSpPr>
+        <p:spPr>
+          <a:xfrm>
+            <a:off x="6518967" y="1662405"/>
+            <a:ext cx="0" cy="179204"/>
+          </a:xfrm>
+          <a:prstGeom prst="straightConnector1">
+            <a:avLst/>
+          </a:prstGeom>
+          <a:ln>
+            <a:tailEnd type="triangle"/>
+          </a:ln>
+        </p:spPr>
+        <p:style>
+          <a:lnRef idx="1">
+            <a:schemeClr val="dk1"/>
+          </a:lnRef>
+          <a:fillRef idx="0">
+            <a:schemeClr val="dk1"/>
+          </a:fillRef>
+          <a:effectRef idx="0">
+            <a:schemeClr val="dk1"/>
+          </a:effectRef>
+          <a:fontRef idx="minor">
+            <a:schemeClr val="tx1"/>
+          </a:fontRef>
+        </p:style>
+      </p:cxnSp>
+      <p:cxnSp>
+        <p:nvCxnSpPr>
+          <p:cNvPr id="29" name="Straight Arrow Connector 28">
+            <a:extLst>
+              <a:ext uri="{FF2B5EF4-FFF2-40B4-BE49-F238E27FC236}">
+                <a16:creationId xmlns:a16="http://schemas.microsoft.com/office/drawing/2014/main" id="{B6A6442E-EECB-471F-8D2C-1A1EA87A4D7E}"/>
+              </a:ext>
+            </a:extLst>
+          </p:cNvPr>
+          <p:cNvCxnSpPr>
+            <a:cxnSpLocks/>
+          </p:cNvCxnSpPr>
+          <p:nvPr/>
+        </p:nvCxnSpPr>
+        <p:spPr>
+          <a:xfrm>
+            <a:off x="2380886" y="2678661"/>
+            <a:ext cx="0" cy="179204"/>
+          </a:xfrm>
+          <a:prstGeom prst="straightConnector1">
+            <a:avLst/>
+          </a:prstGeom>
+          <a:ln>
+            <a:tailEnd type="triangle"/>
+          </a:ln>
+        </p:spPr>
+        <p:style>
+          <a:lnRef idx="1">
+            <a:schemeClr val="dk1"/>
+          </a:lnRef>
+          <a:fillRef idx="0">
+            <a:schemeClr val="dk1"/>
+          </a:fillRef>
+          <a:effectRef idx="0">
+            <a:schemeClr val="dk1"/>
+          </a:effectRef>
+          <a:fontRef idx="minor">
+            <a:schemeClr val="tx1"/>
+          </a:fontRef>
+        </p:style>
+      </p:cxnSp>
+      <p:cxnSp>
+        <p:nvCxnSpPr>
+          <p:cNvPr id="30" name="Straight Arrow Connector 29">
+            <a:extLst>
+              <a:ext uri="{FF2B5EF4-FFF2-40B4-BE49-F238E27FC236}">
+                <a16:creationId xmlns:a16="http://schemas.microsoft.com/office/drawing/2014/main" id="{7F94A748-026D-4D34-A92E-314BFD68E997}"/>
+              </a:ext>
+            </a:extLst>
+          </p:cNvPr>
+          <p:cNvCxnSpPr>
+            <a:cxnSpLocks/>
+          </p:cNvCxnSpPr>
+          <p:nvPr/>
+        </p:nvCxnSpPr>
+        <p:spPr>
+          <a:xfrm>
+            <a:off x="4245326" y="2678661"/>
+            <a:ext cx="0" cy="179204"/>
+          </a:xfrm>
+          <a:prstGeom prst="straightConnector1">
+            <a:avLst/>
+          </a:prstGeom>
+          <a:ln>
+            <a:tailEnd type="triangle"/>
+          </a:ln>
+        </p:spPr>
+        <p:style>
+          <a:lnRef idx="1">
+            <a:schemeClr val="dk1"/>
+          </a:lnRef>
+          <a:fillRef idx="0">
+            <a:schemeClr val="dk1"/>
+          </a:fillRef>
+          <a:effectRef idx="0">
+            <a:schemeClr val="dk1"/>
+          </a:effectRef>
+          <a:fontRef idx="minor">
+            <a:schemeClr val="tx1"/>
+          </a:fontRef>
+        </p:style>
+      </p:cxnSp>
+      <p:cxnSp>
+        <p:nvCxnSpPr>
+          <p:cNvPr id="31" name="Straight Arrow Connector 30">
+            <a:extLst>
+              <a:ext uri="{FF2B5EF4-FFF2-40B4-BE49-F238E27FC236}">
+                <a16:creationId xmlns:a16="http://schemas.microsoft.com/office/drawing/2014/main" id="{C42A224F-AA39-44DC-B8FF-7795464E7B15}"/>
+              </a:ext>
+            </a:extLst>
+          </p:cNvPr>
+          <p:cNvCxnSpPr>
+            <a:cxnSpLocks/>
+          </p:cNvCxnSpPr>
+          <p:nvPr/>
+        </p:nvCxnSpPr>
+        <p:spPr>
+          <a:xfrm>
+            <a:off x="6498605" y="2678661"/>
+            <a:ext cx="0" cy="179204"/>
+          </a:xfrm>
+          <a:prstGeom prst="straightConnector1">
+            <a:avLst/>
+          </a:prstGeom>
+          <a:ln>
+            <a:tailEnd type="triangle"/>
+          </a:ln>
+        </p:spPr>
+        <p:style>
+          <a:lnRef idx="1">
+            <a:schemeClr val="dk1"/>
+          </a:lnRef>
+          <a:fillRef idx="0">
+            <a:schemeClr val="dk1"/>
+          </a:fillRef>
+          <a:effectRef idx="0">
+            <a:schemeClr val="dk1"/>
+          </a:effectRef>
+          <a:fontRef idx="minor">
+            <a:schemeClr val="tx1"/>
+          </a:fontRef>
+        </p:style>
+      </p:cxnSp>
+      <p:sp>
+        <p:nvSpPr>
+          <p:cNvPr id="33" name="TextBox 32">
+            <a:extLst>
+              <a:ext uri="{FF2B5EF4-FFF2-40B4-BE49-F238E27FC236}">
+                <a16:creationId xmlns:a16="http://schemas.microsoft.com/office/drawing/2014/main" id="{173E2894-F2CA-4E7A-989A-72780AD8094A}"/>
+              </a:ext>
+            </a:extLst>
+          </p:cNvPr>
+          <p:cNvSpPr txBox="1"/>
+          <p:nvPr/>
+        </p:nvSpPr>
+        <p:spPr>
+          <a:xfrm>
+            <a:off x="2323375" y="421982"/>
+            <a:ext cx="137084" cy="257250"/>
+          </a:xfrm>
+          <a:prstGeom prst="rect">
+            <a:avLst/>
+          </a:prstGeom>
+          <a:noFill/>
+        </p:spPr>
+        <p:txBody>
+          <a:bodyPr wrap="square" lIns="0" tIns="0" rIns="0" bIns="0" rtlCol="0">
+            <a:spAutoFit/>
+          </a:bodyPr>
+          <a:lstStyle/>
+          <a:p>
+            <a:pPr>
+              <a:lnSpc>
+                <a:spcPct val="114000"/>
+              </a:lnSpc>
+            </a:pPr>
+            <a:r>
+              <a:rPr lang="en-GB" sz="1600" dirty="0">
+                <a:latin typeface="+mn-lt"/>
+              </a:rPr>
+              <a:t>L</a:t>
+            </a:r>
+            <a:endParaRPr lang="en-DE" sz="1600" dirty="0" err="1">
+              <a:latin typeface="+mn-lt"/>
+            </a:endParaRPr>
+          </a:p>
+        </p:txBody>
+      </p:sp>
+      <p:sp>
+        <p:nvSpPr>
+          <p:cNvPr id="34" name="TextBox 33">
+            <a:extLst>
+              <a:ext uri="{FF2B5EF4-FFF2-40B4-BE49-F238E27FC236}">
+                <a16:creationId xmlns:a16="http://schemas.microsoft.com/office/drawing/2014/main" id="{0F9A40AA-EA35-44D3-B9A6-F88F43F996A0}"/>
+              </a:ext>
+            </a:extLst>
+          </p:cNvPr>
+          <p:cNvSpPr txBox="1"/>
+          <p:nvPr/>
+        </p:nvSpPr>
+        <p:spPr>
+          <a:xfrm>
+            <a:off x="4169864" y="421982"/>
+            <a:ext cx="147476" cy="257250"/>
+          </a:xfrm>
+          <a:prstGeom prst="rect">
+            <a:avLst/>
+          </a:prstGeom>
+          <a:noFill/>
+        </p:spPr>
+        <p:txBody>
+          <a:bodyPr wrap="square" lIns="0" tIns="0" rIns="0" bIns="0" rtlCol="0">
+            <a:spAutoFit/>
+          </a:bodyPr>
+          <a:lstStyle/>
+          <a:p>
+            <a:pPr>
+              <a:lnSpc>
+                <a:spcPct val="114000"/>
+              </a:lnSpc>
+            </a:pPr>
+            <a:r>
+              <a:rPr lang="en-GB" sz="1600" dirty="0">
+                <a:latin typeface="+mn-lt"/>
+              </a:rPr>
+              <a:t>U</a:t>
+            </a:r>
+            <a:endParaRPr lang="en-DE" sz="1600" dirty="0" err="1">
+              <a:latin typeface="+mn-lt"/>
+            </a:endParaRPr>
+          </a:p>
+        </p:txBody>
+      </p:sp>
+      <p:sp>
+        <p:nvSpPr>
+          <p:cNvPr id="35" name="TextBox 34">
+            <a:extLst>
+              <a:ext uri="{FF2B5EF4-FFF2-40B4-BE49-F238E27FC236}">
+                <a16:creationId xmlns:a16="http://schemas.microsoft.com/office/drawing/2014/main" id="{B0AD5939-8D26-4AEB-8995-AF74E7CC2389}"/>
+              </a:ext>
+            </a:extLst>
+          </p:cNvPr>
+          <p:cNvSpPr txBox="1"/>
+          <p:nvPr/>
+        </p:nvSpPr>
+        <p:spPr>
+          <a:xfrm>
+            <a:off x="6452420" y="421982"/>
+            <a:ext cx="136256" cy="257250"/>
+          </a:xfrm>
+          <a:prstGeom prst="rect">
+            <a:avLst/>
+          </a:prstGeom>
+          <a:noFill/>
+        </p:spPr>
+        <p:txBody>
+          <a:bodyPr wrap="square" lIns="0" tIns="0" rIns="0" bIns="0" rtlCol="0">
+            <a:spAutoFit/>
+          </a:bodyPr>
+          <a:lstStyle/>
+          <a:p>
+            <a:pPr>
+              <a:lnSpc>
+                <a:spcPct val="114000"/>
+              </a:lnSpc>
+            </a:pPr>
+            <a:r>
+              <a:rPr lang="en-GB" sz="1600" dirty="0">
+                <a:latin typeface="+mn-lt"/>
+              </a:rPr>
+              <a:t>P</a:t>
+            </a:r>
+            <a:endParaRPr lang="en-DE" sz="1600" dirty="0" err="1">
+              <a:latin typeface="+mn-lt"/>
+            </a:endParaRPr>
+          </a:p>
+        </p:txBody>
+      </p:sp>
+      <p:cxnSp>
+        <p:nvCxnSpPr>
+          <p:cNvPr id="38" name="Straight Arrow Connector 37">
+            <a:extLst>
+              <a:ext uri="{FF2B5EF4-FFF2-40B4-BE49-F238E27FC236}">
+                <a16:creationId xmlns:a16="http://schemas.microsoft.com/office/drawing/2014/main" id="{3D447DF6-D2A6-4141-8C13-AF9D4D9FC019}"/>
+              </a:ext>
+            </a:extLst>
+          </p:cNvPr>
+          <p:cNvCxnSpPr>
+            <a:cxnSpLocks/>
+          </p:cNvCxnSpPr>
+          <p:nvPr/>
+        </p:nvCxnSpPr>
+        <p:spPr>
+          <a:xfrm>
+            <a:off x="2380886" y="3693129"/>
+            <a:ext cx="0" cy="179204"/>
+          </a:xfrm>
+          <a:prstGeom prst="straightConnector1">
+            <a:avLst/>
+          </a:prstGeom>
+          <a:ln>
+            <a:tailEnd type="triangle"/>
+          </a:ln>
+        </p:spPr>
+        <p:style>
+          <a:lnRef idx="1">
+            <a:schemeClr val="dk1"/>
+          </a:lnRef>
+          <a:fillRef idx="0">
+            <a:schemeClr val="dk1"/>
+          </a:fillRef>
+          <a:effectRef idx="0">
+            <a:schemeClr val="dk1"/>
+          </a:effectRef>
+          <a:fontRef idx="minor">
+            <a:schemeClr val="tx1"/>
+          </a:fontRef>
+        </p:style>
+      </p:cxnSp>
+      <p:cxnSp>
+        <p:nvCxnSpPr>
+          <p:cNvPr id="40" name="Straight Arrow Connector 39">
+            <a:extLst>
+              <a:ext uri="{FF2B5EF4-FFF2-40B4-BE49-F238E27FC236}">
+                <a16:creationId xmlns:a16="http://schemas.microsoft.com/office/drawing/2014/main" id="{726EAD1B-897F-4D3E-B1CD-A0B14F36F2C9}"/>
+              </a:ext>
+            </a:extLst>
+          </p:cNvPr>
+          <p:cNvCxnSpPr>
+            <a:cxnSpLocks/>
+          </p:cNvCxnSpPr>
+          <p:nvPr/>
+        </p:nvCxnSpPr>
+        <p:spPr>
+          <a:xfrm>
+            <a:off x="6527596" y="3693129"/>
+            <a:ext cx="0" cy="179204"/>
+          </a:xfrm>
+          <a:prstGeom prst="straightConnector1">
+            <a:avLst/>
+          </a:prstGeom>
+          <a:ln>
+            <a:tailEnd type="triangle"/>
+          </a:ln>
+        </p:spPr>
+        <p:style>
+          <a:lnRef idx="1">
+            <a:schemeClr val="dk1"/>
+          </a:lnRef>
+          <a:fillRef idx="0">
+            <a:schemeClr val="dk1"/>
+          </a:fillRef>
+          <a:effectRef idx="0">
+            <a:schemeClr val="dk1"/>
+          </a:effectRef>
+          <a:fontRef idx="minor">
+            <a:schemeClr val="tx1"/>
+          </a:fontRef>
+        </p:style>
+      </p:cxnSp>
+      <p:cxnSp>
+        <p:nvCxnSpPr>
+          <p:cNvPr id="41" name="Straight Arrow Connector 40">
+            <a:extLst>
+              <a:ext uri="{FF2B5EF4-FFF2-40B4-BE49-F238E27FC236}">
+                <a16:creationId xmlns:a16="http://schemas.microsoft.com/office/drawing/2014/main" id="{DA426197-42DB-4D3A-9F32-93E861CB2F8A}"/>
+              </a:ext>
+            </a:extLst>
+          </p:cNvPr>
+          <p:cNvCxnSpPr>
+            <a:cxnSpLocks/>
+          </p:cNvCxnSpPr>
+          <p:nvPr/>
+        </p:nvCxnSpPr>
+        <p:spPr>
+          <a:xfrm>
+            <a:off x="4250303" y="3693129"/>
+            <a:ext cx="0" cy="179204"/>
+          </a:xfrm>
+          <a:prstGeom prst="straightConnector1">
+            <a:avLst/>
+          </a:prstGeom>
+          <a:ln>
+            <a:tailEnd type="triangle"/>
+          </a:ln>
+        </p:spPr>
+        <p:style>
+          <a:lnRef idx="1">
+            <a:schemeClr val="dk1"/>
+          </a:lnRef>
+          <a:fillRef idx="0">
+            <a:schemeClr val="dk1"/>
+          </a:fillRef>
+          <a:effectRef idx="0">
+            <a:schemeClr val="dk1"/>
+          </a:effectRef>
+          <a:fontRef idx="minor">
+            <a:schemeClr val="tx1"/>
+          </a:fontRef>
+        </p:style>
+      </p:cxnSp>
+      <p:pic>
+        <p:nvPicPr>
+          <p:cNvPr id="44" name="Picture 43">
+            <a:extLst>
+              <a:ext uri="{FF2B5EF4-FFF2-40B4-BE49-F238E27FC236}">
+                <a16:creationId xmlns:a16="http://schemas.microsoft.com/office/drawing/2014/main" id="{1378F536-27BD-40F2-8E40-ECAA54ED2599}"/>
+              </a:ext>
+            </a:extLst>
+          </p:cNvPr>
+          <p:cNvPicPr>
+            <a:picLocks noChangeAspect="1"/>
+          </p:cNvPicPr>
+          <p:nvPr/>
+        </p:nvPicPr>
+        <p:blipFill>
+          <a:blip r:embed="rId5"/>
+          <a:stretch>
+            <a:fillRect/>
+          </a:stretch>
+        </p:blipFill>
+        <p:spPr>
+          <a:xfrm>
+            <a:off x="2032022" y="3990995"/>
+            <a:ext cx="809651" cy="610918"/>
+          </a:xfrm>
+          <a:prstGeom prst="rect">
+            <a:avLst/>
+          </a:prstGeom>
+        </p:spPr>
+      </p:pic>
+      <p:pic>
+        <p:nvPicPr>
+          <p:cNvPr id="46" name="Picture 45">
+            <a:extLst>
+              <a:ext uri="{FF2B5EF4-FFF2-40B4-BE49-F238E27FC236}">
+                <a16:creationId xmlns:a16="http://schemas.microsoft.com/office/drawing/2014/main" id="{00D5D709-1EB5-4A97-914D-133248689BEE}"/>
+              </a:ext>
+            </a:extLst>
+          </p:cNvPr>
+          <p:cNvPicPr>
+            <a:picLocks noChangeAspect="1"/>
+          </p:cNvPicPr>
+          <p:nvPr/>
+        </p:nvPicPr>
+        <p:blipFill>
+          <a:blip r:embed="rId6"/>
+          <a:stretch>
+            <a:fillRect/>
+          </a:stretch>
+        </p:blipFill>
+        <p:spPr>
+          <a:xfrm>
+            <a:off x="3893923" y="4023434"/>
+            <a:ext cx="795451" cy="620547"/>
+          </a:xfrm>
+          <a:prstGeom prst="rect">
+            <a:avLst/>
+          </a:prstGeom>
+        </p:spPr>
+      </p:pic>
+      <p:pic>
+        <p:nvPicPr>
+          <p:cNvPr id="49" name="Picture 48">
+            <a:extLst>
+              <a:ext uri="{FF2B5EF4-FFF2-40B4-BE49-F238E27FC236}">
+                <a16:creationId xmlns:a16="http://schemas.microsoft.com/office/drawing/2014/main" id="{5713F795-BEB7-4944-B41B-188D65846B7E}"/>
+              </a:ext>
+            </a:extLst>
+          </p:cNvPr>
+          <p:cNvPicPr>
+            <a:picLocks noChangeAspect="1"/>
+          </p:cNvPicPr>
+          <p:nvPr/>
+        </p:nvPicPr>
+        <p:blipFill rotWithShape="1">
+          <a:blip r:embed="rId2"/>
+          <a:srcRect l="83076"/>
+          <a:stretch/>
+        </p:blipFill>
+        <p:spPr>
+          <a:xfrm>
+            <a:off x="6164752" y="4023434"/>
+            <a:ext cx="708431" cy="649721"/>
+          </a:xfrm>
+          <a:prstGeom prst="rect">
+            <a:avLst/>
+          </a:prstGeom>
+        </p:spPr>
+      </p:pic>
+      <p:sp>
+        <p:nvSpPr>
+          <p:cNvPr id="32" name="Fußzeilenplatzhalter 4">
+            <a:extLst>
+              <a:ext uri="{FF2B5EF4-FFF2-40B4-BE49-F238E27FC236}">
+                <a16:creationId xmlns:a16="http://schemas.microsoft.com/office/drawing/2014/main" id="{6EB3FC11-FA3B-4D43-BDD5-6EF49A62038D}"/>
+              </a:ext>
+            </a:extLst>
+          </p:cNvPr>
+          <p:cNvSpPr txBox="1">
+            <a:spLocks/>
+          </p:cNvSpPr>
+          <p:nvPr/>
+        </p:nvSpPr>
+        <p:spPr>
+          <a:xfrm>
+            <a:off x="311162" y="4854985"/>
+            <a:ext cx="6464280" cy="273844"/>
+          </a:xfrm>
+          <a:prstGeom prst="rect">
+            <a:avLst/>
+          </a:prstGeom>
+        </p:spPr>
+        <p:txBody>
+          <a:bodyPr/>
+          <a:lstStyle>
+            <a:defPPr>
+              <a:defRPr lang="de-DE"/>
+            </a:defPPr>
+            <a:lvl1pPr algn="l" rtl="0" fontAlgn="base">
+              <a:spcBef>
+                <a:spcPct val="0"/>
+              </a:spcBef>
+              <a:spcAft>
+                <a:spcPct val="0"/>
+              </a:spcAft>
+              <a:defRPr kern="1200">
+                <a:solidFill>
+                  <a:schemeClr val="tx1"/>
+                </a:solidFill>
+                <a:latin typeface="Arial" charset="0"/>
+                <a:ea typeface="+mn-ea"/>
+                <a:cs typeface="Arial" charset="0"/>
+              </a:defRPr>
+            </a:lvl1pPr>
+            <a:lvl2pPr marL="457200" algn="l" rtl="0" fontAlgn="base">
+              <a:spcBef>
+                <a:spcPct val="0"/>
+              </a:spcBef>
+              <a:spcAft>
+                <a:spcPct val="0"/>
+              </a:spcAft>
+              <a:defRPr kern="1200">
+                <a:solidFill>
+                  <a:schemeClr val="tx1"/>
+                </a:solidFill>
+                <a:latin typeface="Arial" charset="0"/>
+                <a:ea typeface="+mn-ea"/>
+                <a:cs typeface="Arial" charset="0"/>
+              </a:defRPr>
+            </a:lvl2pPr>
+            <a:lvl3pPr marL="914400" algn="l" rtl="0" fontAlgn="base">
+              <a:spcBef>
+                <a:spcPct val="0"/>
+              </a:spcBef>
+              <a:spcAft>
+                <a:spcPct val="0"/>
+              </a:spcAft>
+              <a:defRPr kern="1200">
+                <a:solidFill>
+                  <a:schemeClr val="tx1"/>
+                </a:solidFill>
+                <a:latin typeface="Arial" charset="0"/>
+                <a:ea typeface="+mn-ea"/>
+                <a:cs typeface="Arial" charset="0"/>
+              </a:defRPr>
+            </a:lvl3pPr>
+            <a:lvl4pPr marL="1371600" algn="l" rtl="0" fontAlgn="base">
+              <a:spcBef>
+                <a:spcPct val="0"/>
+              </a:spcBef>
+              <a:spcAft>
+                <a:spcPct val="0"/>
+              </a:spcAft>
+              <a:defRPr kern="1200">
+                <a:solidFill>
+                  <a:schemeClr val="tx1"/>
+                </a:solidFill>
+                <a:latin typeface="Arial" charset="0"/>
+                <a:ea typeface="+mn-ea"/>
+                <a:cs typeface="Arial" charset="0"/>
+              </a:defRPr>
+            </a:lvl4pPr>
+            <a:lvl5pPr marL="1828800" algn="l" rtl="0" fontAlgn="base">
+              <a:spcBef>
+                <a:spcPct val="0"/>
+              </a:spcBef>
+              <a:spcAft>
+                <a:spcPct val="0"/>
+              </a:spcAft>
+              <a:defRPr kern="1200">
+                <a:solidFill>
+                  <a:schemeClr val="tx1"/>
+                </a:solidFill>
+                <a:latin typeface="Arial" charset="0"/>
+                <a:ea typeface="+mn-ea"/>
+                <a:cs typeface="Arial" charset="0"/>
+              </a:defRPr>
+            </a:lvl5pPr>
+            <a:lvl6pPr marL="2286000" algn="l" defTabSz="914400" rtl="0" eaLnBrk="1" latinLnBrk="0" hangingPunct="1">
+              <a:defRPr kern="1200">
+                <a:solidFill>
+                  <a:schemeClr val="tx1"/>
+                </a:solidFill>
+                <a:latin typeface="Arial" charset="0"/>
+                <a:ea typeface="+mn-ea"/>
+                <a:cs typeface="Arial" charset="0"/>
+              </a:defRPr>
+            </a:lvl6pPr>
+            <a:lvl7pPr marL="2743200" algn="l" defTabSz="914400" rtl="0" eaLnBrk="1" latinLnBrk="0" hangingPunct="1">
+              <a:defRPr kern="1200">
+                <a:solidFill>
+                  <a:schemeClr val="tx1"/>
+                </a:solidFill>
+                <a:latin typeface="Arial" charset="0"/>
+                <a:ea typeface="+mn-ea"/>
+                <a:cs typeface="Arial" charset="0"/>
+              </a:defRPr>
+            </a:lvl7pPr>
+            <a:lvl8pPr marL="3200400" algn="l" defTabSz="914400" rtl="0" eaLnBrk="1" latinLnBrk="0" hangingPunct="1">
+              <a:defRPr kern="1200">
+                <a:solidFill>
+                  <a:schemeClr val="tx1"/>
+                </a:solidFill>
+                <a:latin typeface="Arial" charset="0"/>
+                <a:ea typeface="+mn-ea"/>
+                <a:cs typeface="Arial" charset="0"/>
+              </a:defRPr>
+            </a:lvl8pPr>
+            <a:lvl9pPr marL="3657600" algn="l" defTabSz="914400" rtl="0" eaLnBrk="1" latinLnBrk="0" hangingPunct="1">
+              <a:defRPr kern="1200">
+                <a:solidFill>
+                  <a:schemeClr val="tx1"/>
+                </a:solidFill>
+                <a:latin typeface="Arial" charset="0"/>
+                <a:ea typeface="+mn-ea"/>
+                <a:cs typeface="Arial" charset="0"/>
+              </a:defRPr>
+            </a:lvl9pPr>
+          </a:lstStyle>
+          <a:p>
+            <a:r>
+              <a:rPr lang="de-DE" sz="1000"/>
+              <a:t>Von Aleksandre Kandelaki, Matthias Staritz und Benjamin Liertz</a:t>
+            </a:r>
+            <a:endParaRPr lang="de-DE" sz="1000" dirty="0"/>
+          </a:p>
+        </p:txBody>
+      </p:sp>
+    </p:spTree>
+  </p:cSld>
+  <p:clrMapOvr>
+    <a:masterClrMapping/>
+  </p:clrMapOvr>
+  <p:timing>
+    <p:tnLst>
+      <p:par>
+        <p:cTn id="1" dur="indefinite" restart="never" nodeType="tmRoot">
+          <p:childTnLst>
+            <p:seq concurrent="1" nextAc="seek">
+              <p:cTn id="2" dur="indefinite" nodeType="mainSeq">
+                <p:childTnLst>
+                  <p:par>
+                    <p:cTn id="3" fill="hold">
+                      <p:stCondLst>
+                        <p:cond delay="indefinite"/>
+                      </p:stCondLst>
+                      <p:childTnLst>
+                        <p:par>
+                          <p:cTn id="4" fill="hold">
+                            <p:stCondLst>
+                              <p:cond delay="0"/>
+                            </p:stCondLst>
+                            <p:childTnLst>
+                              <p:par>
+                                <p:cTn id="5" presetID="1" presetClass="entr" presetSubtype="0" fill="hold" nodeType="clickEffect">
+                                  <p:stCondLst>
+                                    <p:cond delay="0"/>
+                                  </p:stCondLst>
+                                  <p:childTnLst>
+                                    <p:set>
+                                      <p:cBhvr>
+                                        <p:cTn id="6" dur="1" fill="hold">
+                                          <p:stCondLst>
+                                            <p:cond delay="0"/>
+                                          </p:stCondLst>
+                                        </p:cTn>
+                                        <p:tgtEl>
+                                          <p:spTgt spid="17"/>
+                                        </p:tgtEl>
+                                        <p:attrNameLst>
+                                          <p:attrName>style.visibility</p:attrName>
+                                        </p:attrNameLst>
+                                      </p:cBhvr>
+                                      <p:to>
+                                        <p:strVal val="visible"/>
+                                      </p:to>
+                                    </p:set>
+                                  </p:childTnLst>
+                                </p:cTn>
+                              </p:par>
+                              <p:par>
+                                <p:cTn id="7" presetID="1" presetClass="entr" presetSubtype="0" fill="hold" nodeType="withEffect">
+                                  <p:stCondLst>
+                                    <p:cond delay="0"/>
+                                  </p:stCondLst>
+                                  <p:childTnLst>
+                                    <p:set>
+                                      <p:cBhvr>
+                                        <p:cTn id="8" dur="1" fill="hold">
+                                          <p:stCondLst>
+                                            <p:cond delay="0"/>
+                                          </p:stCondLst>
+                                        </p:cTn>
+                                        <p:tgtEl>
+                                          <p:spTgt spid="18"/>
+                                        </p:tgtEl>
+                                        <p:attrNameLst>
+                                          <p:attrName>style.visibility</p:attrName>
+                                        </p:attrNameLst>
+                                      </p:cBhvr>
+                                      <p:to>
+                                        <p:strVal val="visible"/>
+                                      </p:to>
+                                    </p:set>
+                                  </p:childTnLst>
+                                </p:cTn>
+                              </p:par>
+                              <p:par>
+                                <p:cTn id="9" presetID="1" presetClass="entr" presetSubtype="0" fill="hold" nodeType="withEffect">
+                                  <p:stCondLst>
+                                    <p:cond delay="0"/>
+                                  </p:stCondLst>
+                                  <p:childTnLst>
+                                    <p:set>
+                                      <p:cBhvr>
+                                        <p:cTn id="10" dur="1" fill="hold">
+                                          <p:stCondLst>
+                                            <p:cond delay="0"/>
+                                          </p:stCondLst>
+                                        </p:cTn>
+                                        <p:tgtEl>
+                                          <p:spTgt spid="15"/>
+                                        </p:tgtEl>
+                                        <p:attrNameLst>
+                                          <p:attrName>style.visibility</p:attrName>
+                                        </p:attrNameLst>
+                                      </p:cBhvr>
+                                      <p:to>
+                                        <p:strVal val="visible"/>
+                                      </p:to>
+                                    </p:set>
+                                  </p:childTnLst>
+                                </p:cTn>
+                              </p:par>
+                            </p:childTnLst>
+                          </p:cTn>
+                        </p:par>
+                      </p:childTnLst>
+                    </p:cTn>
+                  </p:par>
+                  <p:par>
+                    <p:cTn id="11" fill="hold">
+                      <p:stCondLst>
+                        <p:cond delay="indefinite"/>
+                      </p:stCondLst>
+                      <p:childTnLst>
+                        <p:par>
+                          <p:cTn id="12" fill="hold">
+                            <p:stCondLst>
+                              <p:cond delay="0"/>
+                            </p:stCondLst>
+                            <p:childTnLst>
+                              <p:par>
+                                <p:cTn id="13" presetID="1" presetClass="entr" presetSubtype="0" fill="hold" nodeType="clickEffect">
+                                  <p:stCondLst>
+                                    <p:cond delay="0"/>
+                                  </p:stCondLst>
+                                  <p:childTnLst>
+                                    <p:set>
+                                      <p:cBhvr>
+                                        <p:cTn id="14" dur="1" fill="hold">
+                                          <p:stCondLst>
+                                            <p:cond delay="0"/>
+                                          </p:stCondLst>
+                                        </p:cTn>
+                                        <p:tgtEl>
+                                          <p:spTgt spid="26"/>
+                                        </p:tgtEl>
+                                        <p:attrNameLst>
+                                          <p:attrName>style.visibility</p:attrName>
+                                        </p:attrNameLst>
+                                      </p:cBhvr>
+                                      <p:to>
+                                        <p:strVal val="visible"/>
+                                      </p:to>
+                                    </p:set>
+                                  </p:childTnLst>
+                                </p:cTn>
+                              </p:par>
+                              <p:par>
+                                <p:cTn id="15" presetID="1" presetClass="entr" presetSubtype="0" fill="hold" nodeType="withEffect">
+                                  <p:stCondLst>
+                                    <p:cond delay="0"/>
+                                  </p:stCondLst>
+                                  <p:childTnLst>
+                                    <p:set>
+                                      <p:cBhvr>
+                                        <p:cTn id="16" dur="1" fill="hold">
+                                          <p:stCondLst>
+                                            <p:cond delay="0"/>
+                                          </p:stCondLst>
+                                        </p:cTn>
+                                        <p:tgtEl>
+                                          <p:spTgt spid="27"/>
+                                        </p:tgtEl>
+                                        <p:attrNameLst>
+                                          <p:attrName>style.visibility</p:attrName>
+                                        </p:attrNameLst>
+                                      </p:cBhvr>
+                                      <p:to>
+                                        <p:strVal val="visible"/>
+                                      </p:to>
+                                    </p:set>
+                                  </p:childTnLst>
+                                </p:cTn>
+                              </p:par>
+                              <p:par>
+                                <p:cTn id="17" presetID="1" presetClass="entr" presetSubtype="0" fill="hold" nodeType="withEffect">
+                                  <p:stCondLst>
+                                    <p:cond delay="0"/>
+                                  </p:stCondLst>
+                                  <p:childTnLst>
+                                    <p:set>
+                                      <p:cBhvr>
+                                        <p:cTn id="18" dur="1" fill="hold">
+                                          <p:stCondLst>
+                                            <p:cond delay="0"/>
+                                          </p:stCondLst>
+                                        </p:cTn>
+                                        <p:tgtEl>
+                                          <p:spTgt spid="28"/>
+                                        </p:tgtEl>
+                                        <p:attrNameLst>
+                                          <p:attrName>style.visibility</p:attrName>
+                                        </p:attrNameLst>
+                                      </p:cBhvr>
+                                      <p:to>
+                                        <p:strVal val="visible"/>
+                                      </p:to>
+                                    </p:set>
+                                  </p:childTnLst>
+                                </p:cTn>
+                              </p:par>
+                              <p:par>
+                                <p:cTn id="19" presetID="1" presetClass="entr" presetSubtype="0" fill="hold" nodeType="withEffect">
+                                  <p:stCondLst>
+                                    <p:cond delay="0"/>
+                                  </p:stCondLst>
+                                  <p:childTnLst>
+                                    <p:set>
+                                      <p:cBhvr>
+                                        <p:cTn id="20" dur="1" fill="hold">
+                                          <p:stCondLst>
+                                            <p:cond delay="0"/>
+                                          </p:stCondLst>
+                                        </p:cTn>
+                                        <p:tgtEl>
+                                          <p:spTgt spid="20"/>
+                                        </p:tgtEl>
+                                        <p:attrNameLst>
+                                          <p:attrName>style.visibility</p:attrName>
+                                        </p:attrNameLst>
+                                      </p:cBhvr>
+                                      <p:to>
+                                        <p:strVal val="visible"/>
+                                      </p:to>
+                                    </p:set>
+                                  </p:childTnLst>
+                                </p:cTn>
+                              </p:par>
+                              <p:par>
+                                <p:cTn id="21" presetID="1" presetClass="entr" presetSubtype="0" fill="hold" nodeType="withEffect">
+                                  <p:stCondLst>
+                                    <p:cond delay="0"/>
+                                  </p:stCondLst>
+                                  <p:childTnLst>
+                                    <p:set>
+                                      <p:cBhvr>
+                                        <p:cTn id="22" dur="1" fill="hold">
+                                          <p:stCondLst>
+                                            <p:cond delay="0"/>
+                                          </p:stCondLst>
+                                        </p:cTn>
+                                        <p:tgtEl>
+                                          <p:spTgt spid="19"/>
+                                        </p:tgtEl>
+                                        <p:attrNameLst>
+                                          <p:attrName>style.visibility</p:attrName>
+                                        </p:attrNameLst>
+                                      </p:cBhvr>
+                                      <p:to>
+                                        <p:strVal val="visible"/>
+                                      </p:to>
+                                    </p:set>
+                                  </p:childTnLst>
+                                </p:cTn>
+                              </p:par>
+                              <p:par>
+                                <p:cTn id="23" presetID="1" presetClass="entr" presetSubtype="0" fill="hold" nodeType="withEffect">
+                                  <p:stCondLst>
+                                    <p:cond delay="0"/>
+                                  </p:stCondLst>
+                                  <p:childTnLst>
+                                    <p:set>
+                                      <p:cBhvr>
+                                        <p:cTn id="24" dur="1" fill="hold">
+                                          <p:stCondLst>
+                                            <p:cond delay="0"/>
+                                          </p:stCondLst>
+                                        </p:cTn>
+                                        <p:tgtEl>
+                                          <p:spTgt spid="11"/>
+                                        </p:tgtEl>
+                                        <p:attrNameLst>
+                                          <p:attrName>style.visibility</p:attrName>
+                                        </p:attrNameLst>
+                                      </p:cBhvr>
+                                      <p:to>
+                                        <p:strVal val="visible"/>
+                                      </p:to>
+                                    </p:set>
+                                  </p:childTnLst>
+                                </p:cTn>
+                              </p:par>
+                            </p:childTnLst>
+                          </p:cTn>
+                        </p:par>
+                      </p:childTnLst>
+                    </p:cTn>
+                  </p:par>
+                  <p:par>
+                    <p:cTn id="25" fill="hold">
+                      <p:stCondLst>
+                        <p:cond delay="indefinite"/>
+                      </p:stCondLst>
+                      <p:childTnLst>
+                        <p:par>
+                          <p:cTn id="26" fill="hold">
+                            <p:stCondLst>
+                              <p:cond delay="0"/>
+                            </p:stCondLst>
+                            <p:childTnLst>
+                              <p:par>
+                                <p:cTn id="27" presetID="1" presetClass="entr" presetSubtype="0" fill="hold" nodeType="clickEffect">
+                                  <p:stCondLst>
+                                    <p:cond delay="0"/>
+                                  </p:stCondLst>
+                                  <p:childTnLst>
+                                    <p:set>
+                                      <p:cBhvr>
+                                        <p:cTn id="28" dur="1" fill="hold">
+                                          <p:stCondLst>
+                                            <p:cond delay="0"/>
+                                          </p:stCondLst>
+                                        </p:cTn>
+                                        <p:tgtEl>
+                                          <p:spTgt spid="29"/>
+                                        </p:tgtEl>
+                                        <p:attrNameLst>
+                                          <p:attrName>style.visibility</p:attrName>
+                                        </p:attrNameLst>
+                                      </p:cBhvr>
+                                      <p:to>
+                                        <p:strVal val="visible"/>
+                                      </p:to>
+                                    </p:set>
+                                  </p:childTnLst>
+                                </p:cTn>
+                              </p:par>
+                              <p:par>
+                                <p:cTn id="29" presetID="1" presetClass="entr" presetSubtype="0" fill="hold" nodeType="withEffect">
+                                  <p:stCondLst>
+                                    <p:cond delay="0"/>
+                                  </p:stCondLst>
+                                  <p:childTnLst>
+                                    <p:set>
+                                      <p:cBhvr>
+                                        <p:cTn id="30" dur="1" fill="hold">
+                                          <p:stCondLst>
+                                            <p:cond delay="0"/>
+                                          </p:stCondLst>
+                                        </p:cTn>
+                                        <p:tgtEl>
+                                          <p:spTgt spid="30"/>
+                                        </p:tgtEl>
+                                        <p:attrNameLst>
+                                          <p:attrName>style.visibility</p:attrName>
+                                        </p:attrNameLst>
+                                      </p:cBhvr>
+                                      <p:to>
+                                        <p:strVal val="visible"/>
+                                      </p:to>
+                                    </p:set>
+                                  </p:childTnLst>
+                                </p:cTn>
+                              </p:par>
+                              <p:par>
+                                <p:cTn id="31" presetID="1" presetClass="entr" presetSubtype="0" fill="hold" nodeType="withEffect">
+                                  <p:stCondLst>
+                                    <p:cond delay="0"/>
+                                  </p:stCondLst>
+                                  <p:childTnLst>
+                                    <p:set>
+                                      <p:cBhvr>
+                                        <p:cTn id="32" dur="1" fill="hold">
+                                          <p:stCondLst>
+                                            <p:cond delay="0"/>
+                                          </p:stCondLst>
+                                        </p:cTn>
+                                        <p:tgtEl>
+                                          <p:spTgt spid="31"/>
+                                        </p:tgtEl>
+                                        <p:attrNameLst>
+                                          <p:attrName>style.visibility</p:attrName>
+                                        </p:attrNameLst>
+                                      </p:cBhvr>
+                                      <p:to>
+                                        <p:strVal val="visible"/>
+                                      </p:to>
+                                    </p:set>
+                                  </p:childTnLst>
+                                </p:cTn>
+                              </p:par>
+                              <p:par>
+                                <p:cTn id="33" presetID="1" presetClass="entr" presetSubtype="0" fill="hold" nodeType="withEffect">
+                                  <p:stCondLst>
+                                    <p:cond delay="0"/>
+                                  </p:stCondLst>
+                                  <p:childTnLst>
+                                    <p:set>
+                                      <p:cBhvr>
+                                        <p:cTn id="34" dur="1" fill="hold">
+                                          <p:stCondLst>
+                                            <p:cond delay="0"/>
+                                          </p:stCondLst>
+                                        </p:cTn>
+                                        <p:tgtEl>
+                                          <p:spTgt spid="24"/>
+                                        </p:tgtEl>
+                                        <p:attrNameLst>
+                                          <p:attrName>style.visibility</p:attrName>
+                                        </p:attrNameLst>
+                                      </p:cBhvr>
+                                      <p:to>
+                                        <p:strVal val="visible"/>
+                                      </p:to>
+                                    </p:set>
+                                  </p:childTnLst>
+                                </p:cTn>
+                              </p:par>
+                              <p:par>
+                                <p:cTn id="35" presetID="1" presetClass="entr" presetSubtype="0" fill="hold" nodeType="withEffect">
+                                  <p:stCondLst>
+                                    <p:cond delay="0"/>
+                                  </p:stCondLst>
+                                  <p:childTnLst>
+                                    <p:set>
+                                      <p:cBhvr>
+                                        <p:cTn id="36" dur="1" fill="hold">
+                                          <p:stCondLst>
+                                            <p:cond delay="0"/>
+                                          </p:stCondLst>
+                                        </p:cTn>
+                                        <p:tgtEl>
+                                          <p:spTgt spid="21"/>
+                                        </p:tgtEl>
+                                        <p:attrNameLst>
+                                          <p:attrName>style.visibility</p:attrName>
+                                        </p:attrNameLst>
+                                      </p:cBhvr>
+                                      <p:to>
+                                        <p:strVal val="visible"/>
+                                      </p:to>
+                                    </p:set>
+                                  </p:childTnLst>
+                                </p:cTn>
+                              </p:par>
+                              <p:par>
+                                <p:cTn id="37" presetID="1" presetClass="entr" presetSubtype="0" fill="hold" nodeType="withEffect">
+                                  <p:stCondLst>
+                                    <p:cond delay="0"/>
+                                  </p:stCondLst>
+                                  <p:childTnLst>
+                                    <p:set>
+                                      <p:cBhvr>
+                                        <p:cTn id="38" dur="1" fill="hold">
+                                          <p:stCondLst>
+                                            <p:cond delay="0"/>
+                                          </p:stCondLst>
+                                        </p:cTn>
+                                        <p:tgtEl>
+                                          <p:spTgt spid="22"/>
+                                        </p:tgtEl>
+                                        <p:attrNameLst>
+                                          <p:attrName>style.visibility</p:attrName>
+                                        </p:attrNameLst>
+                                      </p:cBhvr>
+                                      <p:to>
+                                        <p:strVal val="visible"/>
+                                      </p:to>
+                                    </p:set>
+                                  </p:childTnLst>
+                                </p:cTn>
+                              </p:par>
+                            </p:childTnLst>
+                          </p:cTn>
+                        </p:par>
+                      </p:childTnLst>
+                    </p:cTn>
+                  </p:par>
+                  <p:par>
+                    <p:cTn id="39" fill="hold">
+                      <p:stCondLst>
+                        <p:cond delay="indefinite"/>
+                      </p:stCondLst>
+                      <p:childTnLst>
+                        <p:par>
+                          <p:cTn id="40" fill="hold">
+                            <p:stCondLst>
+                              <p:cond delay="0"/>
+                            </p:stCondLst>
+                            <p:childTnLst>
+                              <p:par>
+                                <p:cTn id="41" presetID="1" presetClass="entr" presetSubtype="0" fill="hold" nodeType="clickEffect">
+                                  <p:stCondLst>
+                                    <p:cond delay="0"/>
+                                  </p:stCondLst>
+                                  <p:childTnLst>
+                                    <p:set>
+                                      <p:cBhvr>
+                                        <p:cTn id="42" dur="1" fill="hold">
+                                          <p:stCondLst>
+                                            <p:cond delay="0"/>
+                                          </p:stCondLst>
+                                        </p:cTn>
+                                        <p:tgtEl>
+                                          <p:spTgt spid="38"/>
+                                        </p:tgtEl>
+                                        <p:attrNameLst>
+                                          <p:attrName>style.visibility</p:attrName>
+                                        </p:attrNameLst>
+                                      </p:cBhvr>
+                                      <p:to>
+                                        <p:strVal val="visible"/>
+                                      </p:to>
+                                    </p:set>
+                                  </p:childTnLst>
+                                </p:cTn>
+                              </p:par>
+                              <p:par>
+                                <p:cTn id="43" presetID="1" presetClass="entr" presetSubtype="0" fill="hold" nodeType="withEffect">
+                                  <p:stCondLst>
+                                    <p:cond delay="0"/>
+                                  </p:stCondLst>
+                                  <p:childTnLst>
+                                    <p:set>
+                                      <p:cBhvr>
+                                        <p:cTn id="44" dur="1" fill="hold">
+                                          <p:stCondLst>
+                                            <p:cond delay="0"/>
+                                          </p:stCondLst>
+                                        </p:cTn>
+                                        <p:tgtEl>
+                                          <p:spTgt spid="40"/>
+                                        </p:tgtEl>
+                                        <p:attrNameLst>
+                                          <p:attrName>style.visibility</p:attrName>
+                                        </p:attrNameLst>
+                                      </p:cBhvr>
+                                      <p:to>
+                                        <p:strVal val="visible"/>
+                                      </p:to>
+                                    </p:set>
+                                  </p:childTnLst>
+                                </p:cTn>
+                              </p:par>
+                              <p:par>
+                                <p:cTn id="45" presetID="1" presetClass="entr" presetSubtype="0" fill="hold" nodeType="withEffect">
+                                  <p:stCondLst>
+                                    <p:cond delay="0"/>
+                                  </p:stCondLst>
+                                  <p:childTnLst>
+                                    <p:set>
+                                      <p:cBhvr>
+                                        <p:cTn id="46" dur="1" fill="hold">
+                                          <p:stCondLst>
+                                            <p:cond delay="0"/>
+                                          </p:stCondLst>
+                                        </p:cTn>
+                                        <p:tgtEl>
+                                          <p:spTgt spid="41"/>
+                                        </p:tgtEl>
+                                        <p:attrNameLst>
+                                          <p:attrName>style.visibility</p:attrName>
+                                        </p:attrNameLst>
+                                      </p:cBhvr>
+                                      <p:to>
+                                        <p:strVal val="visible"/>
+                                      </p:to>
+                                    </p:set>
+                                  </p:childTnLst>
+                                </p:cTn>
+                              </p:par>
+                              <p:par>
+                                <p:cTn id="47" presetID="1" presetClass="entr" presetSubtype="0" fill="hold" nodeType="withEffect">
+                                  <p:stCondLst>
+                                    <p:cond delay="0"/>
+                                  </p:stCondLst>
+                                  <p:childTnLst>
+                                    <p:set>
+                                      <p:cBhvr>
+                                        <p:cTn id="48" dur="1" fill="hold">
+                                          <p:stCondLst>
+                                            <p:cond delay="0"/>
+                                          </p:stCondLst>
+                                        </p:cTn>
+                                        <p:tgtEl>
+                                          <p:spTgt spid="49"/>
+                                        </p:tgtEl>
+                                        <p:attrNameLst>
+                                          <p:attrName>style.visibility</p:attrName>
+                                        </p:attrNameLst>
+                                      </p:cBhvr>
+                                      <p:to>
+                                        <p:strVal val="visible"/>
+                                      </p:to>
+                                    </p:set>
+                                  </p:childTnLst>
+                                </p:cTn>
+                              </p:par>
+                              <p:par>
+                                <p:cTn id="49" presetID="1" presetClass="entr" presetSubtype="0" fill="hold" nodeType="withEffect">
+                                  <p:stCondLst>
+                                    <p:cond delay="0"/>
+                                  </p:stCondLst>
+                                  <p:childTnLst>
+                                    <p:set>
+                                      <p:cBhvr>
+                                        <p:cTn id="50" dur="1" fill="hold">
+                                          <p:stCondLst>
+                                            <p:cond delay="0"/>
+                                          </p:stCondLst>
+                                        </p:cTn>
+                                        <p:tgtEl>
+                                          <p:spTgt spid="46"/>
+                                        </p:tgtEl>
+                                        <p:attrNameLst>
+                                          <p:attrName>style.visibility</p:attrName>
+                                        </p:attrNameLst>
+                                      </p:cBhvr>
+                                      <p:to>
+                                        <p:strVal val="visible"/>
+                                      </p:to>
+                                    </p:set>
+                                  </p:childTnLst>
+                                </p:cTn>
+                              </p:par>
+                              <p:par>
+                                <p:cTn id="51" presetID="1" presetClass="entr" presetSubtype="0" fill="hold" nodeType="withEffect">
+                                  <p:stCondLst>
+                                    <p:cond delay="0"/>
+                                  </p:stCondLst>
+                                  <p:childTnLst>
+                                    <p:set>
+                                      <p:cBhvr>
+                                        <p:cTn id="52" dur="1" fill="hold">
+                                          <p:stCondLst>
+                                            <p:cond delay="0"/>
+                                          </p:stCondLst>
+                                        </p:cTn>
+                                        <p:tgtEl>
+                                          <p:spTgt spid="44"/>
+                                        </p:tgtEl>
+                                        <p:attrNameLst>
+                                          <p:attrName>style.visibility</p:attrName>
+                                        </p:attrNameLst>
+                                      </p:cBhvr>
+                                      <p:to>
+                                        <p:strVal val="visible"/>
+                                      </p:to>
+                                    </p:set>
+                                  </p:childTnLst>
+                                </p:cTn>
+                              </p:par>
+                            </p:childTnLst>
+                          </p:cTn>
+                        </p:par>
+                      </p:childTnLst>
+                    </p:cTn>
+                  </p:par>
+                </p:childTnLst>
+              </p:cTn>
+              <p:prevCondLst>
+                <p:cond evt="onPrev" delay="0">
+                  <p:tgtEl>
+                    <p:sldTgt/>
+                  </p:tgtEl>
+                </p:cond>
+              </p:prevCondLst>
+              <p:nextCondLst>
+                <p:cond evt="onNext" delay="0">
+                  <p:tgtEl>
+                    <p:sldTgt/>
+                  </p:tgtEl>
+                </p:cond>
+              </p:nextCondLst>
+            </p:seq>
+          </p:childTnLst>
+        </p:cTn>
+      </p:par>
+    </p:tnLst>
+  </p:timing>
+</p:sld>
+</file>
+
+<file path=ppt/slides/slide8.xml><?xml version="1.0" encoding="utf-8"?>
+<p:sld xmlns:a="http://schemas.openxmlformats.org/drawingml/2006/main" xmlns:r="http://schemas.openxmlformats.org/officeDocument/2006/relationships" xmlns:p="http://schemas.openxmlformats.org/presentationml/2006/main">
+  <p:cSld>
+    <p:spTree>
+      <p:nvGrpSpPr>
+        <p:cNvPr id="1" name=""/>
+        <p:cNvGrpSpPr/>
+        <p:nvPr/>
+      </p:nvGrpSpPr>
+      <p:grpSpPr>
+        <a:xfrm>
+          <a:off x="0" y="0"/>
+          <a:ext cx="0" cy="0"/>
+          <a:chOff x="0" y="0"/>
+          <a:chExt cx="0" cy="0"/>
+        </a:xfrm>
+      </p:grpSpPr>
+      <mc:AlternateContent xmlns:mc="http://schemas.openxmlformats.org/markup-compatibility/2006" xmlns:a14="http://schemas.microsoft.com/office/drawing/2010/main">
+        <mc:Choice Requires="a14">
+          <p:sp>
+            <p:nvSpPr>
+              <p:cNvPr id="2" name="Inhaltsplatzhalter 1"/>
+              <p:cNvSpPr>
+                <a:spLocks noGrp="1"/>
+              </p:cNvSpPr>
+              <p:nvPr>
+                <p:ph idx="1"/>
+              </p:nvPr>
+            </p:nvSpPr>
+            <p:spPr>
+              <a:xfrm>
+                <a:off x="531592" y="1625957"/>
+                <a:ext cx="8508999" cy="3095625"/>
+              </a:xfrm>
+            </p:spPr>
+            <p:txBody>
+              <a:bodyPr/>
+              <a:lstStyle/>
+              <a:p>
+                <a:pPr marL="0" lvl="1" indent="0">
+                  <a:buNone/>
+                </a:pPr>
+                <a:endParaRPr lang="de-DE" dirty="0"/>
+              </a:p>
+              <a:p>
+                <a:pPr lvl="1"/>
+                <a:r>
+                  <a:rPr lang="de-DE" dirty="0"/>
+                  <a:t>Wahl zwischen Stack und Heap</a:t>
+                </a:r>
+              </a:p>
+              <a:p>
+                <a:pPr lvl="1"/>
+                <a:r>
+                  <a:rPr lang="de-DE" dirty="0"/>
+                  <a:t>Stack performanter aber begrenzt auf 8MB</a:t>
+                </a:r>
+              </a:p>
+              <a:p>
+                <a:pPr lvl="1"/>
+                <a:r>
+                  <a:rPr lang="de-DE" dirty="0"/>
+                  <a:t>Fallunterscheidung je nach größe der Eingabe</a:t>
+                </a:r>
+              </a:p>
+              <a:p>
+                <a:pPr lvl="1"/>
+                <a:r>
+                  <a:rPr lang="de-DE" dirty="0"/>
+                  <a:t>Berechnung der Maximalgröße für Stack Allokationen mit </a:t>
+                </a:r>
+                <a14:m>
+                  <m:oMath xmlns:m="http://schemas.openxmlformats.org/officeDocument/2006/math">
+                    <m:r>
+                      <a:rPr lang="en-GB" b="0" i="1" smtClean="0">
+                        <a:latin typeface="Cambria Math" panose="02040503050406030204" pitchFamily="18" charset="0"/>
+                      </a:rPr>
+                      <m:t>4</m:t>
+                    </m:r>
+                    <m:r>
+                      <a:rPr lang="en-GB" b="0" i="1" smtClean="0">
+                        <a:latin typeface="Cambria Math" panose="02040503050406030204" pitchFamily="18" charset="0"/>
+                        <a:ea typeface="Cambria Math" panose="02040503050406030204" pitchFamily="18" charset="0"/>
+                      </a:rPr>
+                      <m:t>×4</m:t>
+                    </m:r>
+                    <m:r>
+                      <a:rPr lang="en-GB" i="1">
+                        <a:latin typeface="Cambria Math" panose="02040503050406030204" pitchFamily="18" charset="0"/>
+                        <a:ea typeface="Cambria Math" panose="02040503050406030204" pitchFamily="18" charset="0"/>
+                      </a:rPr>
+                      <m:t>×</m:t>
+                    </m:r>
+                    <m:r>
+                      <a:rPr lang="en-GB" b="0" i="1" smtClean="0">
+                        <a:latin typeface="Cambria Math" panose="02040503050406030204" pitchFamily="18" charset="0"/>
+                        <a:ea typeface="Cambria Math" panose="02040503050406030204" pitchFamily="18" charset="0"/>
+                      </a:rPr>
+                      <m:t>𝑛</m:t>
+                    </m:r>
+                    <m:r>
+                      <a:rPr lang="en-GB" i="1">
+                        <a:latin typeface="Cambria Math" panose="02040503050406030204" pitchFamily="18" charset="0"/>
+                        <a:ea typeface="Cambria Math" panose="02040503050406030204" pitchFamily="18" charset="0"/>
+                      </a:rPr>
+                      <m:t>×</m:t>
+                    </m:r>
+                    <m:r>
+                      <a:rPr lang="en-GB" b="0" i="1" smtClean="0">
+                        <a:latin typeface="Cambria Math" panose="02040503050406030204" pitchFamily="18" charset="0"/>
+                        <a:ea typeface="Cambria Math" panose="02040503050406030204" pitchFamily="18" charset="0"/>
+                      </a:rPr>
+                      <m:t>𝑛</m:t>
+                    </m:r>
+                    <m:r>
+                      <a:rPr lang="en-GB" b="0" i="1" smtClean="0">
+                        <a:latin typeface="Cambria Math" panose="02040503050406030204" pitchFamily="18" charset="0"/>
+                        <a:ea typeface="Cambria Math" panose="02040503050406030204" pitchFamily="18" charset="0"/>
+                      </a:rPr>
+                      <m:t>≤8×</m:t>
+                    </m:r>
+                    <m:sSup>
+                      <m:sSupPr>
+                        <m:ctrlPr>
+                          <a:rPr lang="en-GB" b="0" i="1" smtClean="0">
+                            <a:latin typeface="Cambria Math" panose="02040503050406030204" pitchFamily="18" charset="0"/>
+                            <a:ea typeface="Cambria Math" panose="02040503050406030204" pitchFamily="18" charset="0"/>
+                          </a:rPr>
+                        </m:ctrlPr>
+                      </m:sSupPr>
+                      <m:e>
+                        <m:r>
+                          <a:rPr lang="en-GB" b="0" i="1" smtClean="0">
+                            <a:latin typeface="Cambria Math" panose="02040503050406030204" pitchFamily="18" charset="0"/>
+                            <a:ea typeface="Cambria Math" panose="02040503050406030204" pitchFamily="18" charset="0"/>
+                          </a:rPr>
+                          <m:t>10</m:t>
+                        </m:r>
+                      </m:e>
+                      <m:sup>
+                        <m:r>
+                          <a:rPr lang="en-GB" b="0" i="1" smtClean="0">
+                            <a:latin typeface="Cambria Math" panose="02040503050406030204" pitchFamily="18" charset="0"/>
+                            <a:ea typeface="Cambria Math" panose="02040503050406030204" pitchFamily="18" charset="0"/>
+                          </a:rPr>
+                          <m:t>6</m:t>
+                        </m:r>
+                      </m:sup>
+                    </m:sSup>
+                  </m:oMath>
+                </a14:m>
+                <a:endParaRPr lang="en-GB" b="0" dirty="0">
+                  <a:ea typeface="Cambria Math" panose="02040503050406030204" pitchFamily="18" charset="0"/>
+                </a:endParaRPr>
+              </a:p>
+              <a:p>
+                <a:pPr lvl="1"/>
+                <a:r>
+                  <a:rPr lang="de-DE" dirty="0"/>
+                  <a:t>Wenn </a:t>
+                </a:r>
+                <a14:m>
+                  <m:oMath xmlns:m="http://schemas.openxmlformats.org/officeDocument/2006/math">
+                    <m:r>
+                      <a:rPr lang="en-GB" b="0" i="1" smtClean="0">
+                        <a:latin typeface="Cambria Math" panose="02040503050406030204" pitchFamily="18" charset="0"/>
+                      </a:rPr>
+                      <m:t>𝑛</m:t>
+                    </m:r>
+                    <m:r>
+                      <a:rPr lang="en-GB" b="0" i="1" smtClean="0">
+                        <a:latin typeface="Cambria Math" panose="02040503050406030204" pitchFamily="18" charset="0"/>
+                      </a:rPr>
+                      <m:t> ≥700</m:t>
+                    </m:r>
+                  </m:oMath>
+                </a14:m>
+                <a:r>
+                  <a:rPr lang="de-DE" dirty="0"/>
+                  <a:t> Allokation auf dem Heap</a:t>
+                </a:r>
+              </a:p>
+              <a:p>
+                <a:pPr marL="0" lvl="1" indent="0">
+                  <a:buNone/>
+                </a:pPr>
+                <a:endParaRPr lang="de-DE" dirty="0"/>
+              </a:p>
+              <a:p>
+                <a:pPr lvl="1">
+                  <a:buNone/>
+                </a:pPr>
+                <a:endParaRPr lang="de-DE" dirty="0"/>
+              </a:p>
+            </p:txBody>
+          </p:sp>
+        </mc:Choice>
+        <mc:Fallback xmlns="">
+          <p:sp>
+            <p:nvSpPr>
+              <p:cNvPr id="2" name="Inhaltsplatzhalter 1"/>
+              <p:cNvSpPr>
+                <a:spLocks noGrp="1" noRot="1" noChangeAspect="1" noMove="1" noResize="1" noEditPoints="1" noAdjustHandles="1" noChangeArrowheads="1" noChangeShapeType="1" noTextEdit="1"/>
+              </p:cNvSpPr>
+              <p:nvPr>
+                <p:ph idx="1"/>
+              </p:nvPr>
+            </p:nvSpPr>
+            <p:spPr>
+              <a:xfrm>
+                <a:off x="531592" y="1625957"/>
+                <a:ext cx="8508999" cy="3095625"/>
+              </a:xfrm>
+              <a:blipFill>
+                <a:blip r:embed="rId3"/>
+                <a:stretch>
+                  <a:fillRect l="-1146"/>
+                </a:stretch>
+              </a:blipFill>
+            </p:spPr>
+            <p:txBody>
+              <a:bodyPr/>
+              <a:lstStyle/>
+              <a:p>
+                <a:r>
+                  <a:rPr lang="de-DE">
+                    <a:noFill/>
+                  </a:rPr>
+                  <a:t> </a:t>
+                </a:r>
+              </a:p>
+            </p:txBody>
+          </p:sp>
+        </mc:Fallback>
+      </mc:AlternateContent>
+      <p:sp>
+        <p:nvSpPr>
+          <p:cNvPr id="3" name="Titel 2"/>
+          <p:cNvSpPr>
+            <a:spLocks noGrp="1"/>
+          </p:cNvSpPr>
+          <p:nvPr>
+            <p:ph type="title"/>
+          </p:nvPr>
+        </p:nvSpPr>
+        <p:spPr>
+          <a:xfrm>
+            <a:off x="319090" y="888288"/>
+            <a:ext cx="8508999" cy="380810"/>
+          </a:xfrm>
+        </p:spPr>
+        <p:txBody>
+          <a:bodyPr/>
+          <a:lstStyle/>
+          <a:p>
+            <a:r>
+              <a:rPr lang="de-DE" dirty="0"/>
+              <a:t>Speicherallokation</a:t>
+            </a:r>
+          </a:p>
+        </p:txBody>
+      </p:sp>
+      <p:sp>
+        <p:nvSpPr>
+          <p:cNvPr id="4" name="Foliennummernplatzhalter 3"/>
+          <p:cNvSpPr>
+            <a:spLocks noGrp="1"/>
+          </p:cNvSpPr>
+          <p:nvPr>
+            <p:ph type="sldNum" sz="quarter" idx="11"/>
+          </p:nvPr>
+        </p:nvSpPr>
+        <p:spPr/>
+        <p:txBody>
+          <a:bodyPr/>
+          <a:lstStyle/>
+          <a:p>
+            <a:fld id="{CE58CB1E-F828-4F11-99E0-327109AF9DA4}" type="slidenum">
+              <a:rPr lang="de-DE" smtClean="0"/>
+              <a:pPr/>
+              <a:t>8</a:t>
+            </a:fld>
+            <a:endParaRPr lang="de-DE" dirty="0"/>
+          </a:p>
+        </p:txBody>
+      </p:sp>
+      <p:sp>
+        <p:nvSpPr>
+          <p:cNvPr id="6" name="Fußzeilenplatzhalter 4">
+            <a:extLst>
+              <a:ext uri="{FF2B5EF4-FFF2-40B4-BE49-F238E27FC236}">
+                <a16:creationId xmlns:a16="http://schemas.microsoft.com/office/drawing/2014/main" id="{2B94328E-641C-4BA8-A3FE-648A218F9B63}"/>
+              </a:ext>
+            </a:extLst>
+          </p:cNvPr>
+          <p:cNvSpPr>
+            <a:spLocks noGrp="1"/>
+          </p:cNvSpPr>
+          <p:nvPr>
+            <p:ph type="ftr" sz="quarter" idx="12"/>
+          </p:nvPr>
+        </p:nvSpPr>
+        <p:spPr>
+          <a:xfrm>
+            <a:off x="311162" y="4854985"/>
+            <a:ext cx="6464280" cy="273844"/>
+          </a:xfrm>
+        </p:spPr>
+        <p:txBody>
+          <a:bodyPr/>
+          <a:lstStyle/>
+          <a:p>
+            <a:r>
+              <a:rPr lang="de-DE" sz="1000" dirty="0"/>
+              <a:t>Von </a:t>
+            </a:r>
+            <a:r>
+              <a:rPr lang="de-DE" sz="1000" dirty="0" err="1"/>
+              <a:t>Aleksandre</a:t>
+            </a:r>
+            <a:r>
+              <a:rPr lang="de-DE" sz="1000" dirty="0"/>
+              <a:t> </a:t>
+            </a:r>
+            <a:r>
+              <a:rPr lang="de-DE" sz="1000" dirty="0" err="1"/>
+              <a:t>Kandelaki</a:t>
+            </a:r>
+            <a:r>
+              <a:rPr lang="de-DE" sz="1000" dirty="0"/>
+              <a:t>, Matthias Staritz und Benjamin Liertz</a:t>
+            </a:r>
+          </a:p>
+        </p:txBody>
+      </p:sp>
+    </p:spTree>
+  </p:cSld>
+  <p:clrMapOvr>
+    <a:masterClrMapping/>
+  </p:clrMapOvr>
+  <p:timing>
+    <p:tnLst>
+      <p:par>
+        <p:cTn id="1" dur="indefinite" restart="never" nodeType="tmRoot">
+          <p:childTnLst>
+            <p:seq concurrent="1" nextAc="seek">
+              <p:cTn id="2" dur="indefinite" nodeType="mainSeq">
+                <p:childTnLst>
+                  <p:par>
+                    <p:cTn id="3" fill="hold">
+                      <p:stCondLst>
+                        <p:cond delay="indefinite"/>
+                      </p:stCondLst>
+                      <p:childTnLst>
+                        <p:par>
+                          <p:cTn id="4" fill="hold">
+                            <p:stCondLst>
+                              <p:cond delay="0"/>
+                            </p:stCondLst>
+                            <p:childTnLst>
+                              <p:par>
+                                <p:cTn id="5" presetID="1" presetClass="entr" presetSubtype="0" fill="hold" nodeType="clickEffect">
+                                  <p:stCondLst>
+                                    <p:cond delay="0"/>
+                                  </p:stCondLst>
+                                  <p:childTnLst>
+                                    <p:set>
+                                      <p:cBhvr>
+                                        <p:cTn id="6" dur="1" fill="hold">
+                                          <p:stCondLst>
+                                            <p:cond delay="0"/>
+                                          </p:stCondLst>
+                                        </p:cTn>
+                                        <p:tgtEl>
+                                          <p:spTgt spid="2">
+                                            <p:txEl>
+                                              <p:pRg st="1" end="1"/>
+                                            </p:txEl>
+                                          </p:spTgt>
+                                        </p:tgtEl>
+                                        <p:attrNameLst>
+                                          <p:attrName>style.visibility</p:attrName>
+                                        </p:attrNameLst>
+                                      </p:cBhvr>
+                                      <p:to>
+                                        <p:strVal val="visible"/>
+                                      </p:to>
+                                    </p:set>
+                                  </p:childTnLst>
+                                </p:cTn>
+                              </p:par>
+                            </p:childTnLst>
+                          </p:cTn>
+                        </p:par>
+                      </p:childTnLst>
+                    </p:cTn>
+                  </p:par>
+                  <p:par>
+                    <p:cTn id="7" fill="hold">
+                      <p:stCondLst>
+                        <p:cond delay="indefinite"/>
+                      </p:stCondLst>
+                      <p:childTnLst>
+                        <p:par>
+                          <p:cTn id="8" fill="hold">
+                            <p:stCondLst>
+                              <p:cond delay="0"/>
+                            </p:stCondLst>
+                            <p:childTnLst>
+                              <p:par>
+                                <p:cTn id="9" presetID="1" presetClass="entr" presetSubtype="0" fill="hold" nodeType="clickEffect">
+                                  <p:stCondLst>
+                                    <p:cond delay="0"/>
+                                  </p:stCondLst>
+                                  <p:childTnLst>
+                                    <p:set>
+                                      <p:cBhvr>
+                                        <p:cTn id="10" dur="1" fill="hold">
+                                          <p:stCondLst>
+                                            <p:cond delay="0"/>
+                                          </p:stCondLst>
+                                        </p:cTn>
+                                        <p:tgtEl>
+                                          <p:spTgt spid="2">
+                                            <p:txEl>
+                                              <p:pRg st="2" end="2"/>
+                                            </p:txEl>
+                                          </p:spTgt>
+                                        </p:tgtEl>
+                                        <p:attrNameLst>
+                                          <p:attrName>style.visibility</p:attrName>
+                                        </p:attrNameLst>
+                                      </p:cBhvr>
+                                      <p:to>
+                                        <p:strVal val="visible"/>
+                                      </p:to>
+                                    </p:set>
+                                  </p:childTnLst>
+                                </p:cTn>
+                              </p:par>
+                            </p:childTnLst>
+                          </p:cTn>
+                        </p:par>
+                      </p:childTnLst>
+                    </p:cTn>
+                  </p:par>
+                  <p:par>
+                    <p:cTn id="11" fill="hold">
+                      <p:stCondLst>
+                        <p:cond delay="indefinite"/>
+                      </p:stCondLst>
+                      <p:childTnLst>
+                        <p:par>
+                          <p:cTn id="12" fill="hold">
+                            <p:stCondLst>
+                              <p:cond delay="0"/>
+                            </p:stCondLst>
+                            <p:childTnLst>
+                              <p:par>
+                                <p:cTn id="13" presetID="1" presetClass="entr" presetSubtype="0" fill="hold" nodeType="clickEffect">
+                                  <p:stCondLst>
+                                    <p:cond delay="0"/>
+                                  </p:stCondLst>
+                                  <p:childTnLst>
+                                    <p:set>
+                                      <p:cBhvr>
+                                        <p:cTn id="14" dur="1" fill="hold">
+                                          <p:stCondLst>
+                                            <p:cond delay="0"/>
+                                          </p:stCondLst>
+                                        </p:cTn>
+                                        <p:tgtEl>
+                                          <p:spTgt spid="2">
+                                            <p:txEl>
+                                              <p:pRg st="3" end="3"/>
+                                            </p:txEl>
+                                          </p:spTgt>
+                                        </p:tgtEl>
+                                        <p:attrNameLst>
+                                          <p:attrName>style.visibility</p:attrName>
+                                        </p:attrNameLst>
+                                      </p:cBhvr>
+                                      <p:to>
+                                        <p:strVal val="visible"/>
+                                      </p:to>
+                                    </p:set>
+                                  </p:childTnLst>
+                                </p:cTn>
+                              </p:par>
+                            </p:childTnLst>
+                          </p:cTn>
+                        </p:par>
+                      </p:childTnLst>
+                    </p:cTn>
+                  </p:par>
+                  <p:par>
+                    <p:cTn id="15" fill="hold">
+                      <p:stCondLst>
+                        <p:cond delay="indefinite"/>
+                      </p:stCondLst>
+                      <p:childTnLst>
+                        <p:par>
+                          <p:cTn id="16" fill="hold">
+                            <p:stCondLst>
+                              <p:cond delay="0"/>
+                            </p:stCondLst>
+                            <p:childTnLst>
+                              <p:par>
+                                <p:cTn id="17" presetID="1" presetClass="entr" presetSubtype="0" fill="hold" nodeType="clickEffect">
+                                  <p:stCondLst>
+                                    <p:cond delay="0"/>
+                                  </p:stCondLst>
+                                  <p:childTnLst>
+                                    <p:set>
+                                      <p:cBhvr>
+                                        <p:cTn id="18" dur="1" fill="hold">
+                                          <p:stCondLst>
+                                            <p:cond delay="0"/>
+                                          </p:stCondLst>
+                                        </p:cTn>
+                                        <p:tgtEl>
+                                          <p:spTgt spid="2">
+                                            <p:txEl>
+                                              <p:pRg st="4" end="4"/>
+                                            </p:txEl>
+                                          </p:spTgt>
+                                        </p:tgtEl>
+                                        <p:attrNameLst>
+                                          <p:attrName>style.visibility</p:attrName>
+                                        </p:attrNameLst>
+                                      </p:cBhvr>
+                                      <p:to>
+                                        <p:strVal val="visible"/>
+                                      </p:to>
+                                    </p:set>
+                                  </p:childTnLst>
+                                </p:cTn>
+                              </p:par>
+                            </p:childTnLst>
+                          </p:cTn>
+                        </p:par>
+                      </p:childTnLst>
+                    </p:cTn>
+                  </p:par>
+                  <p:par>
+                    <p:cTn id="19" fill="hold">
+                      <p:stCondLst>
+                        <p:cond delay="indefinite"/>
+                      </p:stCondLst>
+                      <p:childTnLst>
+                        <p:par>
+                          <p:cTn id="20" fill="hold">
+                            <p:stCondLst>
+                              <p:cond delay="0"/>
+                            </p:stCondLst>
+                            <p:childTnLst>
+                              <p:par>
+                                <p:cTn id="21" presetID="1" presetClass="entr" presetSubtype="0" fill="hold" nodeType="clickEffect">
+                                  <p:stCondLst>
+                                    <p:cond delay="0"/>
+                                  </p:stCondLst>
+                                  <p:childTnLst>
+                                    <p:set>
+                                      <p:cBhvr>
+                                        <p:cTn id="22" dur="1" fill="hold">
+                                          <p:stCondLst>
+                                            <p:cond delay="0"/>
+                                          </p:stCondLst>
+                                        </p:cTn>
+                                        <p:tgtEl>
+                                          <p:spTgt spid="2">
+                                            <p:txEl>
+                                              <p:pRg st="5" end="5"/>
+                                            </p:txEl>
+                                          </p:spTgt>
+                                        </p:tgtEl>
+                                        <p:attrNameLst>
+                                          <p:attrName>style.visibility</p:attrName>
+                                        </p:attrNameLst>
+                                      </p:cBhvr>
+                                      <p:to>
+                                        <p:strVal val="visible"/>
+                                      </p:to>
+                                    </p:set>
+                                  </p:childTnLst>
+                                </p:cTn>
+                              </p:par>
+                            </p:childTnLst>
+                          </p:cTn>
+                        </p:par>
+                      </p:childTnLst>
+                    </p:cTn>
+                  </p:par>
+                </p:childTnLst>
+              </p:cTn>
+              <p:prevCondLst>
+                <p:cond evt="onPrev" delay="0">
+                  <p:tgtEl>
+                    <p:sldTgt/>
+                  </p:tgtEl>
+                </p:cond>
+              </p:prevCondLst>
+              <p:nextCondLst>
+                <p:cond evt="onNext" delay="0">
+                  <p:tgtEl>
+                    <p:sldTgt/>
+                  </p:tgtEl>
+                </p:cond>
+              </p:nextCondLst>
+            </p:seq>
+          </p:childTnLst>
+        </p:cTn>
+      </p:par>
+    </p:tnLst>
+  </p:timing>
+</p:sld>
+</file>
+
+<file path=ppt/slides/slide9.xml><?xml version="1.0" encoding="utf-8"?>
+<p:sld xmlns:a="http://schemas.openxmlformats.org/drawingml/2006/main" xmlns:r="http://schemas.openxmlformats.org/officeDocument/2006/relationships" xmlns:p="http://schemas.openxmlformats.org/presentationml/2006/main">
+  <p:cSld>
+    <p:spTree>
+      <p:nvGrpSpPr>
+        <p:cNvPr id="1" name=""/>
+        <p:cNvGrpSpPr/>
+        <p:nvPr/>
+      </p:nvGrpSpPr>
+      <p:grpSpPr>
+        <a:xfrm>
+          <a:off x="0" y="0"/>
+          <a:ext cx="0" cy="0"/>
+          <a:chOff x="0" y="0"/>
+          <a:chExt cx="0" cy="0"/>
+        </a:xfrm>
+      </p:grpSpPr>
+      <p:sp>
+        <p:nvSpPr>
+          <p:cNvPr id="2" name="Inhaltsplatzhalter 1"/>
+          <p:cNvSpPr>
+            <a:spLocks noGrp="1"/>
+          </p:cNvSpPr>
+          <p:nvPr>
+            <p:ph idx="1"/>
+          </p:nvPr>
+        </p:nvSpPr>
+        <p:spPr>
+          <a:xfrm>
+            <a:off x="502159" y="2162174"/>
+            <a:ext cx="1624010" cy="271587"/>
+          </a:xfrm>
+        </p:spPr>
+        <p:txBody>
+          <a:bodyPr/>
+          <a:lstStyle/>
+          <a:p>
+            <a:r>
+              <a:rPr lang="de-DE" dirty="0"/>
+              <a:t>Absorption:</a:t>
+            </a:r>
+          </a:p>
+        </p:txBody>
+      </p:sp>
+      <p:sp>
+        <p:nvSpPr>
+          <p:cNvPr id="3" name="Titel 2"/>
+          <p:cNvSpPr>
+            <a:spLocks noGrp="1"/>
+          </p:cNvSpPr>
+          <p:nvPr>
+            <p:ph type="title"/>
+          </p:nvPr>
+        </p:nvSpPr>
+        <p:spPr>
+          <a:xfrm>
+            <a:off x="318009" y="837520"/>
+            <a:ext cx="8508999" cy="380810"/>
+          </a:xfrm>
+        </p:spPr>
+        <p:txBody>
+          <a:bodyPr/>
+          <a:lstStyle/>
+          <a:p>
+            <a:r>
+              <a:rPr lang="de-DE" dirty="0"/>
+              <a:t>Genauigkeit</a:t>
+            </a:r>
+          </a:p>
+        </p:txBody>
+      </p:sp>
+      <p:sp>
+        <p:nvSpPr>
+          <p:cNvPr id="4" name="Foliennummernplatzhalter 3"/>
+          <p:cNvSpPr>
+            <a:spLocks noGrp="1"/>
+          </p:cNvSpPr>
+          <p:nvPr>
+            <p:ph type="sldNum" sz="quarter" idx="11"/>
+          </p:nvPr>
+        </p:nvSpPr>
+        <p:spPr/>
+        <p:txBody>
+          <a:bodyPr/>
+          <a:lstStyle/>
+          <a:p>
+            <a:fld id="{CE58CB1E-F828-4F11-99E0-327109AF9DA4}" type="slidenum">
+              <a:rPr lang="de-DE" smtClean="0"/>
+              <a:pPr/>
+              <a:t>9</a:t>
+            </a:fld>
+            <a:endParaRPr lang="de-DE" dirty="0"/>
+          </a:p>
+        </p:txBody>
+      </p:sp>
+      <p:sp>
+        <p:nvSpPr>
+          <p:cNvPr id="7" name="Fußzeilenplatzhalter 4"/>
+          <p:cNvSpPr>
+            <a:spLocks noGrp="1"/>
+          </p:cNvSpPr>
+          <p:nvPr>
+            <p:ph type="ftr" sz="quarter" idx="12"/>
+          </p:nvPr>
+        </p:nvSpPr>
+        <p:spPr/>
+        <p:txBody>
+          <a:bodyPr/>
+          <a:lstStyle/>
+          <a:p>
+            <a:r>
+              <a:rPr lang="de-DE" sz="1000" dirty="0"/>
+              <a:t>Von </a:t>
+            </a:r>
+            <a:r>
+              <a:rPr lang="de-DE" sz="1000" dirty="0" err="1"/>
+              <a:t>Aleksandre</a:t>
+            </a:r>
+            <a:r>
+              <a:rPr lang="de-DE" sz="1000" dirty="0"/>
+              <a:t> </a:t>
+            </a:r>
+            <a:r>
+              <a:rPr lang="de-DE" sz="1000" dirty="0" err="1"/>
+              <a:t>Kandelaki</a:t>
+            </a:r>
+            <a:r>
+              <a:rPr lang="de-DE" sz="1000" dirty="0"/>
+              <a:t>, Matthias Staritz und Benjamin Liertz</a:t>
+            </a:r>
+          </a:p>
+        </p:txBody>
+      </p:sp>
+      <p:sp>
+        <p:nvSpPr>
+          <p:cNvPr id="8" name="Inhaltsplatzhalter 1">
+            <a:extLst>
+              <a:ext uri="{FF2B5EF4-FFF2-40B4-BE49-F238E27FC236}">
+                <a16:creationId xmlns:a16="http://schemas.microsoft.com/office/drawing/2014/main" id="{3B75AAF4-DA3B-4ED6-8CFC-3EA0C8C773A7}"/>
+              </a:ext>
+            </a:extLst>
+          </p:cNvPr>
+          <p:cNvSpPr txBox="1">
+            <a:spLocks/>
+          </p:cNvSpPr>
+          <p:nvPr/>
+        </p:nvSpPr>
+        <p:spPr>
+          <a:xfrm>
+            <a:off x="4182960" y="2159917"/>
+            <a:ext cx="1834960" cy="273844"/>
+          </a:xfrm>
+          <a:prstGeom prst="rect">
+            <a:avLst/>
+          </a:prstGeom>
+          <a:noFill/>
+          <a:ln w="9525">
+            <a:noFill/>
+            <a:miter lim="800000"/>
+            <a:headEnd/>
+            <a:tailEnd/>
+          </a:ln>
+        </p:spPr>
+        <p:txBody>
+          <a:bodyPr vert="horz" wrap="square" lIns="0" tIns="0" rIns="0" bIns="0" numCol="1" anchor="t" anchorCtr="0" compatLnSpc="1">
+            <a:prstTxWarp prst="textNoShape">
+              <a:avLst/>
+            </a:prstTxWarp>
+          </a:bodyPr>
+          <a:lstStyle>
+            <a:lvl1pPr algn="l" rtl="0" eaLnBrk="0" fontAlgn="base" hangingPunct="0">
+              <a:lnSpc>
+                <a:spcPct val="114000"/>
+              </a:lnSpc>
+              <a:spcBef>
+                <a:spcPct val="0"/>
+              </a:spcBef>
+              <a:spcAft>
+                <a:spcPct val="0"/>
+              </a:spcAft>
+              <a:defRPr lang="de-DE" sz="1400" kern="1200" noProof="0" dirty="0" smtClean="0">
+                <a:solidFill>
+                  <a:schemeClr val="tx1"/>
+                </a:solidFill>
+                <a:latin typeface="+mn-lt"/>
+                <a:ea typeface="+mn-ea"/>
+                <a:cs typeface="+mn-cs"/>
+              </a:defRPr>
+            </a:lvl1pPr>
+            <a:lvl2pPr marL="176213" indent="-176213" algn="l" rtl="0" eaLnBrk="0" fontAlgn="base" hangingPunct="0">
+              <a:lnSpc>
+                <a:spcPct val="114000"/>
+              </a:lnSpc>
+              <a:spcBef>
+                <a:spcPct val="0"/>
+              </a:spcBef>
+              <a:spcAft>
+                <a:spcPct val="0"/>
+              </a:spcAft>
+              <a:buFont typeface="Arial" charset="0"/>
+              <a:buChar char="•"/>
+              <a:defRPr lang="de-DE" sz="1400" kern="1200" noProof="0" dirty="0" smtClean="0">
+                <a:solidFill>
+                  <a:schemeClr val="tx1"/>
+                </a:solidFill>
+                <a:latin typeface="+mn-lt"/>
+                <a:ea typeface="+mn-ea"/>
+                <a:cs typeface="+mn-cs"/>
+              </a:defRPr>
+            </a:lvl2pPr>
+            <a:lvl3pPr marL="360363" indent="-184150" algn="l" rtl="0" eaLnBrk="0" fontAlgn="base" hangingPunct="0">
+              <a:lnSpc>
+                <a:spcPct val="125000"/>
+              </a:lnSpc>
+              <a:spcBef>
+                <a:spcPct val="0"/>
+              </a:spcBef>
+              <a:spcAft>
+                <a:spcPct val="0"/>
+              </a:spcAft>
+              <a:buFont typeface="Symbol" pitchFamily="18" charset="2"/>
+              <a:buChar char="-"/>
+              <a:defRPr sz="1400" kern="1200">
+                <a:solidFill>
+                  <a:schemeClr val="tx1"/>
+                </a:solidFill>
+                <a:latin typeface="+mn-lt"/>
+                <a:ea typeface="+mn-ea"/>
+                <a:cs typeface="+mn-cs"/>
+              </a:defRPr>
+            </a:lvl3pPr>
+            <a:lvl4pPr marL="538163" indent="-177800" algn="l" rtl="0" eaLnBrk="0" fontAlgn="base" hangingPunct="0">
+              <a:lnSpc>
+                <a:spcPct val="125000"/>
+              </a:lnSpc>
+              <a:spcBef>
+                <a:spcPct val="0"/>
+              </a:spcBef>
+              <a:spcAft>
+                <a:spcPct val="0"/>
+              </a:spcAft>
+              <a:buFont typeface="Symbol" pitchFamily="18" charset="2"/>
+              <a:buChar char="-"/>
+              <a:defRPr sz="1400" kern="1200">
+                <a:solidFill>
+                  <a:schemeClr val="tx1"/>
+                </a:solidFill>
+                <a:latin typeface="+mn-lt"/>
+                <a:ea typeface="+mn-ea"/>
+                <a:cs typeface="+mn-cs"/>
+              </a:defRPr>
+            </a:lvl4pPr>
+            <a:lvl5pPr marL="714375" indent="-176213" algn="l" rtl="0" eaLnBrk="0" fontAlgn="base" hangingPunct="0">
+              <a:lnSpc>
+                <a:spcPct val="125000"/>
+              </a:lnSpc>
+              <a:spcBef>
+                <a:spcPct val="0"/>
+              </a:spcBef>
+              <a:spcAft>
+                <a:spcPct val="0"/>
+              </a:spcAft>
+              <a:buFont typeface="Symbol" pitchFamily="18" charset="2"/>
+              <a:buChar char="-"/>
+              <a:defRPr sz="1400" kern="1200">
+                <a:solidFill>
+                  <a:schemeClr val="tx1"/>
+                </a:solidFill>
+                <a:latin typeface="+mn-lt"/>
+                <a:ea typeface="+mn-ea"/>
+                <a:cs typeface="+mn-cs"/>
+              </a:defRPr>
+            </a:lvl5pPr>
+            <a:lvl6pPr marL="2514600" indent="-228600" algn="l" defTabSz="914400" rtl="0" eaLnBrk="1" latinLnBrk="0" hangingPunct="1">
+              <a:spcBef>
+                <a:spcPct val="20000"/>
+              </a:spcBef>
+              <a:buFont typeface="Arial" pitchFamily="34" charset="0"/>
+              <a:buChar char="•"/>
+              <a:defRPr sz="2000" kern="1200">
+                <a:solidFill>
+                  <a:schemeClr val="tx1"/>
+                </a:solidFill>
+                <a:latin typeface="+mn-lt"/>
+                <a:ea typeface="+mn-ea"/>
+                <a:cs typeface="+mn-cs"/>
+              </a:defRPr>
+            </a:lvl6pPr>
+            <a:lvl7pPr marL="2971800" indent="-228600" algn="l" defTabSz="914400" rtl="0" eaLnBrk="1" latinLnBrk="0" hangingPunct="1">
+              <a:spcBef>
+                <a:spcPct val="20000"/>
+              </a:spcBef>
+              <a:buFont typeface="Arial" pitchFamily="34" charset="0"/>
+              <a:buChar char="•"/>
+              <a:defRPr sz="2000" kern="1200">
+                <a:solidFill>
+                  <a:schemeClr val="tx1"/>
+                </a:solidFill>
+                <a:latin typeface="+mn-lt"/>
+                <a:ea typeface="+mn-ea"/>
+                <a:cs typeface="+mn-cs"/>
+              </a:defRPr>
+            </a:lvl7pPr>
+            <a:lvl8pPr marL="3429000" indent="-228600" algn="l" defTabSz="914400" rtl="0" eaLnBrk="1" latinLnBrk="0" hangingPunct="1">
+              <a:spcBef>
+                <a:spcPct val="20000"/>
+              </a:spcBef>
+              <a:buFont typeface="Arial" pitchFamily="34" charset="0"/>
+              <a:buChar char="•"/>
+              <a:defRPr sz="2000" kern="1200">
+                <a:solidFill>
+                  <a:schemeClr val="tx1"/>
+                </a:solidFill>
+                <a:latin typeface="+mn-lt"/>
+                <a:ea typeface="+mn-ea"/>
+                <a:cs typeface="+mn-cs"/>
+              </a:defRPr>
+            </a:lvl8pPr>
+            <a:lvl9pPr marL="3886200" indent="-228600" algn="l" defTabSz="914400" rtl="0" eaLnBrk="1" latinLnBrk="0" hangingPunct="1">
+              <a:spcBef>
+                <a:spcPct val="20000"/>
+              </a:spcBef>
+              <a:buFont typeface="Arial" pitchFamily="34" charset="0"/>
+              <a:buChar char="•"/>
+              <a:defRPr sz="2000" kern="1200">
+                <a:solidFill>
+                  <a:schemeClr val="tx1"/>
+                </a:solidFill>
+                <a:latin typeface="+mn-lt"/>
+                <a:ea typeface="+mn-ea"/>
+                <a:cs typeface="+mn-cs"/>
+              </a:defRPr>
+            </a:lvl9pPr>
+          </a:lstStyle>
+          <a:p>
+            <a:r>
+              <a:rPr lang="de-DE" dirty="0"/>
+              <a:t>Auslöschung:</a:t>
+            </a:r>
+          </a:p>
+        </p:txBody>
+      </p:sp>
+      <p:sp>
+        <p:nvSpPr>
+          <p:cNvPr id="12" name="Textfeld 11">
+            <a:extLst>
+              <a:ext uri="{FF2B5EF4-FFF2-40B4-BE49-F238E27FC236}">
+                <a16:creationId xmlns:a16="http://schemas.microsoft.com/office/drawing/2014/main" id="{CB1EC23D-B186-47FA-A007-2075EA2D0610}"/>
+              </a:ext>
+            </a:extLst>
+          </p:cNvPr>
+          <p:cNvSpPr txBox="1"/>
+          <p:nvPr/>
+        </p:nvSpPr>
+        <p:spPr>
+          <a:xfrm>
+            <a:off x="502159" y="2617366"/>
+            <a:ext cx="3511545" cy="307777"/>
+          </a:xfrm>
+          <a:prstGeom prst="rect">
+            <a:avLst/>
+          </a:prstGeom>
+          <a:noFill/>
+        </p:spPr>
+        <p:txBody>
+          <a:bodyPr wrap="square">
+            <a:spAutoFit/>
+          </a:bodyPr>
+          <a:lstStyle/>
+          <a:p>
+            <a:r>
+              <a:rPr lang="de-DE" sz="1400" dirty="0">
+                <a:latin typeface="Cambria Math" panose="02040503050406030204" pitchFamily="18" charset="0"/>
+              </a:rPr>
+              <a:t>1000000,00f + 0,01f = 1000000,00f</a:t>
+            </a:r>
+          </a:p>
+        </p:txBody>
+      </p:sp>
+      <p:sp>
+        <p:nvSpPr>
+          <p:cNvPr id="11" name="Inhaltsplatzhalter 1">
+            <a:extLst>
+              <a:ext uri="{FF2B5EF4-FFF2-40B4-BE49-F238E27FC236}">
+                <a16:creationId xmlns:a16="http://schemas.microsoft.com/office/drawing/2014/main" id="{50248EC9-836D-4B59-A3DC-0C01D29E621F}"/>
+              </a:ext>
+            </a:extLst>
+          </p:cNvPr>
+          <p:cNvSpPr txBox="1">
+            <a:spLocks/>
+          </p:cNvSpPr>
+          <p:nvPr/>
+        </p:nvSpPr>
+        <p:spPr>
+          <a:xfrm>
+            <a:off x="4262148" y="2619141"/>
+            <a:ext cx="3511545" cy="380810"/>
+          </a:xfrm>
+          <a:prstGeom prst="rect">
+            <a:avLst/>
+          </a:prstGeom>
+          <a:noFill/>
+          <a:ln w="9525">
+            <a:noFill/>
+            <a:miter lim="800000"/>
+            <a:headEnd/>
+            <a:tailEnd/>
+          </a:ln>
+        </p:spPr>
+        <p:txBody>
+          <a:bodyPr vert="horz" wrap="square" lIns="0" tIns="0" rIns="0" bIns="0" numCol="1" anchor="t" anchorCtr="0" compatLnSpc="1">
+            <a:prstTxWarp prst="textNoShape">
+              <a:avLst/>
+            </a:prstTxWarp>
+          </a:bodyPr>
+          <a:lstStyle>
+            <a:lvl1pPr algn="l" rtl="0" eaLnBrk="0" fontAlgn="base" hangingPunct="0">
+              <a:lnSpc>
+                <a:spcPct val="114000"/>
+              </a:lnSpc>
+              <a:spcBef>
+                <a:spcPct val="0"/>
+              </a:spcBef>
+              <a:spcAft>
+                <a:spcPct val="0"/>
+              </a:spcAft>
+              <a:defRPr lang="de-DE" sz="1400" kern="1200" noProof="0" dirty="0" smtClean="0">
+                <a:solidFill>
+                  <a:schemeClr val="tx1"/>
+                </a:solidFill>
+                <a:latin typeface="+mn-lt"/>
+                <a:ea typeface="+mn-ea"/>
+                <a:cs typeface="+mn-cs"/>
+              </a:defRPr>
+            </a:lvl1pPr>
+            <a:lvl2pPr marL="176213" indent="-176213" algn="l" rtl="0" eaLnBrk="0" fontAlgn="base" hangingPunct="0">
+              <a:lnSpc>
+                <a:spcPct val="114000"/>
+              </a:lnSpc>
+              <a:spcBef>
+                <a:spcPct val="0"/>
+              </a:spcBef>
+              <a:spcAft>
+                <a:spcPct val="0"/>
+              </a:spcAft>
+              <a:buFont typeface="Arial" charset="0"/>
+              <a:buChar char="•"/>
+              <a:defRPr lang="de-DE" sz="1400" kern="1200" noProof="0" dirty="0" smtClean="0">
+                <a:solidFill>
+                  <a:schemeClr val="tx1"/>
+                </a:solidFill>
+                <a:latin typeface="+mn-lt"/>
+                <a:ea typeface="+mn-ea"/>
+                <a:cs typeface="+mn-cs"/>
+              </a:defRPr>
+            </a:lvl2pPr>
+            <a:lvl3pPr marL="360363" indent="-184150" algn="l" rtl="0" eaLnBrk="0" fontAlgn="base" hangingPunct="0">
+              <a:lnSpc>
+                <a:spcPct val="125000"/>
+              </a:lnSpc>
+              <a:spcBef>
+                <a:spcPct val="0"/>
+              </a:spcBef>
+              <a:spcAft>
+                <a:spcPct val="0"/>
+              </a:spcAft>
+              <a:buFont typeface="Symbol" pitchFamily="18" charset="2"/>
+              <a:buChar char="-"/>
+              <a:defRPr sz="1400" kern="1200">
+                <a:solidFill>
+                  <a:schemeClr val="tx1"/>
+                </a:solidFill>
+                <a:latin typeface="+mn-lt"/>
+                <a:ea typeface="+mn-ea"/>
+                <a:cs typeface="+mn-cs"/>
+              </a:defRPr>
+            </a:lvl3pPr>
+            <a:lvl4pPr marL="538163" indent="-177800" algn="l" rtl="0" eaLnBrk="0" fontAlgn="base" hangingPunct="0">
+              <a:lnSpc>
+                <a:spcPct val="125000"/>
+              </a:lnSpc>
+              <a:spcBef>
+                <a:spcPct val="0"/>
+              </a:spcBef>
+              <a:spcAft>
+                <a:spcPct val="0"/>
+              </a:spcAft>
+              <a:buFont typeface="Symbol" pitchFamily="18" charset="2"/>
+              <a:buChar char="-"/>
+              <a:defRPr sz="1400" kern="1200">
+                <a:solidFill>
+                  <a:schemeClr val="tx1"/>
+                </a:solidFill>
+                <a:latin typeface="+mn-lt"/>
+                <a:ea typeface="+mn-ea"/>
+                <a:cs typeface="+mn-cs"/>
+              </a:defRPr>
+            </a:lvl4pPr>
+            <a:lvl5pPr marL="714375" indent="-176213" algn="l" rtl="0" eaLnBrk="0" fontAlgn="base" hangingPunct="0">
+              <a:lnSpc>
+                <a:spcPct val="125000"/>
+              </a:lnSpc>
+              <a:spcBef>
+                <a:spcPct val="0"/>
+              </a:spcBef>
+              <a:spcAft>
+                <a:spcPct val="0"/>
+              </a:spcAft>
+              <a:buFont typeface="Symbol" pitchFamily="18" charset="2"/>
+              <a:buChar char="-"/>
+              <a:defRPr sz="1400" kern="1200">
+                <a:solidFill>
+                  <a:schemeClr val="tx1"/>
+                </a:solidFill>
+                <a:latin typeface="+mn-lt"/>
+                <a:ea typeface="+mn-ea"/>
+                <a:cs typeface="+mn-cs"/>
+              </a:defRPr>
+            </a:lvl5pPr>
+            <a:lvl6pPr marL="2514600" indent="-228600" algn="l" defTabSz="914400" rtl="0" eaLnBrk="1" latinLnBrk="0" hangingPunct="1">
+              <a:spcBef>
+                <a:spcPct val="20000"/>
+              </a:spcBef>
+              <a:buFont typeface="Arial" pitchFamily="34" charset="0"/>
+              <a:buChar char="•"/>
+              <a:defRPr sz="2000" kern="1200">
+                <a:solidFill>
+                  <a:schemeClr val="tx1"/>
+                </a:solidFill>
+                <a:latin typeface="+mn-lt"/>
+                <a:ea typeface="+mn-ea"/>
+                <a:cs typeface="+mn-cs"/>
+              </a:defRPr>
+            </a:lvl6pPr>
+            <a:lvl7pPr marL="2971800" indent="-228600" algn="l" defTabSz="914400" rtl="0" eaLnBrk="1" latinLnBrk="0" hangingPunct="1">
+              <a:spcBef>
+                <a:spcPct val="20000"/>
+              </a:spcBef>
+              <a:buFont typeface="Arial" pitchFamily="34" charset="0"/>
+              <a:buChar char="•"/>
+              <a:defRPr sz="2000" kern="1200">
+                <a:solidFill>
+                  <a:schemeClr val="tx1"/>
+                </a:solidFill>
+                <a:latin typeface="+mn-lt"/>
+                <a:ea typeface="+mn-ea"/>
+                <a:cs typeface="+mn-cs"/>
+              </a:defRPr>
+            </a:lvl7pPr>
+            <a:lvl8pPr marL="3429000" indent="-228600" algn="l" defTabSz="914400" rtl="0" eaLnBrk="1" latinLnBrk="0" hangingPunct="1">
+              <a:spcBef>
+                <a:spcPct val="20000"/>
+              </a:spcBef>
+              <a:buFont typeface="Arial" pitchFamily="34" charset="0"/>
+              <a:buChar char="•"/>
+              <a:defRPr sz="2000" kern="1200">
+                <a:solidFill>
+                  <a:schemeClr val="tx1"/>
+                </a:solidFill>
+                <a:latin typeface="+mn-lt"/>
+                <a:ea typeface="+mn-ea"/>
+                <a:cs typeface="+mn-cs"/>
+              </a:defRPr>
+            </a:lvl8pPr>
+            <a:lvl9pPr marL="3886200" indent="-228600" algn="l" defTabSz="914400" rtl="0" eaLnBrk="1" latinLnBrk="0" hangingPunct="1">
+              <a:spcBef>
+                <a:spcPct val="20000"/>
+              </a:spcBef>
+              <a:buFont typeface="Arial" pitchFamily="34" charset="0"/>
+              <a:buChar char="•"/>
+              <a:defRPr sz="2000" kern="1200">
+                <a:solidFill>
+                  <a:schemeClr val="tx1"/>
+                </a:solidFill>
+                <a:latin typeface="+mn-lt"/>
+                <a:ea typeface="+mn-ea"/>
+                <a:cs typeface="+mn-cs"/>
+              </a:defRPr>
+            </a:lvl9pPr>
+          </a:lstStyle>
+          <a:p>
+            <a:r>
+              <a:rPr lang="de-DE" dirty="0">
+                <a:latin typeface="Cambria Math" panose="02040503050406030204" pitchFamily="18" charset="0"/>
+                <a:cs typeface="Arial" charset="0"/>
+              </a:rPr>
+              <a:t>1000000,1f − 1000000,0f = 0,125f != 0,1f </a:t>
+            </a:r>
+          </a:p>
+        </p:txBody>
+      </p:sp>
+    </p:spTree>
+    <p:extLst>
+      <p:ext uri="{BB962C8B-B14F-4D97-AF65-F5344CB8AC3E}">
+        <p14:creationId xmlns:p14="http://schemas.microsoft.com/office/powerpoint/2010/main" val="219997872"/>
       </p:ext>
     </p:extLst>
   </p:cSld>
